--- a/docs/lex4all.pptx
+++ b/docs/lex4all.pptx
@@ -112,10 +112,10 @@
   </p:defaultTextStyle>
   <p:extLst>
     <p:ext uri="{EFAFB233-063F-42B5-8137-9DF3F51BA10A}">
-      <p15:sldGuideLst xmlns:p15="http://schemas.microsoft.com/office/powerpoint/2012/main" xmlns=""/>
+      <p15:sldGuideLst xmlns="" xmlns:p15="http://schemas.microsoft.com/office/powerpoint/2012/main"/>
     </p:ext>
     <p:ext uri="{2D200454-40CA-4A62-9FC3-DE9A4176ACB9}">
-      <p15:notesGuideLst xmlns:p15="http://schemas.microsoft.com/office/powerpoint/2012/main" xmlns=""/>
+      <p15:notesGuideLst xmlns="" xmlns:p15="http://schemas.microsoft.com/office/powerpoint/2012/main"/>
     </p:ext>
   </p:extLst>
 </p:presentation>
@@ -123,7 +123,8 @@
 
 <file path=ppt/charts/chart1.xml><?xml version="1.0" encoding="utf-8"?>
 <c:chartSpace xmlns:c="http://schemas.openxmlformats.org/drawingml/2006/chart" xmlns:a="http://schemas.openxmlformats.org/drawingml/2006/main" xmlns:r="http://schemas.openxmlformats.org/officeDocument/2006/relationships">
-  <c:lang val="de-DE"/>
+  <c:date1904 val="1"/>
+  <c:lang val="en-US"/>
   <c:chart>
     <c:title>
       <c:layout/>
@@ -139,7 +140,7 @@
         <a:lstStyle/>
         <a:p>
           <a:pPr>
-            <a:defRPr sz="1862" b="0" i="0" u="none" strike="noStrike" kern="1200" spc="0" baseline="0">
+            <a:defRPr lang="de-DE" sz="1862" b="0" i="0" u="none" strike="noStrike" kern="1200" spc="0" baseline="0">
               <a:solidFill>
                 <a:schemeClr val="tx1">
                   <a:lumMod val="65000"/>
@@ -151,7 +152,7 @@
               <a:cs typeface="+mn-cs"/>
             </a:defRPr>
           </a:pPr>
-          <a:endParaRPr lang="de-DE"/>
+          <a:endParaRPr lang="en-US"/>
         </a:p>
       </c:txPr>
     </c:title>
@@ -199,35 +200,6 @@
               </c:extLst>
             </c:dLbl>
             <c:delete val="1"/>
-            <c:spPr>
-              <a:noFill/>
-              <a:ln>
-                <a:noFill/>
-              </a:ln>
-              <a:effectLst/>
-            </c:spPr>
-            <c:txPr>
-              <a:bodyPr rot="0" spcFirstLastPara="1" vertOverflow="ellipsis" vert="horz" wrap="square" lIns="38100" tIns="19050" rIns="38100" bIns="19050" anchor="ctr" anchorCtr="1">
-                <a:spAutoFit/>
-              </a:bodyPr>
-              <a:lstStyle/>
-              <a:p>
-                <a:pPr>
-                  <a:defRPr sz="1197" b="0" i="0" u="none" strike="noStrike" kern="1200" baseline="0">
-                    <a:solidFill>
-                      <a:schemeClr val="tx1">
-                        <a:lumMod val="75000"/>
-                        <a:lumOff val="25000"/>
-                      </a:schemeClr>
-                    </a:solidFill>
-                    <a:latin typeface="+mn-lt"/>
-                    <a:ea typeface="+mn-ea"/>
-                    <a:cs typeface="+mn-cs"/>
-                  </a:defRPr>
-                </a:pPr>
-                <a:endParaRPr lang="de-DE"/>
-              </a:p>
-            </c:txPr>
             <c:extLst>
               <c:ext xmlns:c15="http://schemas.microsoft.com/office/drawing/2012/chart" uri="{CE6537A1-D6FC-4f65-9D91-7224C49458BB}">
                 <c15:showLeaderLines val="1"/>
@@ -330,35 +302,6 @@
               </c:extLst>
             </c:dLbl>
             <c:delete val="1"/>
-            <c:spPr>
-              <a:noFill/>
-              <a:ln>
-                <a:noFill/>
-              </a:ln>
-              <a:effectLst/>
-            </c:spPr>
-            <c:txPr>
-              <a:bodyPr rot="0" spcFirstLastPara="1" vertOverflow="ellipsis" vert="horz" wrap="square" lIns="38100" tIns="19050" rIns="38100" bIns="19050" anchor="ctr" anchorCtr="1">
-                <a:spAutoFit/>
-              </a:bodyPr>
-              <a:lstStyle/>
-              <a:p>
-                <a:pPr>
-                  <a:defRPr sz="1197" b="0" i="0" u="none" strike="noStrike" kern="1200" baseline="0">
-                    <a:solidFill>
-                      <a:schemeClr val="tx1">
-                        <a:lumMod val="75000"/>
-                        <a:lumOff val="25000"/>
-                      </a:schemeClr>
-                    </a:solidFill>
-                    <a:latin typeface="+mn-lt"/>
-                    <a:ea typeface="+mn-ea"/>
-                    <a:cs typeface="+mn-cs"/>
-                  </a:defRPr>
-                </a:pPr>
-                <a:endParaRPr lang="de-DE"/>
-              </a:p>
-            </c:txPr>
             <c:extLst>
               <c:ext xmlns:c15="http://schemas.microsoft.com/office/drawing/2012/chart" uri="{CE6537A1-D6FC-4f65-9D91-7224C49458BB}">
                 <c15:showLeaderLines val="1"/>
@@ -461,35 +404,6 @@
               </c:extLst>
             </c:dLbl>
             <c:delete val="1"/>
-            <c:spPr>
-              <a:noFill/>
-              <a:ln>
-                <a:noFill/>
-              </a:ln>
-              <a:effectLst/>
-            </c:spPr>
-            <c:txPr>
-              <a:bodyPr rot="0" spcFirstLastPara="1" vertOverflow="ellipsis" vert="horz" wrap="square" lIns="38100" tIns="19050" rIns="38100" bIns="19050" anchor="ctr" anchorCtr="1">
-                <a:spAutoFit/>
-              </a:bodyPr>
-              <a:lstStyle/>
-              <a:p>
-                <a:pPr>
-                  <a:defRPr sz="1197" b="0" i="0" u="none" strike="noStrike" kern="1200" baseline="0">
-                    <a:solidFill>
-                      <a:schemeClr val="tx1">
-                        <a:lumMod val="75000"/>
-                        <a:lumOff val="25000"/>
-                      </a:schemeClr>
-                    </a:solidFill>
-                    <a:latin typeface="+mn-lt"/>
-                    <a:ea typeface="+mn-ea"/>
-                    <a:cs typeface="+mn-cs"/>
-                  </a:defRPr>
-                </a:pPr>
-                <a:endParaRPr lang="de-DE"/>
-              </a:p>
-            </c:txPr>
             <c:extLst>
               <c:ext xmlns:c15="http://schemas.microsoft.com/office/drawing/2012/chart" uri="{CE6537A1-D6FC-4f65-9D91-7224C49458BB}">
                 <c15:showLeaderLines val="1"/>
@@ -552,13 +466,12 @@
             </c:numRef>
           </c:val>
         </c:ser>
-        <c:dLbls/>
         <c:marker val="1"/>
-        <c:axId val="71713920"/>
-        <c:axId val="71715456"/>
+        <c:axId val="125003264"/>
+        <c:axId val="125079552"/>
       </c:lineChart>
       <c:catAx>
-        <c:axId val="71713920"/>
+        <c:axId val="125003264"/>
         <c:scaling>
           <c:orientation val="minMax"/>
         </c:scaling>
@@ -584,7 +497,7 @@
           <a:lstStyle/>
           <a:p>
             <a:pPr>
-              <a:defRPr sz="1197" b="0" i="0" u="none" strike="noStrike" kern="1200" baseline="0">
+              <a:defRPr lang="de-DE" sz="1197" b="0" i="0" u="none" strike="noStrike" kern="1200" baseline="0">
                 <a:solidFill>
                   <a:schemeClr val="tx1">
                     <a:lumMod val="65000"/>
@@ -596,17 +509,17 @@
                 <a:cs typeface="+mn-cs"/>
               </a:defRPr>
             </a:pPr>
-            <a:endParaRPr lang="de-DE"/>
+            <a:endParaRPr lang="en-US"/>
           </a:p>
         </c:txPr>
-        <c:crossAx val="71715456"/>
+        <c:crossAx val="125079552"/>
         <c:crosses val="autoZero"/>
         <c:auto val="1"/>
         <c:lblAlgn val="ctr"/>
         <c:lblOffset val="100"/>
       </c:catAx>
       <c:valAx>
-        <c:axId val="71715456"/>
+        <c:axId val="125079552"/>
         <c:scaling>
           <c:orientation val="minMax"/>
         </c:scaling>
@@ -639,7 +552,7 @@
             <a:lstStyle/>
             <a:p>
               <a:pPr>
-                <a:defRPr sz="1330" b="0" i="0" u="none" strike="noStrike" kern="1200" baseline="0">
+                <a:defRPr lang="de-DE" sz="1330" b="0" i="0" u="none" strike="noStrike" kern="1200" baseline="0">
                   <a:solidFill>
                     <a:schemeClr val="tx1">
                       <a:lumMod val="65000"/>
@@ -651,7 +564,7 @@
                   <a:cs typeface="+mn-cs"/>
                 </a:defRPr>
               </a:pPr>
-              <a:endParaRPr lang="de-DE"/>
+              <a:endParaRPr lang="en-US"/>
             </a:p>
           </c:txPr>
         </c:title>
@@ -670,7 +583,7 @@
           <a:lstStyle/>
           <a:p>
             <a:pPr>
-              <a:defRPr sz="1197" b="0" i="0" u="none" strike="noStrike" kern="1200" baseline="0">
+              <a:defRPr lang="de-DE" sz="1197" b="0" i="0" u="none" strike="noStrike" kern="1200" baseline="0">
                 <a:solidFill>
                   <a:schemeClr val="tx1">
                     <a:lumMod val="65000"/>
@@ -682,10 +595,10 @@
                 <a:cs typeface="+mn-cs"/>
               </a:defRPr>
             </a:pPr>
-            <a:endParaRPr lang="de-DE"/>
+            <a:endParaRPr lang="en-US"/>
           </a:p>
         </c:txPr>
-        <c:crossAx val="71713920"/>
+        <c:crossAx val="125003264"/>
         <c:crosses val="autoZero"/>
         <c:crossBetween val="between"/>
       </c:valAx>
@@ -714,7 +627,7 @@
       <a:pPr>
         <a:defRPr/>
       </a:pPr>
-      <a:endParaRPr lang="de-DE"/>
+      <a:endParaRPr lang="en-US"/>
     </a:p>
   </c:txPr>
   <c:externalData r:id="rId1"/>
@@ -723,7 +636,8 @@
 
 <file path=ppt/charts/chart2.xml><?xml version="1.0" encoding="utf-8"?>
 <c:chartSpace xmlns:c="http://schemas.openxmlformats.org/drawingml/2006/chart" xmlns:a="http://schemas.openxmlformats.org/drawingml/2006/main" xmlns:r="http://schemas.openxmlformats.org/officeDocument/2006/relationships">
-  <c:lang val="de-DE"/>
+  <c:date1904 val="1"/>
+  <c:lang val="en-US"/>
   <c:chart>
     <c:title>
       <c:layout/>
@@ -739,7 +653,7 @@
         <a:lstStyle/>
         <a:p>
           <a:pPr>
-            <a:defRPr sz="1862" b="0" i="0" u="none" strike="noStrike" kern="1200" spc="0" baseline="0">
+            <a:defRPr lang="de-DE" sz="1862" b="0" i="0" u="none" strike="noStrike" kern="1200" spc="0" baseline="0">
               <a:solidFill>
                 <a:schemeClr val="tx1">
                   <a:lumMod val="65000"/>
@@ -751,7 +665,7 @@
               <a:cs typeface="+mn-cs"/>
             </a:defRPr>
           </a:pPr>
-          <a:endParaRPr lang="de-DE"/>
+          <a:endParaRPr lang="en-US"/>
         </a:p>
       </c:txPr>
     </c:title>
@@ -799,35 +713,6 @@
               </c:extLst>
             </c:dLbl>
             <c:delete val="1"/>
-            <c:spPr>
-              <a:noFill/>
-              <a:ln>
-                <a:noFill/>
-              </a:ln>
-              <a:effectLst/>
-            </c:spPr>
-            <c:txPr>
-              <a:bodyPr rot="0" spcFirstLastPara="1" vertOverflow="ellipsis" vert="horz" wrap="square" lIns="38100" tIns="19050" rIns="38100" bIns="19050" anchor="ctr" anchorCtr="1">
-                <a:spAutoFit/>
-              </a:bodyPr>
-              <a:lstStyle/>
-              <a:p>
-                <a:pPr>
-                  <a:defRPr sz="1197" b="0" i="0" u="none" strike="noStrike" kern="1200" baseline="0">
-                    <a:solidFill>
-                      <a:schemeClr val="tx1">
-                        <a:lumMod val="75000"/>
-                        <a:lumOff val="25000"/>
-                      </a:schemeClr>
-                    </a:solidFill>
-                    <a:latin typeface="+mn-lt"/>
-                    <a:ea typeface="+mn-ea"/>
-                    <a:cs typeface="+mn-cs"/>
-                  </a:defRPr>
-                </a:pPr>
-                <a:endParaRPr lang="de-DE"/>
-              </a:p>
-            </c:txPr>
             <c:extLst>
               <c:ext xmlns:c15="http://schemas.microsoft.com/office/drawing/2012/chart" uri="{CE6537A1-D6FC-4f65-9D91-7224C49458BB}">
                 <c15:showLeaderLines val="1"/>
@@ -930,35 +815,6 @@
               </c:extLst>
             </c:dLbl>
             <c:delete val="1"/>
-            <c:spPr>
-              <a:noFill/>
-              <a:ln>
-                <a:noFill/>
-              </a:ln>
-              <a:effectLst/>
-            </c:spPr>
-            <c:txPr>
-              <a:bodyPr rot="0" spcFirstLastPara="1" vertOverflow="ellipsis" vert="horz" wrap="square" lIns="38100" tIns="19050" rIns="38100" bIns="19050" anchor="ctr" anchorCtr="1">
-                <a:spAutoFit/>
-              </a:bodyPr>
-              <a:lstStyle/>
-              <a:p>
-                <a:pPr>
-                  <a:defRPr sz="1197" b="0" i="0" u="none" strike="noStrike" kern="1200" baseline="0">
-                    <a:solidFill>
-                      <a:schemeClr val="tx1">
-                        <a:lumMod val="75000"/>
-                        <a:lumOff val="25000"/>
-                      </a:schemeClr>
-                    </a:solidFill>
-                    <a:latin typeface="+mn-lt"/>
-                    <a:ea typeface="+mn-ea"/>
-                    <a:cs typeface="+mn-cs"/>
-                  </a:defRPr>
-                </a:pPr>
-                <a:endParaRPr lang="de-DE"/>
-              </a:p>
-            </c:txPr>
             <c:extLst>
               <c:ext xmlns:c15="http://schemas.microsoft.com/office/drawing/2012/chart" uri="{CE6537A1-D6FC-4f65-9D91-7224C49458BB}">
                 <c15:showLeaderLines val="1"/>
@@ -1061,35 +917,6 @@
               </c:extLst>
             </c:dLbl>
             <c:delete val="1"/>
-            <c:spPr>
-              <a:noFill/>
-              <a:ln>
-                <a:noFill/>
-              </a:ln>
-              <a:effectLst/>
-            </c:spPr>
-            <c:txPr>
-              <a:bodyPr rot="0" spcFirstLastPara="1" vertOverflow="ellipsis" vert="horz" wrap="square" lIns="38100" tIns="19050" rIns="38100" bIns="19050" anchor="ctr" anchorCtr="1">
-                <a:spAutoFit/>
-              </a:bodyPr>
-              <a:lstStyle/>
-              <a:p>
-                <a:pPr>
-                  <a:defRPr sz="1197" b="0" i="0" u="none" strike="noStrike" kern="1200" baseline="0">
-                    <a:solidFill>
-                      <a:schemeClr val="tx1">
-                        <a:lumMod val="75000"/>
-                        <a:lumOff val="25000"/>
-                      </a:schemeClr>
-                    </a:solidFill>
-                    <a:latin typeface="+mn-lt"/>
-                    <a:ea typeface="+mn-ea"/>
-                    <a:cs typeface="+mn-cs"/>
-                  </a:defRPr>
-                </a:pPr>
-                <a:endParaRPr lang="de-DE"/>
-              </a:p>
-            </c:txPr>
             <c:extLst>
               <c:ext xmlns:c15="http://schemas.microsoft.com/office/drawing/2012/chart" uri="{CE6537A1-D6FC-4f65-9D91-7224C49458BB}">
                 <c15:showLeaderLines val="1"/>
@@ -1152,13 +979,12 @@
             </c:numRef>
           </c:val>
         </c:ser>
-        <c:dLbls/>
         <c:marker val="1"/>
-        <c:axId val="71820416"/>
-        <c:axId val="71821952"/>
+        <c:axId val="140147328"/>
+        <c:axId val="140538624"/>
       </c:lineChart>
       <c:catAx>
-        <c:axId val="71820416"/>
+        <c:axId val="140147328"/>
         <c:scaling>
           <c:orientation val="minMax"/>
         </c:scaling>
@@ -1184,7 +1010,7 @@
           <a:lstStyle/>
           <a:p>
             <a:pPr>
-              <a:defRPr sz="1197" b="0" i="0" u="none" strike="noStrike" kern="1200" baseline="0">
+              <a:defRPr lang="de-DE" sz="1197" b="0" i="0" u="none" strike="noStrike" kern="1200" baseline="0">
                 <a:solidFill>
                   <a:schemeClr val="tx1">
                     <a:lumMod val="65000"/>
@@ -1196,17 +1022,17 @@
                 <a:cs typeface="+mn-cs"/>
               </a:defRPr>
             </a:pPr>
-            <a:endParaRPr lang="de-DE"/>
+            <a:endParaRPr lang="en-US"/>
           </a:p>
         </c:txPr>
-        <c:crossAx val="71821952"/>
+        <c:crossAx val="140538624"/>
         <c:crosses val="autoZero"/>
         <c:auto val="1"/>
         <c:lblAlgn val="ctr"/>
         <c:lblOffset val="100"/>
       </c:catAx>
       <c:valAx>
-        <c:axId val="71821952"/>
+        <c:axId val="140538624"/>
         <c:scaling>
           <c:orientation val="minMax"/>
         </c:scaling>
@@ -1239,7 +1065,7 @@
             <a:lstStyle/>
             <a:p>
               <a:pPr>
-                <a:defRPr sz="1330" b="0" i="0" u="none" strike="noStrike" kern="1200" baseline="0">
+                <a:defRPr lang="de-DE" sz="1330" b="0" i="0" u="none" strike="noStrike" kern="1200" baseline="0">
                   <a:solidFill>
                     <a:schemeClr val="tx1">
                       <a:lumMod val="65000"/>
@@ -1251,7 +1077,7 @@
                   <a:cs typeface="+mn-cs"/>
                 </a:defRPr>
               </a:pPr>
-              <a:endParaRPr lang="de-DE"/>
+              <a:endParaRPr lang="en-US"/>
             </a:p>
           </c:txPr>
         </c:title>
@@ -1270,7 +1096,7 @@
           <a:lstStyle/>
           <a:p>
             <a:pPr>
-              <a:defRPr sz="1197" b="0" i="0" u="none" strike="noStrike" kern="1200" baseline="0">
+              <a:defRPr lang="de-DE" sz="1197" b="0" i="0" u="none" strike="noStrike" kern="1200" baseline="0">
                 <a:solidFill>
                   <a:schemeClr val="tx1">
                     <a:lumMod val="65000"/>
@@ -1282,10 +1108,10 @@
                 <a:cs typeface="+mn-cs"/>
               </a:defRPr>
             </a:pPr>
-            <a:endParaRPr lang="de-DE"/>
+            <a:endParaRPr lang="en-US"/>
           </a:p>
         </c:txPr>
-        <c:crossAx val="71820416"/>
+        <c:crossAx val="140147328"/>
         <c:crosses val="autoZero"/>
         <c:crossBetween val="between"/>
       </c:valAx>
@@ -1314,7 +1140,7 @@
       <a:pPr>
         <a:defRPr/>
       </a:pPr>
-      <a:endParaRPr lang="de-DE"/>
+      <a:endParaRPr lang="en-US"/>
     </a:p>
   </c:txPr>
   <c:externalData r:id="rId1"/>
@@ -2592,7 +2418,7 @@
     </p:spTree>
     <p:extLst>
       <p:ext uri="{BB962C8B-B14F-4D97-AF65-F5344CB8AC3E}">
-        <p14:creationId xmlns:p14="http://schemas.microsoft.com/office/powerpoint/2010/main" xmlns="" val="1472466397"/>
+        <p14:creationId xmlns="" xmlns:p14="http://schemas.microsoft.com/office/powerpoint/2010/main" val="1472466397"/>
       </p:ext>
     </p:extLst>
   </p:cSld>
@@ -2852,7 +2678,7 @@
     </p:spTree>
     <p:extLst>
       <p:ext uri="{BB962C8B-B14F-4D97-AF65-F5344CB8AC3E}">
-        <p14:creationId xmlns:p14="http://schemas.microsoft.com/office/powerpoint/2010/main" xmlns="" val="1624808637"/>
+        <p14:creationId xmlns="" xmlns:p14="http://schemas.microsoft.com/office/powerpoint/2010/main" val="1624808637"/>
       </p:ext>
     </p:extLst>
   </p:cSld>
@@ -5651,7 +5477,7 @@
     </p:spTree>
     <p:extLst>
       <p:ext uri="{BB962C8B-B14F-4D97-AF65-F5344CB8AC3E}">
-        <p14:creationId xmlns:p14="http://schemas.microsoft.com/office/powerpoint/2010/main" xmlns="" val="145907722"/>
+        <p14:creationId xmlns="" xmlns:p14="http://schemas.microsoft.com/office/powerpoint/2010/main" val="145907722"/>
       </p:ext>
     </p:extLst>
   </p:cSld>
@@ -5660,7 +5486,7 @@
   </p:clrMapOvr>
   <p:extLst mod="1">
     <p:ext uri="{DCECCB84-F9BA-43D5-87BE-67443E8EF086}">
-      <p15:sldGuideLst xmlns:p15="http://schemas.microsoft.com/office/powerpoint/2012/main" xmlns="">
+      <p15:sldGuideLst xmlns="" xmlns:p15="http://schemas.microsoft.com/office/powerpoint/2012/main">
         <p15:guide id="1" pos="9168" userDrawn="1">
           <p15:clr>
             <a:srgbClr val="A4A3A4"/>
@@ -5964,7 +5790,7 @@
     </p:spTree>
     <p:extLst>
       <p:ext uri="{BB962C8B-B14F-4D97-AF65-F5344CB8AC3E}">
-        <p14:creationId xmlns:p14="http://schemas.microsoft.com/office/powerpoint/2010/main" xmlns="" val="2508807471"/>
+        <p14:creationId xmlns="" xmlns:p14="http://schemas.microsoft.com/office/powerpoint/2010/main" val="2508807471"/>
       </p:ext>
     </p:extLst>
   </p:cSld>
@@ -6281,7 +6107,7 @@
   </p:txStyles>
   <p:extLst mod="1">
     <p:ext uri="{27BBF7A9-308A-43DC-89C8-2F10F3537804}">
-      <p15:sldGuideLst xmlns:p15="http://schemas.microsoft.com/office/powerpoint/2012/main" xmlns="">
+      <p15:sldGuideLst xmlns="" xmlns:p15="http://schemas.microsoft.com/office/powerpoint/2012/main">
         <p15:guide id="1" orient="horz" pos="10368" userDrawn="1">
           <p15:clr>
             <a:srgbClr val="A4A3A4"/>
@@ -6337,7 +6163,7 @@
           <a:blip r:embed="rId2" cstate="print">
             <a:extLst>
               <a:ext uri="{28A0092B-C50C-407E-A947-70E740481C1C}">
-                <a14:useLocalDpi xmlns:a14="http://schemas.microsoft.com/office/drawing/2010/main" xmlns="" val="0"/>
+                <a14:useLocalDpi xmlns="" xmlns:a14="http://schemas.microsoft.com/office/drawing/2010/main" val="0"/>
               </a:ext>
             </a:extLst>
           </a:blip>
@@ -6365,20 +6191,26 @@
             <p:ph type="title"/>
           </p:nvPr>
         </p:nvSpPr>
-        <p:spPr/>
+        <p:spPr>
+          <a:xfrm>
+            <a:off x="4462564" y="647700"/>
+            <a:ext cx="34966072" cy="1752600"/>
+          </a:xfrm>
+        </p:spPr>
         <p:txBody>
-          <a:bodyPr>
+          <a:bodyPr anchor="ctr">
             <a:normAutofit fontScale="90000"/>
           </a:bodyPr>
           <a:lstStyle/>
           <a:p>
-            <a:r>
-              <a:rPr lang="en-US" smtClean="0"/>
-              <a:t>l</a:t>
-            </a:r>
-            <a:r>
-              <a:rPr lang="en-US" smtClean="0"/>
-              <a:t>ex4all: A language-independent tool for building and evaluating pronunciation lexicons for small-vocabulary speech recognition</a:t>
+            <a:pPr algn="ctr"/>
+            <a:r>
+              <a:rPr lang="en-US" dirty="0" smtClean="0"/>
+              <a:t>lex4all: </a:t>
+            </a:r>
+            <a:r>
+              <a:rPr lang="en-US" dirty="0" smtClean="0"/>
+              <a:t>A language-independent tool for building and evaluating pronunciation lexicons for small-vocabulary speech recognition </a:t>
             </a:r>
             <a:endParaRPr lang="en-US" dirty="0"/>
           </a:p>
@@ -6394,15 +6226,50 @@
             <p:ph type="body" sz="quarter" idx="36"/>
           </p:nvPr>
         </p:nvSpPr>
-        <p:spPr/>
+        <p:spPr>
+          <a:xfrm>
+            <a:off x="6400800" y="2925454"/>
+            <a:ext cx="31089600" cy="1989446"/>
+          </a:xfrm>
+        </p:spPr>
         <p:txBody>
           <a:bodyPr/>
           <a:lstStyle/>
           <a:p>
-            <a:endParaRPr lang="en-US" dirty="0" smtClean="0"/>
-          </a:p>
-          <a:p>
-            <a:endParaRPr lang="en-US" dirty="0"/>
+            <a:pPr algn="ctr"/>
+            <a:r>
+              <a:rPr lang="en-US" sz="6600" dirty="0" smtClean="0"/>
+              <a:t>Max </a:t>
+            </a:r>
+            <a:r>
+              <a:rPr lang="en-US" sz="6600" dirty="0" err="1" smtClean="0"/>
+              <a:t>Paulus</a:t>
+            </a:r>
+            <a:r>
+              <a:rPr lang="en-US" sz="6600" dirty="0" smtClean="0"/>
+              <a:t> and </a:t>
+            </a:r>
+            <a:r>
+              <a:rPr lang="en-US" sz="6600" dirty="0" err="1" smtClean="0"/>
+              <a:t>Anjana</a:t>
+            </a:r>
+            <a:r>
+              <a:rPr lang="en-US" sz="6600" dirty="0" smtClean="0"/>
+              <a:t> </a:t>
+            </a:r>
+            <a:r>
+              <a:rPr lang="en-US" sz="6600" dirty="0" err="1" smtClean="0"/>
+              <a:t>Vakil</a:t>
+            </a:r>
+            <a:endParaRPr lang="en-US" sz="6600" dirty="0" smtClean="0"/>
+          </a:p>
+          <a:p>
+            <a:pPr algn="ctr"/>
+            <a:r>
+              <a:rPr lang="en-US" sz="6000" dirty="0" smtClean="0"/>
+              <a:t>Department of Computational Linguistics, University of Saarland</a:t>
+            </a:r>
+            <a:endParaRPr lang="en-US" sz="6000" dirty="0"/>
           </a:p>
         </p:txBody>
       </p:sp>
@@ -6418,7 +6285,7 @@
           <a:blip r:embed="rId2" cstate="print">
             <a:extLst>
               <a:ext uri="{28A0092B-C50C-407E-A947-70E740481C1C}">
-                <a14:useLocalDpi xmlns:a14="http://schemas.microsoft.com/office/drawing/2010/main" xmlns="" val="0"/>
+                <a14:useLocalDpi xmlns="" xmlns:a14="http://schemas.microsoft.com/office/drawing/2010/main" val="0"/>
               </a:ext>
             </a:extLst>
           </a:blip>
@@ -6485,6 +6352,10 @@
           </p:nvPr>
         </p:nvSpPr>
         <p:spPr>
+          <a:xfrm>
+            <a:off x="1143000" y="7071360"/>
+            <a:ext cx="12801600" cy="4876165"/>
+          </a:xfrm>
           <a:ln w="3175">
             <a:solidFill>
               <a:schemeClr val="tx1"/>
@@ -6492,17 +6363,113 @@
           </a:ln>
         </p:spPr>
         <p:txBody>
-          <a:bodyPr/>
+          <a:bodyPr>
+            <a:normAutofit/>
+          </a:bodyPr>
           <a:lstStyle/>
           <a:p>
             <a:pPr marL="0" indent="0">
               <a:buNone/>
             </a:pPr>
             <a:r>
-              <a:rPr lang="en-US" dirty="0" smtClean="0"/>
-              <a:t>Type the abstract here. To remove bullet points, just click the Bullets button on the Home tab.</a:t>
-            </a:r>
-            <a:endParaRPr lang="en-US" dirty="0"/>
+              <a:rPr lang="en-US" sz="3200" dirty="0" smtClean="0"/>
+              <a:t>This poster presents </a:t>
+            </a:r>
+            <a:r>
+              <a:rPr lang="en-US" sz="3200" i="1" dirty="0" smtClean="0"/>
+              <a:t>lex4all,</a:t>
+            </a:r>
+            <a:r>
+              <a:rPr lang="en-US" sz="3200" dirty="0" smtClean="0"/>
+              <a:t> </a:t>
+            </a:r>
+            <a:r>
+              <a:rPr lang="en-US" sz="3200" dirty="0" smtClean="0"/>
+              <a:t>an easy-to-use application that </a:t>
+            </a:r>
+            <a:r>
+              <a:rPr lang="en-US" sz="3200" dirty="0" smtClean="0"/>
+              <a:t>allows </a:t>
+            </a:r>
+            <a:r>
+              <a:rPr lang="en-US" sz="3200" dirty="0" smtClean="0"/>
+              <a:t>even </a:t>
+            </a:r>
+            <a:r>
+              <a:rPr lang="en-US" sz="3200" dirty="0" smtClean="0"/>
+              <a:t>non-expert users </a:t>
+            </a:r>
+            <a:r>
+              <a:rPr lang="en-US" sz="3200" dirty="0" smtClean="0"/>
+              <a:t>to </a:t>
+            </a:r>
+            <a:r>
+              <a:rPr lang="en-US" sz="3200" dirty="0" smtClean="0"/>
+              <a:t>quickly and easily create pronunciation lexicons </a:t>
+            </a:r>
+            <a:r>
+              <a:rPr lang="en-US" sz="3200" dirty="0" smtClean="0"/>
+              <a:t>for words in </a:t>
+            </a:r>
+            <a:r>
+              <a:rPr lang="en-US" sz="3200" dirty="0" smtClean="0"/>
+              <a:t>any low-resource language (LRL), using: </a:t>
+            </a:r>
+          </a:p>
+          <a:p>
+            <a:pPr marL="365760" indent="0">
+              <a:tabLst>
+                <a:tab pos="365760" algn="l"/>
+              </a:tabLst>
+            </a:pPr>
+            <a:r>
+              <a:rPr lang="en-US" sz="3200" dirty="0" smtClean="0"/>
+              <a:t> a </a:t>
+            </a:r>
+            <a:r>
+              <a:rPr lang="en-US" sz="3200" dirty="0" smtClean="0"/>
+              <a:t>small number of audio recordings </a:t>
+            </a:r>
+            <a:endParaRPr lang="en-US" sz="3200" dirty="0" smtClean="0"/>
+          </a:p>
+          <a:p>
+            <a:pPr marL="365760" indent="0">
+              <a:tabLst>
+                <a:tab pos="365760" algn="l"/>
+              </a:tabLst>
+            </a:pPr>
+            <a:r>
+              <a:rPr lang="en-US" sz="3200" dirty="0" smtClean="0"/>
+              <a:t> a </a:t>
+            </a:r>
+            <a:r>
+              <a:rPr lang="en-US" sz="3200" dirty="0" smtClean="0"/>
+              <a:t>pre-existing recognition engine in a </a:t>
+            </a:r>
+            <a:r>
+              <a:rPr lang="en-US" sz="3200" dirty="0" smtClean="0"/>
+              <a:t>high-resource language (English) </a:t>
+            </a:r>
+          </a:p>
+          <a:p>
+            <a:pPr marL="0" indent="0">
+              <a:buNone/>
+            </a:pPr>
+            <a:endParaRPr lang="en-US" sz="3200" dirty="0" smtClean="0"/>
+          </a:p>
+          <a:p>
+            <a:pPr marL="0" indent="0">
+              <a:buNone/>
+            </a:pPr>
+            <a:r>
+              <a:rPr lang="en-US" sz="3200" dirty="0" smtClean="0"/>
+              <a:t>The </a:t>
+            </a:r>
+            <a:r>
+              <a:rPr lang="en-US" sz="3200" dirty="0" smtClean="0"/>
+              <a:t>resulting lexicon can then be used to add small-vocabulary speech recognition functionality to applications in the LRL.</a:t>
+            </a:r>
+            <a:endParaRPr lang="en-US" sz="3200" dirty="0"/>
           </a:p>
         </p:txBody>
       </p:sp>
@@ -6518,7 +6485,7 @@
         </p:nvSpPr>
         <p:spPr>
           <a:xfrm>
-            <a:off x="1143000" y="15032736"/>
+            <a:off x="1143000" y="12699442"/>
             <a:ext cx="12801600" cy="1219200"/>
           </a:xfrm>
           <a:prstGeom prst="round1Rect">
@@ -6537,7 +6504,7 @@
           <a:lstStyle/>
           <a:p>
             <a:r>
-              <a:rPr lang="en-US" smtClean="0"/>
+              <a:rPr lang="en-US" dirty="0" err="1" smtClean="0"/>
               <a:t>BackGround</a:t>
             </a:r>
             <a:endParaRPr lang="en-US" dirty="0"/>
@@ -6555,6 +6522,10 @@
           </p:nvPr>
         </p:nvSpPr>
         <p:spPr>
+          <a:xfrm>
+            <a:off x="1143000" y="13918642"/>
+            <a:ext cx="12801600" cy="9088165"/>
+          </a:xfrm>
           <a:ln w="3175">
             <a:solidFill>
               <a:schemeClr val="tx1"/>
@@ -6762,7 +6733,7 @@
             <p:ph sz="quarter" idx="23"/>
             <p:extLst>
               <p:ext uri="{D42A27DB-BD31-4B8C-83A1-F6EECF244321}">
-                <p14:modId xmlns:p14="http://schemas.microsoft.com/office/powerpoint/2010/main" xmlns="" val="2517281170"/>
+                <p14:modId xmlns="" xmlns:p14="http://schemas.microsoft.com/office/powerpoint/2010/main" val="2517281170"/>
               </p:ext>
             </p:extLst>
           </p:nvPr>
@@ -7222,7 +7193,7 @@
           <a:blip r:embed="rId3" cstate="print">
             <a:extLst>
               <a:ext uri="{28A0092B-C50C-407E-A947-70E740481C1C}">
-                <a14:useLocalDpi xmlns:a14="http://schemas.microsoft.com/office/drawing/2010/main" xmlns="" val="0"/>
+                <a14:useLocalDpi xmlns="" xmlns:a14="http://schemas.microsoft.com/office/drawing/2010/main" val="0"/>
               </a:ext>
             </a:extLst>
           </a:blip>
@@ -7252,7 +7223,7 @@
           <a:blip r:embed="rId4" cstate="print">
             <a:extLst>
               <a:ext uri="{28A0092B-C50C-407E-A947-70E740481C1C}">
-                <a14:useLocalDpi xmlns:a14="http://schemas.microsoft.com/office/drawing/2010/main" xmlns="" val="0"/>
+                <a14:useLocalDpi xmlns="" xmlns:a14="http://schemas.microsoft.com/office/drawing/2010/main" val="0"/>
               </a:ext>
             </a:extLst>
           </a:blip>
@@ -7282,7 +7253,7 @@
           <a:blip r:embed="rId5" cstate="print">
             <a:extLst>
               <a:ext uri="{28A0092B-C50C-407E-A947-70E740481C1C}">
-                <a14:useLocalDpi xmlns:a14="http://schemas.microsoft.com/office/drawing/2010/main" xmlns="" val="0"/>
+                <a14:useLocalDpi xmlns="" xmlns:a14="http://schemas.microsoft.com/office/drawing/2010/main" val="0"/>
               </a:ext>
             </a:extLst>
           </a:blip>
@@ -7316,7 +7287,7 @@
           <a:lstStyle/>
           <a:p>
             <a:r>
-              <a:rPr lang="en-US" smtClean="0"/>
+              <a:rPr lang="en-US" dirty="0" smtClean="0"/>
               <a:t>Type a caption for the data content or pictures here.</a:t>
             </a:r>
             <a:endParaRPr lang="en-US" dirty="0"/>
@@ -7419,7 +7390,7 @@
             <p:ph sz="quarter" idx="32"/>
             <p:extLst>
               <p:ext uri="{D42A27DB-BD31-4B8C-83A1-F6EECF244321}">
-                <p14:modId xmlns:p14="http://schemas.microsoft.com/office/powerpoint/2010/main" xmlns="" val="1995786904"/>
+                <p14:modId xmlns="" xmlns:p14="http://schemas.microsoft.com/office/powerpoint/2010/main" val="1995786904"/>
               </p:ext>
             </p:extLst>
           </p:nvPr>
@@ -7444,7 +7415,7 @@
             <p:ph sz="quarter" idx="33"/>
             <p:extLst>
               <p:ext uri="{D42A27DB-BD31-4B8C-83A1-F6EECF244321}">
-                <p14:modId xmlns:p14="http://schemas.microsoft.com/office/powerpoint/2010/main" xmlns="" val="1978053771"/>
+                <p14:modId xmlns="" xmlns:p14="http://schemas.microsoft.com/office/powerpoint/2010/main" val="1978053771"/>
               </p:ext>
             </p:extLst>
           </p:nvPr>
@@ -7503,19 +7474,19 @@
           <a:lstStyle/>
           <a:p>
             <a:r>
-              <a:rPr lang="en-US" smtClean="0"/>
+              <a:rPr lang="en-US" dirty="0" smtClean="0"/>
               <a:t>Conclusion 1</a:t>
             </a:r>
           </a:p>
           <a:p>
             <a:r>
-              <a:rPr lang="en-US" smtClean="0"/>
+              <a:rPr lang="en-US" dirty="0" smtClean="0"/>
               <a:t>Conclusion 2</a:t>
             </a:r>
           </a:p>
           <a:p>
             <a:r>
-              <a:rPr lang="en-US" smtClean="0"/>
+              <a:rPr lang="en-US" dirty="0" smtClean="0"/>
               <a:t>Conclusion 3</a:t>
             </a:r>
             <a:endParaRPr lang="en-US" dirty="0"/>
@@ -7532,8 +7503,8 @@
         </p:nvSpPr>
         <p:spPr>
           <a:xfrm>
-            <a:off x="1219200" y="30632400"/>
-            <a:ext cx="41452800" cy="1565701"/>
+            <a:off x="1143000" y="30632400"/>
+            <a:ext cx="41559163" cy="1565701"/>
           </a:xfrm>
           <a:prstGeom prst="rect">
             <a:avLst/>
@@ -7546,7 +7517,7 @@
         </p:spPr>
         <p:txBody>
           <a:bodyPr vert="horz" lIns="365760" tIns="182880" rIns="91440" bIns="45720" rtlCol="0">
-            <a:normAutofit fontScale="70000" lnSpcReduction="20000"/>
+            <a:normAutofit fontScale="85000" lnSpcReduction="20000"/>
           </a:bodyPr>
           <a:lstStyle/>
           <a:p>
@@ -7570,7 +7541,7 @@
               <a:defRPr/>
             </a:pPr>
             <a:r>
-              <a:rPr kumimoji="0" lang="en-US" sz="2800" b="1" i="0" u="none" strike="noStrike" kern="1200" cap="none" spc="0" normalizeH="0" baseline="0" noProof="0" smtClean="0">
+              <a:rPr kumimoji="0" lang="en-US" sz="2000" b="1" i="0" u="none" strike="noStrike" kern="1200" cap="none" spc="0" normalizeH="0" baseline="0" noProof="0" dirty="0" smtClean="0">
                 <a:ln>
                   <a:noFill/>
                 </a:ln>
@@ -7584,144 +7555,9 @@
                 <a:ea typeface="+mn-ea"/>
                 <a:cs typeface="+mn-cs"/>
               </a:rPr>
-              <a:t>Add title if necessary. Click the B button on the home tab to add bold formatting.</a:t>
-            </a:r>
-          </a:p>
-          <a:p>
-            <a:pPr marL="1097280" marR="0" lvl="1" indent="-457200" algn="l" defTabSz="4389120" rtl="0" eaLnBrk="1" fontAlgn="auto" latinLnBrk="0" hangingPunct="1">
-              <a:lnSpc>
-                <a:spcPct val="100000"/>
-              </a:lnSpc>
-              <a:spcBef>
-                <a:spcPts val="1200"/>
-              </a:spcBef>
-              <a:spcAft>
-                <a:spcPts val="0"/>
-              </a:spcAft>
-              <a:buClr>
-                <a:schemeClr val="accent2"/>
-              </a:buClr>
-              <a:buSzTx/>
-              <a:buFont typeface="Arial" panose="020B0604020202020204" pitchFamily="34" charset="0"/>
-              <a:buChar char="•"/>
-              <a:tabLst/>
-              <a:defRPr/>
-            </a:pPr>
-            <a:r>
-              <a:rPr kumimoji="0" lang="en-US" sz="2400" b="0" i="0" u="none" strike="noStrike" kern="1200" cap="none" spc="0" normalizeH="0" baseline="0" noProof="0" smtClean="0">
-                <a:ln>
-                  <a:noFill/>
-                </a:ln>
-                <a:solidFill>
-                  <a:schemeClr val="tx1"/>
-                </a:solidFill>
-                <a:effectLst/>
-                <a:uLnTx/>
-                <a:uFillTx/>
-                <a:latin typeface="+mn-lt"/>
-                <a:ea typeface="+mn-ea"/>
-                <a:cs typeface="+mn-cs"/>
-              </a:rPr>
-              <a:t>Background item</a:t>
-            </a:r>
-          </a:p>
-          <a:p>
-            <a:pPr marL="1097280" marR="0" lvl="1" indent="-457200" algn="l" defTabSz="4389120" rtl="0" eaLnBrk="1" fontAlgn="auto" latinLnBrk="0" hangingPunct="1">
-              <a:lnSpc>
-                <a:spcPct val="100000"/>
-              </a:lnSpc>
-              <a:spcBef>
-                <a:spcPts val="1200"/>
-              </a:spcBef>
-              <a:spcAft>
-                <a:spcPts val="0"/>
-              </a:spcAft>
-              <a:buClr>
-                <a:schemeClr val="accent2"/>
-              </a:buClr>
-              <a:buSzTx/>
-              <a:buFont typeface="Arial" panose="020B0604020202020204" pitchFamily="34" charset="0"/>
-              <a:buChar char="•"/>
-              <a:tabLst/>
-              <a:defRPr/>
-            </a:pPr>
-            <a:r>
-              <a:rPr kumimoji="0" lang="en-US" sz="2400" b="0" i="0" u="none" strike="noStrike" kern="1200" cap="none" spc="0" normalizeH="0" baseline="0" noProof="0" smtClean="0">
-                <a:ln>
-                  <a:noFill/>
-                </a:ln>
-                <a:solidFill>
-                  <a:schemeClr val="tx1"/>
-                </a:solidFill>
-                <a:effectLst/>
-                <a:uLnTx/>
-                <a:uFillTx/>
-                <a:latin typeface="+mn-lt"/>
-                <a:ea typeface="+mn-ea"/>
-                <a:cs typeface="+mn-cs"/>
-              </a:rPr>
-              <a:t>Background item</a:t>
-            </a:r>
-          </a:p>
-          <a:p>
-            <a:pPr marL="1097280" marR="0" lvl="1" indent="-457200" algn="l" defTabSz="4389120" rtl="0" eaLnBrk="1" fontAlgn="auto" latinLnBrk="0" hangingPunct="1">
-              <a:lnSpc>
-                <a:spcPct val="100000"/>
-              </a:lnSpc>
-              <a:spcBef>
-                <a:spcPts val="1200"/>
-              </a:spcBef>
-              <a:spcAft>
-                <a:spcPts val="0"/>
-              </a:spcAft>
-              <a:buClr>
-                <a:schemeClr val="accent2"/>
-              </a:buClr>
-              <a:buSzTx/>
-              <a:buFont typeface="Arial" panose="020B0604020202020204" pitchFamily="34" charset="0"/>
-              <a:buChar char="•"/>
-              <a:tabLst/>
-              <a:defRPr/>
-            </a:pPr>
-            <a:r>
-              <a:rPr kumimoji="0" lang="en-US" sz="2400" b="0" i="0" u="none" strike="noStrike" kern="1200" cap="none" spc="0" normalizeH="0" baseline="0" noProof="0" smtClean="0">
-                <a:ln>
-                  <a:noFill/>
-                </a:ln>
-                <a:solidFill>
-                  <a:schemeClr val="tx1"/>
-                </a:solidFill>
-                <a:effectLst/>
-                <a:uLnTx/>
-                <a:uFillTx/>
-                <a:latin typeface="+mn-lt"/>
-                <a:ea typeface="+mn-ea"/>
-                <a:cs typeface="+mn-cs"/>
-              </a:rPr>
-              <a:t>Background item</a:t>
-            </a:r>
-          </a:p>
-          <a:p>
-            <a:pPr marL="457200" marR="0" lvl="0" indent="-457200" algn="l" defTabSz="4389120" rtl="0" eaLnBrk="1" fontAlgn="auto" latinLnBrk="0" hangingPunct="1">
-              <a:lnSpc>
-                <a:spcPct val="100000"/>
-              </a:lnSpc>
-              <a:spcBef>
-                <a:spcPts val="1200"/>
-              </a:spcBef>
-              <a:spcAft>
-                <a:spcPts val="0"/>
-              </a:spcAft>
-              <a:buClr>
-                <a:schemeClr val="accent2"/>
-              </a:buClr>
-              <a:buSzTx/>
-              <a:buFont typeface="Arial" panose="020B0604020202020204" pitchFamily="34" charset="0"/>
-              <a:buChar char="•"/>
-              <a:tabLst/>
-              <a:defRPr/>
-            </a:pPr>
-            <a:endParaRPr kumimoji="0" lang="en-US" sz="2800" b="0" i="0" u="none" strike="noStrike" kern="1200" cap="none" spc="0" normalizeH="0" baseline="0" noProof="0" dirty="0">
+              <a:t>References</a:t>
+            </a:r>
+            <a:endParaRPr kumimoji="0" lang="en-US" sz="2000" b="0" i="0" u="none" strike="noStrike" kern="1200" cap="none" spc="0" normalizeH="0" baseline="0" noProof="0" dirty="0" smtClean="0">
               <a:ln>
                 <a:noFill/>
               </a:ln>
@@ -7736,12 +7572,253 @@
               <a:cs typeface="+mn-cs"/>
             </a:endParaRPr>
           </a:p>
+          <a:p>
+            <a:pPr marL="457200" lvl="0" indent="-457200" defTabSz="4389120">
+              <a:spcBef>
+                <a:spcPts val="1200"/>
+              </a:spcBef>
+              <a:buClr>
+                <a:schemeClr val="accent2"/>
+              </a:buClr>
+              <a:defRPr/>
+            </a:pPr>
+            <a:r>
+              <a:rPr kumimoji="0" lang="en-US" sz="2000" b="0" i="0" u="none" strike="noStrike" kern="1200" cap="none" spc="0" normalizeH="0" baseline="0" noProof="0" dirty="0" smtClean="0">
+                <a:ln>
+                  <a:noFill/>
+                </a:ln>
+                <a:solidFill>
+                  <a:schemeClr val="tx1"/>
+                </a:solidFill>
+                <a:effectLst/>
+                <a:uLnTx/>
+                <a:uFillTx/>
+                <a:latin typeface="+mn-lt"/>
+                <a:ea typeface="+mn-ea"/>
+                <a:cs typeface="+mn-cs"/>
+              </a:rPr>
+              <a:t>[1</a:t>
+            </a:r>
+            <a:r>
+              <a:rPr lang="en-US" sz="2000" dirty="0" smtClean="0"/>
+              <a:t>] Fang </a:t>
+            </a:r>
+            <a:r>
+              <a:rPr lang="en-US" sz="2000" dirty="0" err="1" smtClean="0"/>
+              <a:t>Qiao</a:t>
+            </a:r>
+            <a:r>
+              <a:rPr lang="en-US" sz="2000" dirty="0" smtClean="0"/>
+              <a:t>, </a:t>
+            </a:r>
+            <a:r>
+              <a:rPr lang="en-US" sz="2000" dirty="0" err="1" smtClean="0"/>
+              <a:t>Jahanzeb</a:t>
+            </a:r>
+            <a:r>
+              <a:rPr lang="en-US" sz="2000" dirty="0" smtClean="0"/>
+              <a:t> </a:t>
+            </a:r>
+            <a:r>
+              <a:rPr lang="en-US" sz="2000" dirty="0" err="1" smtClean="0"/>
+              <a:t>Sherwani</a:t>
+            </a:r>
+            <a:r>
+              <a:rPr lang="en-US" sz="2000" dirty="0" smtClean="0"/>
+              <a:t>, and </a:t>
+            </a:r>
+            <a:r>
+              <a:rPr lang="en-US" sz="2000" dirty="0" err="1" smtClean="0"/>
+              <a:t>Roni</a:t>
+            </a:r>
+            <a:r>
+              <a:rPr lang="en-US" sz="2000" dirty="0" smtClean="0"/>
+              <a:t> Rosenfeld</a:t>
+            </a:r>
+            <a:r>
+              <a:rPr lang="en-US" sz="2000" dirty="0" smtClean="0"/>
+              <a:t>, 2010. </a:t>
+            </a:r>
+            <a:r>
+              <a:rPr lang="en-US" sz="2000" dirty="0" smtClean="0"/>
+              <a:t>“Small-vocabulary speech recognition for resource- scarce languages,” in </a:t>
+            </a:r>
+            <a:r>
+              <a:rPr lang="en-US" sz="2000" i="1" dirty="0" smtClean="0"/>
+              <a:t>Proceedings of the First ACM Symposium on Computing for </a:t>
+            </a:r>
+            <a:r>
+              <a:rPr lang="en-US" sz="2000" i="1" dirty="0" smtClean="0"/>
+              <a:t>Development (ACM DEV ‘10)</a:t>
+            </a:r>
+            <a:r>
+              <a:rPr lang="en-US" sz="2000" i="1" dirty="0" smtClean="0"/>
+              <a:t>.</a:t>
+            </a:r>
+            <a:r>
+              <a:rPr lang="en-US" sz="2000" dirty="0" smtClean="0"/>
+              <a:t> ACM, New </a:t>
+            </a:r>
+            <a:r>
+              <a:rPr lang="en-US" sz="2000" dirty="0" smtClean="0"/>
+              <a:t>York, NY, USA, </a:t>
+            </a:r>
+            <a:r>
+              <a:rPr lang="en-US" sz="2000" dirty="0" smtClean="0"/>
+              <a:t>pp</a:t>
+            </a:r>
+            <a:r>
+              <a:rPr lang="en-US" sz="2000" dirty="0" smtClean="0"/>
+              <a:t>. </a:t>
+            </a:r>
+            <a:r>
+              <a:rPr lang="en-US" sz="2000" dirty="0" smtClean="0"/>
+              <a:t>3:1–3:8.</a:t>
+            </a:r>
+            <a:endParaRPr kumimoji="0" lang="en-US" sz="2000" b="0" i="0" u="none" strike="noStrike" kern="1200" cap="none" spc="0" normalizeH="0" baseline="0" noProof="0" dirty="0" smtClean="0">
+              <a:ln>
+                <a:noFill/>
+              </a:ln>
+              <a:solidFill>
+                <a:schemeClr val="tx1"/>
+              </a:solidFill>
+              <a:effectLst/>
+              <a:uLnTx/>
+              <a:uFillTx/>
+              <a:latin typeface="+mn-lt"/>
+              <a:ea typeface="+mn-ea"/>
+              <a:cs typeface="+mn-cs"/>
+            </a:endParaRPr>
+          </a:p>
+          <a:p>
+            <a:pPr marL="457200" lvl="0" indent="-457200" defTabSz="4389120">
+              <a:spcBef>
+                <a:spcPts val="1200"/>
+              </a:spcBef>
+              <a:buClr>
+                <a:schemeClr val="accent2"/>
+              </a:buClr>
+              <a:defRPr/>
+            </a:pPr>
+            <a:r>
+              <a:rPr lang="en-US" sz="2000" dirty="0" smtClean="0"/>
+              <a:t>[2</a:t>
+            </a:r>
+            <a:r>
+              <a:rPr lang="en-US" sz="2000" dirty="0" smtClean="0"/>
+              <a:t>] </a:t>
+            </a:r>
+            <a:r>
+              <a:rPr lang="en-US" sz="2000" dirty="0" err="1" smtClean="0"/>
+              <a:t>Hao</a:t>
+            </a:r>
+            <a:r>
+              <a:rPr lang="en-US" sz="2000" dirty="0" smtClean="0"/>
+              <a:t> Yee Chan and </a:t>
+            </a:r>
+            <a:r>
+              <a:rPr lang="en-US" sz="2000" dirty="0" err="1" smtClean="0"/>
+              <a:t>Roni</a:t>
+            </a:r>
+            <a:r>
+              <a:rPr lang="en-US" sz="2000" dirty="0" smtClean="0"/>
+              <a:t> Rosenfeld</a:t>
+            </a:r>
+            <a:r>
+              <a:rPr lang="en-US" sz="2000" dirty="0" smtClean="0"/>
+              <a:t>, 2012. </a:t>
+            </a:r>
+            <a:r>
+              <a:rPr lang="en-US" sz="2000" dirty="0" smtClean="0"/>
+              <a:t>“Discriminative pronunciation learning for speech recognition for resource scarce languages,” in </a:t>
+            </a:r>
+            <a:r>
+              <a:rPr lang="en-US" sz="2000" i="1" dirty="0" smtClean="0"/>
+              <a:t>Proceedings of the 2nd ACM Symposium on Computing for </a:t>
+            </a:r>
+            <a:r>
+              <a:rPr lang="en-US" sz="2000" i="1" dirty="0" smtClean="0"/>
+              <a:t>Development (ACM DEV ‘12)</a:t>
+            </a:r>
+            <a:r>
+              <a:rPr lang="en-US" sz="2000" dirty="0" smtClean="0"/>
+              <a:t>. ACM, New </a:t>
+            </a:r>
+            <a:r>
+              <a:rPr lang="en-US" sz="2000" dirty="0" smtClean="0"/>
+              <a:t>York, NY, USA, </a:t>
+            </a:r>
+            <a:r>
+              <a:rPr lang="en-US" sz="2000" dirty="0" smtClean="0"/>
+              <a:t>pp</a:t>
+            </a:r>
+            <a:r>
+              <a:rPr lang="en-US" sz="2000" dirty="0" smtClean="0"/>
+              <a:t>. 12:1–12:6</a:t>
+            </a:r>
+            <a:r>
+              <a:rPr lang="en-US" sz="2000" dirty="0" smtClean="0"/>
+              <a:t>,. </a:t>
+            </a:r>
+          </a:p>
+          <a:p>
+            <a:pPr marL="457200" lvl="0" indent="-457200" defTabSz="4389120">
+              <a:spcBef>
+                <a:spcPts val="1200"/>
+              </a:spcBef>
+              <a:buClr>
+                <a:schemeClr val="accent2"/>
+              </a:buClr>
+              <a:defRPr/>
+            </a:pPr>
+            <a:r>
+              <a:rPr kumimoji="0" lang="en-US" sz="2000" b="0" i="0" u="none" strike="noStrike" kern="1200" cap="none" spc="0" normalizeH="0" baseline="0" noProof="0" dirty="0" smtClean="0">
+                <a:ln>
+                  <a:noFill/>
+                </a:ln>
+                <a:solidFill>
+                  <a:schemeClr val="tx1"/>
+                </a:solidFill>
+                <a:effectLst/>
+                <a:uLnTx/>
+                <a:uFillTx/>
+                <a:latin typeface="+mn-lt"/>
+                <a:ea typeface="+mn-ea"/>
+                <a:cs typeface="+mn-cs"/>
+              </a:rPr>
+              <a:t>[3] </a:t>
+            </a:r>
+            <a:r>
+              <a:rPr lang="en-US" sz="2000" dirty="0" smtClean="0"/>
+              <a:t>Microsoft, 2012. Microsoft Speech Platform SDK 11 Documentation. </a:t>
+            </a:r>
+            <a:r>
+              <a:rPr lang="en-US" sz="2000" dirty="0" smtClean="0">
+                <a:hlinkClick r:id="rId8"/>
+              </a:rPr>
+              <a:t>http://msdn.microsoft.com/en-us/library/dd266409</a:t>
+            </a:r>
+            <a:endParaRPr kumimoji="0" lang="en-US" sz="2000" b="0" i="0" u="none" strike="noStrike" kern="1200" cap="none" spc="0" normalizeH="0" baseline="0" noProof="0" dirty="0">
+              <a:ln>
+                <a:noFill/>
+              </a:ln>
+              <a:solidFill>
+                <a:schemeClr val="tx1"/>
+              </a:solidFill>
+              <a:effectLst/>
+              <a:uLnTx/>
+              <a:uFillTx/>
+              <a:latin typeface="+mn-lt"/>
+              <a:ea typeface="+mn-ea"/>
+              <a:cs typeface="+mn-cs"/>
+            </a:endParaRPr>
+          </a:p>
         </p:txBody>
       </p:sp>
     </p:spTree>
     <p:extLst>
       <p:ext uri="{BB962C8B-B14F-4D97-AF65-F5344CB8AC3E}">
-        <p14:creationId xmlns:p14="http://schemas.microsoft.com/office/powerpoint/2010/main" xmlns="" val="931198942"/>
+        <p14:creationId xmlns="" xmlns:p14="http://schemas.microsoft.com/office/powerpoint/2010/main" val="931198942"/>
       </p:ext>
     </p:extLst>
   </p:cSld>
@@ -8084,7 +8161,7 @@
   <a:extraClrSchemeLst/>
   <a:extLst>
     <a:ext uri="{05A4C25C-085E-4340-85A3-A5531E510DB2}">
-      <thm15:themeFamily xmlns:thm15="http://schemas.microsoft.com/office/thememl/2012/main" xmlns="" name="Presentation1" id="{55A68E73-61CB-4542-8C48-DCBB2482A3D5}" vid="{6A3CA63D-1E3C-4681-8668-89277FEB3FEB}"/>
+      <thm15:themeFamily xmlns="" xmlns:thm15="http://schemas.microsoft.com/office/thememl/2012/main" name="Presentation1" id="{55A68E73-61CB-4542-8C48-DCBB2482A3D5}" vid="{6A3CA63D-1E3C-4681-8668-89277FEB3FEB}"/>
     </a:ext>
   </a:extLst>
 </a:theme>
@@ -8345,7 +8422,7 @@
   <a:extraClrSchemeLst/>
   <a:extLst>
     <a:ext uri="{05A4C25C-085E-4340-85A3-A5531E510DB2}">
-      <thm15:themeFamily xmlns:thm15="http://schemas.microsoft.com/office/thememl/2012/main" xmlns="" name="Office Theme" id="{62F939B6-93AF-4DB8-9C6B-D6C7DFDC589F}" vid="{4A3C46E8-61CC-4603-A589-7422A47A8E4A}"/>
+      <thm15:themeFamily xmlns="" xmlns:thm15="http://schemas.microsoft.com/office/thememl/2012/main" name="Office Theme" id="{62F939B6-93AF-4DB8-9C6B-D6C7DFDC589F}" vid="{4A3C46E8-61CC-4603-A589-7422A47A8E4A}"/>
     </a:ext>
   </a:extLst>
 </a:theme>
@@ -8606,7 +8683,7 @@
   <a:extraClrSchemeLst/>
   <a:extLst>
     <a:ext uri="{05A4C25C-085E-4340-85A3-A5531E510DB2}">
-      <thm15:themeFamily xmlns:thm15="http://schemas.microsoft.com/office/thememl/2012/main" xmlns="" name="Office Theme" id="{62F939B6-93AF-4DB8-9C6B-D6C7DFDC589F}" vid="{4A3C46E8-61CC-4603-A589-7422A47A8E4A}"/>
+      <thm15:themeFamily xmlns="" xmlns:thm15="http://schemas.microsoft.com/office/thememl/2012/main" name="Office Theme" id="{62F939B6-93AF-4DB8-9C6B-D6C7DFDC589F}" vid="{4A3C46E8-61CC-4603-A589-7422A47A8E4A}"/>
     </a:ext>
   </a:extLst>
 </a:theme>

--- a/docs/lex4all.pptx
+++ b/docs/lex4all.pptx
@@ -158,8 +158,9 @@
     </c:title>
     <c:plotArea>
       <c:layout/>
-      <c:lineChart>
-        <c:grouping val="standard"/>
+      <c:barChart>
+        <c:barDir val="col"/>
+        <c:grouping val="clustered"/>
         <c:ser>
           <c:idx val="0"/>
           <c:order val="0"/>
@@ -183,14 +184,10 @@
             </a:ln>
             <a:effectLst/>
           </c:spPr>
-          <c:marker>
-            <c:symbol val="none"/>
-          </c:marker>
           <c:dLbls>
             <c:dLbl>
               <c:idx val="3"/>
               <c:layout/>
-              <c:dLblPos val="r"/>
               <c:showVal val="1"/>
               <c:showSerName val="1"/>
               <c:extLst>
@@ -285,14 +282,10 @@
             </a:ln>
             <a:effectLst/>
           </c:spPr>
-          <c:marker>
-            <c:symbol val="none"/>
-          </c:marker>
           <c:dLbls>
             <c:dLbl>
               <c:idx val="3"/>
               <c:layout/>
-              <c:dLblPos val="r"/>
               <c:showVal val="1"/>
               <c:showSerName val="1"/>
               <c:extLst>
@@ -387,14 +380,10 @@
             </a:ln>
             <a:effectLst/>
           </c:spPr>
-          <c:marker>
-            <c:symbol val="none"/>
-          </c:marker>
           <c:dLbls>
             <c:dLbl>
               <c:idx val="3"/>
               <c:layout/>
-              <c:dLblPos val="r"/>
               <c:showVal val="1"/>
               <c:showSerName val="1"/>
               <c:extLst>
@@ -466,10 +455,9 @@
             </c:numRef>
           </c:val>
         </c:ser>
-        <c:marker val="1"/>
         <c:axId val="125003264"/>
         <c:axId val="125079552"/>
-      </c:lineChart>
+      </c:barChart>
       <c:catAx>
         <c:axId val="125003264"/>
         <c:scaling>
@@ -615,521 +603,10 @@
   </c:chart>
   <c:spPr>
     <a:noFill/>
-    <a:ln>
-      <a:noFill/>
-    </a:ln>
-    <a:effectLst/>
-  </c:spPr>
-  <c:txPr>
-    <a:bodyPr/>
-    <a:lstStyle/>
-    <a:p>
-      <a:pPr>
-        <a:defRPr/>
-      </a:pPr>
-      <a:endParaRPr lang="en-US"/>
-    </a:p>
-  </c:txPr>
-  <c:externalData r:id="rId1"/>
-</c:chartSpace>
-</file>
-
-<file path=ppt/charts/chart2.xml><?xml version="1.0" encoding="utf-8"?>
-<c:chartSpace xmlns:c="http://schemas.openxmlformats.org/drawingml/2006/chart" xmlns:a="http://schemas.openxmlformats.org/drawingml/2006/main" xmlns:r="http://schemas.openxmlformats.org/officeDocument/2006/relationships">
-  <c:date1904 val="1"/>
-  <c:lang val="en-US"/>
-  <c:chart>
-    <c:title>
-      <c:layout/>
-      <c:spPr>
-        <a:noFill/>
-        <a:ln>
-          <a:noFill/>
-        </a:ln>
-        <a:effectLst/>
-      </c:spPr>
-      <c:txPr>
-        <a:bodyPr rot="0" spcFirstLastPara="1" vertOverflow="ellipsis" vert="horz" wrap="square" anchor="ctr" anchorCtr="1"/>
-        <a:lstStyle/>
-        <a:p>
-          <a:pPr>
-            <a:defRPr lang="de-DE" sz="1862" b="0" i="0" u="none" strike="noStrike" kern="1200" spc="0" baseline="0">
-              <a:solidFill>
-                <a:schemeClr val="tx1">
-                  <a:lumMod val="65000"/>
-                  <a:lumOff val="35000"/>
-                </a:schemeClr>
-              </a:solidFill>
-              <a:latin typeface="+mn-lt"/>
-              <a:ea typeface="+mn-ea"/>
-              <a:cs typeface="+mn-cs"/>
-            </a:defRPr>
-          </a:pPr>
-          <a:endParaRPr lang="en-US"/>
-        </a:p>
-      </c:txPr>
-    </c:title>
-    <c:plotArea>
-      <c:layout/>
-      <c:lineChart>
-        <c:grouping val="standard"/>
-        <c:ser>
-          <c:idx val="0"/>
-          <c:order val="0"/>
-          <c:tx>
-            <c:strRef>
-              <c:f>Sheet1!$B$1</c:f>
-              <c:strCache>
-                <c:ptCount val="1"/>
-                <c:pt idx="0">
-                  <c:v>Series 1</c:v>
-                </c:pt>
-              </c:strCache>
-            </c:strRef>
-          </c:tx>
-          <c:spPr>
-            <a:ln w="28575" cap="rnd">
-              <a:solidFill>
-                <a:schemeClr val="accent1"/>
-              </a:solidFill>
-              <a:round/>
-            </a:ln>
-            <a:effectLst/>
-          </c:spPr>
-          <c:marker>
-            <c:symbol val="none"/>
-          </c:marker>
-          <c:dLbls>
-            <c:dLbl>
-              <c:idx val="3"/>
-              <c:layout/>
-              <c:dLblPos val="r"/>
-              <c:showVal val="1"/>
-              <c:showSerName val="1"/>
-              <c:extLst>
-                <c:ext xmlns:c15="http://schemas.microsoft.com/office/drawing/2012/chart" uri="{CE6537A1-D6FC-4f65-9D91-7224C49458BB}">
-                  <c15:layout/>
-                </c:ext>
-              </c:extLst>
-            </c:dLbl>
-            <c:delete val="1"/>
-            <c:extLst>
-              <c:ext xmlns:c15="http://schemas.microsoft.com/office/drawing/2012/chart" uri="{CE6537A1-D6FC-4f65-9D91-7224C49458BB}">
-                <c15:showLeaderLines val="1"/>
-                <c15:leaderLines>
-                  <c:spPr>
-                    <a:ln w="9525" cap="flat" cmpd="sng" algn="ctr">
-                      <a:solidFill>
-                        <a:schemeClr val="tx1">
-                          <a:lumMod val="35000"/>
-                          <a:lumOff val="65000"/>
-                        </a:schemeClr>
-                      </a:solidFill>
-                      <a:round/>
-                    </a:ln>
-                    <a:effectLst/>
-                  </c:spPr>
-                </c15:leaderLines>
-              </c:ext>
-            </c:extLst>
-          </c:dLbls>
-          <c:cat>
-            <c:strRef>
-              <c:f>Sheet1!$A$2:$A$5</c:f>
-              <c:strCache>
-                <c:ptCount val="4"/>
-                <c:pt idx="0">
-                  <c:v>Category 1</c:v>
-                </c:pt>
-                <c:pt idx="1">
-                  <c:v>Category 2</c:v>
-                </c:pt>
-                <c:pt idx="2">
-                  <c:v>Category 3</c:v>
-                </c:pt>
-                <c:pt idx="3">
-                  <c:v>Category 4</c:v>
-                </c:pt>
-              </c:strCache>
-            </c:strRef>
-          </c:cat>
-          <c:val>
-            <c:numRef>
-              <c:f>Sheet1!$B$2:$B$5</c:f>
-              <c:numCache>
-                <c:formatCode>General</c:formatCode>
-                <c:ptCount val="4"/>
-                <c:pt idx="0">
-                  <c:v>4.3</c:v>
-                </c:pt>
-                <c:pt idx="1">
-                  <c:v>2.5</c:v>
-                </c:pt>
-                <c:pt idx="2">
-                  <c:v>3.5</c:v>
-                </c:pt>
-                <c:pt idx="3">
-                  <c:v>4.5</c:v>
-                </c:pt>
-              </c:numCache>
-            </c:numRef>
-          </c:val>
-        </c:ser>
-        <c:ser>
-          <c:idx val="1"/>
-          <c:order val="1"/>
-          <c:tx>
-            <c:strRef>
-              <c:f>Sheet1!$C$1</c:f>
-              <c:strCache>
-                <c:ptCount val="1"/>
-                <c:pt idx="0">
-                  <c:v>Series 2</c:v>
-                </c:pt>
-              </c:strCache>
-            </c:strRef>
-          </c:tx>
-          <c:spPr>
-            <a:ln w="28575" cap="rnd">
-              <a:solidFill>
-                <a:schemeClr val="accent2"/>
-              </a:solidFill>
-              <a:round/>
-            </a:ln>
-            <a:effectLst/>
-          </c:spPr>
-          <c:marker>
-            <c:symbol val="none"/>
-          </c:marker>
-          <c:dLbls>
-            <c:dLbl>
-              <c:idx val="3"/>
-              <c:layout/>
-              <c:dLblPos val="r"/>
-              <c:showVal val="1"/>
-              <c:showSerName val="1"/>
-              <c:extLst>
-                <c:ext xmlns:c15="http://schemas.microsoft.com/office/drawing/2012/chart" uri="{CE6537A1-D6FC-4f65-9D91-7224C49458BB}">
-                  <c15:layout/>
-                </c:ext>
-              </c:extLst>
-            </c:dLbl>
-            <c:delete val="1"/>
-            <c:extLst>
-              <c:ext xmlns:c15="http://schemas.microsoft.com/office/drawing/2012/chart" uri="{CE6537A1-D6FC-4f65-9D91-7224C49458BB}">
-                <c15:showLeaderLines val="1"/>
-                <c15:leaderLines>
-                  <c:spPr>
-                    <a:ln w="9525" cap="flat" cmpd="sng" algn="ctr">
-                      <a:solidFill>
-                        <a:schemeClr val="tx1">
-                          <a:lumMod val="35000"/>
-                          <a:lumOff val="65000"/>
-                        </a:schemeClr>
-                      </a:solidFill>
-                      <a:round/>
-                    </a:ln>
-                    <a:effectLst/>
-                  </c:spPr>
-                </c15:leaderLines>
-              </c:ext>
-            </c:extLst>
-          </c:dLbls>
-          <c:cat>
-            <c:strRef>
-              <c:f>Sheet1!$A$2:$A$5</c:f>
-              <c:strCache>
-                <c:ptCount val="4"/>
-                <c:pt idx="0">
-                  <c:v>Category 1</c:v>
-                </c:pt>
-                <c:pt idx="1">
-                  <c:v>Category 2</c:v>
-                </c:pt>
-                <c:pt idx="2">
-                  <c:v>Category 3</c:v>
-                </c:pt>
-                <c:pt idx="3">
-                  <c:v>Category 4</c:v>
-                </c:pt>
-              </c:strCache>
-            </c:strRef>
-          </c:cat>
-          <c:val>
-            <c:numRef>
-              <c:f>Sheet1!$C$2:$C$5</c:f>
-              <c:numCache>
-                <c:formatCode>General</c:formatCode>
-                <c:ptCount val="4"/>
-                <c:pt idx="0">
-                  <c:v>2.4</c:v>
-                </c:pt>
-                <c:pt idx="1">
-                  <c:v>4.4000000000000004</c:v>
-                </c:pt>
-                <c:pt idx="2">
-                  <c:v>1.8</c:v>
-                </c:pt>
-                <c:pt idx="3">
-                  <c:v>2.8</c:v>
-                </c:pt>
-              </c:numCache>
-            </c:numRef>
-          </c:val>
-        </c:ser>
-        <c:ser>
-          <c:idx val="2"/>
-          <c:order val="2"/>
-          <c:tx>
-            <c:strRef>
-              <c:f>Sheet1!$D$1</c:f>
-              <c:strCache>
-                <c:ptCount val="1"/>
-                <c:pt idx="0">
-                  <c:v>Series 3</c:v>
-                </c:pt>
-              </c:strCache>
-            </c:strRef>
-          </c:tx>
-          <c:spPr>
-            <a:ln w="28575" cap="rnd">
-              <a:solidFill>
-                <a:schemeClr val="accent3"/>
-              </a:solidFill>
-              <a:round/>
-            </a:ln>
-            <a:effectLst/>
-          </c:spPr>
-          <c:marker>
-            <c:symbol val="none"/>
-          </c:marker>
-          <c:dLbls>
-            <c:dLbl>
-              <c:idx val="3"/>
-              <c:layout/>
-              <c:dLblPos val="r"/>
-              <c:showVal val="1"/>
-              <c:showSerName val="1"/>
-              <c:extLst>
-                <c:ext xmlns:c15="http://schemas.microsoft.com/office/drawing/2012/chart" uri="{CE6537A1-D6FC-4f65-9D91-7224C49458BB}">
-                  <c15:layout/>
-                </c:ext>
-              </c:extLst>
-            </c:dLbl>
-            <c:delete val="1"/>
-            <c:extLst>
-              <c:ext xmlns:c15="http://schemas.microsoft.com/office/drawing/2012/chart" uri="{CE6537A1-D6FC-4f65-9D91-7224C49458BB}">
-                <c15:showLeaderLines val="1"/>
-                <c15:leaderLines>
-                  <c:spPr>
-                    <a:ln w="9525" cap="flat" cmpd="sng" algn="ctr">
-                      <a:solidFill>
-                        <a:schemeClr val="tx1">
-                          <a:lumMod val="35000"/>
-                          <a:lumOff val="65000"/>
-                        </a:schemeClr>
-                      </a:solidFill>
-                      <a:round/>
-                    </a:ln>
-                    <a:effectLst/>
-                  </c:spPr>
-                </c15:leaderLines>
-              </c:ext>
-            </c:extLst>
-          </c:dLbls>
-          <c:cat>
-            <c:strRef>
-              <c:f>Sheet1!$A$2:$A$5</c:f>
-              <c:strCache>
-                <c:ptCount val="4"/>
-                <c:pt idx="0">
-                  <c:v>Category 1</c:v>
-                </c:pt>
-                <c:pt idx="1">
-                  <c:v>Category 2</c:v>
-                </c:pt>
-                <c:pt idx="2">
-                  <c:v>Category 3</c:v>
-                </c:pt>
-                <c:pt idx="3">
-                  <c:v>Category 4</c:v>
-                </c:pt>
-              </c:strCache>
-            </c:strRef>
-          </c:cat>
-          <c:val>
-            <c:numRef>
-              <c:f>Sheet1!$D$2:$D$5</c:f>
-              <c:numCache>
-                <c:formatCode>General</c:formatCode>
-                <c:ptCount val="4"/>
-                <c:pt idx="0">
-                  <c:v>2</c:v>
-                </c:pt>
-                <c:pt idx="1">
-                  <c:v>2</c:v>
-                </c:pt>
-                <c:pt idx="2">
-                  <c:v>3</c:v>
-                </c:pt>
-                <c:pt idx="3">
-                  <c:v>5</c:v>
-                </c:pt>
-              </c:numCache>
-            </c:numRef>
-          </c:val>
-        </c:ser>
-        <c:marker val="1"/>
-        <c:axId val="140147328"/>
-        <c:axId val="140538624"/>
-      </c:lineChart>
-      <c:catAx>
-        <c:axId val="140147328"/>
-        <c:scaling>
-          <c:orientation val="minMax"/>
-        </c:scaling>
-        <c:axPos val="b"/>
-        <c:numFmt formatCode="General" sourceLinked="1"/>
-        <c:majorTickMark val="none"/>
-        <c:tickLblPos val="nextTo"/>
-        <c:spPr>
-          <a:noFill/>
-          <a:ln w="9525" cap="flat" cmpd="sng" algn="ctr">
-            <a:solidFill>
-              <a:schemeClr val="tx1">
-                <a:lumMod val="15000"/>
-                <a:lumOff val="85000"/>
-              </a:schemeClr>
-            </a:solidFill>
-            <a:round/>
-          </a:ln>
-          <a:effectLst/>
-        </c:spPr>
-        <c:txPr>
-          <a:bodyPr rot="-60000000" spcFirstLastPara="1" vertOverflow="ellipsis" vert="horz" wrap="square" anchor="ctr" anchorCtr="1"/>
-          <a:lstStyle/>
-          <a:p>
-            <a:pPr>
-              <a:defRPr lang="de-DE" sz="1197" b="0" i="0" u="none" strike="noStrike" kern="1200" baseline="0">
-                <a:solidFill>
-                  <a:schemeClr val="tx1">
-                    <a:lumMod val="65000"/>
-                    <a:lumOff val="35000"/>
-                  </a:schemeClr>
-                </a:solidFill>
-                <a:latin typeface="+mn-lt"/>
-                <a:ea typeface="+mn-ea"/>
-                <a:cs typeface="+mn-cs"/>
-              </a:defRPr>
-            </a:pPr>
-            <a:endParaRPr lang="en-US"/>
-          </a:p>
-        </c:txPr>
-        <c:crossAx val="140538624"/>
-        <c:crosses val="autoZero"/>
-        <c:auto val="1"/>
-        <c:lblAlgn val="ctr"/>
-        <c:lblOffset val="100"/>
-      </c:catAx>
-      <c:valAx>
-        <c:axId val="140538624"/>
-        <c:scaling>
-          <c:orientation val="minMax"/>
-        </c:scaling>
-        <c:axPos val="l"/>
-        <c:majorGridlines>
-          <c:spPr>
-            <a:ln w="9525" cap="flat" cmpd="sng" algn="ctr">
-              <a:solidFill>
-                <a:schemeClr val="tx1">
-                  <a:lumMod val="15000"/>
-                  <a:lumOff val="85000"/>
-                </a:schemeClr>
-              </a:solidFill>
-              <a:round/>
-            </a:ln>
-            <a:effectLst/>
-          </c:spPr>
-        </c:majorGridlines>
-        <c:title>
-          <c:layout/>
-          <c:spPr>
-            <a:noFill/>
-            <a:ln>
-              <a:noFill/>
-            </a:ln>
-            <a:effectLst/>
-          </c:spPr>
-          <c:txPr>
-            <a:bodyPr rot="-5400000" spcFirstLastPara="1" vertOverflow="ellipsis" vert="horz" wrap="square" anchor="ctr" anchorCtr="1"/>
-            <a:lstStyle/>
-            <a:p>
-              <a:pPr>
-                <a:defRPr lang="de-DE" sz="1330" b="0" i="0" u="none" strike="noStrike" kern="1200" baseline="0">
-                  <a:solidFill>
-                    <a:schemeClr val="tx1">
-                      <a:lumMod val="65000"/>
-                      <a:lumOff val="35000"/>
-                    </a:schemeClr>
-                  </a:solidFill>
-                  <a:latin typeface="+mn-lt"/>
-                  <a:ea typeface="+mn-ea"/>
-                  <a:cs typeface="+mn-cs"/>
-                </a:defRPr>
-              </a:pPr>
-              <a:endParaRPr lang="en-US"/>
-            </a:p>
-          </c:txPr>
-        </c:title>
-        <c:numFmt formatCode="General" sourceLinked="1"/>
-        <c:majorTickMark val="none"/>
-        <c:tickLblPos val="nextTo"/>
-        <c:spPr>
-          <a:noFill/>
-          <a:ln>
-            <a:noFill/>
-          </a:ln>
-          <a:effectLst/>
-        </c:spPr>
-        <c:txPr>
-          <a:bodyPr rot="-60000000" spcFirstLastPara="1" vertOverflow="ellipsis" vert="horz" wrap="square" anchor="ctr" anchorCtr="1"/>
-          <a:lstStyle/>
-          <a:p>
-            <a:pPr>
-              <a:defRPr lang="de-DE" sz="1197" b="0" i="0" u="none" strike="noStrike" kern="1200" baseline="0">
-                <a:solidFill>
-                  <a:schemeClr val="tx1">
-                    <a:lumMod val="65000"/>
-                    <a:lumOff val="35000"/>
-                  </a:schemeClr>
-                </a:solidFill>
-                <a:latin typeface="+mn-lt"/>
-                <a:ea typeface="+mn-ea"/>
-                <a:cs typeface="+mn-cs"/>
-              </a:defRPr>
-            </a:pPr>
-            <a:endParaRPr lang="en-US"/>
-          </a:p>
-        </c:txPr>
-        <c:crossAx val="140147328"/>
-        <c:crosses val="autoZero"/>
-        <c:crossBetween val="between"/>
-      </c:valAx>
-      <c:spPr>
-        <a:noFill/>
-        <a:ln>
-          <a:noFill/>
-        </a:ln>
-        <a:effectLst/>
-      </c:spPr>
-    </c:plotArea>
-    <c:plotVisOnly val="1"/>
-    <c:dispBlanksAs val="gap"/>
-  </c:chart>
-  <c:spPr>
-    <a:noFill/>
-    <a:ln>
-      <a:noFill/>
+    <a:ln w="3175">
+      <a:solidFill>
+        <a:schemeClr val="accent1"/>
+      </a:solidFill>
     </a:ln>
     <a:effectLst/>
   </c:spPr>
@@ -1187,563 +664,7 @@
 </cs:colorStyle>
 </file>
 
-<file path=ppt/charts/colors2.xml><?xml version="1.0" encoding="utf-8"?>
-<cs:colorStyle xmlns:cs="http://schemas.microsoft.com/office/drawing/2012/chartStyle" xmlns:a="http://schemas.openxmlformats.org/drawingml/2006/main" meth="cycle" id="10">
-  <a:schemeClr val="accent1"/>
-  <a:schemeClr val="accent2"/>
-  <a:schemeClr val="accent3"/>
-  <a:schemeClr val="accent4"/>
-  <a:schemeClr val="accent5"/>
-  <a:schemeClr val="accent6"/>
-  <cs:variation/>
-  <cs:variation>
-    <a:lumMod val="60000"/>
-  </cs:variation>
-  <cs:variation>
-    <a:lumMod val="80000"/>
-    <a:lumOff val="20000"/>
-  </cs:variation>
-  <cs:variation>
-    <a:lumMod val="80000"/>
-  </cs:variation>
-  <cs:variation>
-    <a:lumMod val="60000"/>
-    <a:lumOff val="40000"/>
-  </cs:variation>
-  <cs:variation>
-    <a:lumMod val="50000"/>
-  </cs:variation>
-  <cs:variation>
-    <a:lumMod val="70000"/>
-    <a:lumOff val="30000"/>
-  </cs:variation>
-  <cs:variation>
-    <a:lumMod val="70000"/>
-  </cs:variation>
-  <cs:variation>
-    <a:lumMod val="50000"/>
-    <a:lumOff val="50000"/>
-  </cs:variation>
-</cs:colorStyle>
-</file>
-
 <file path=ppt/charts/style1.xml><?xml version="1.0" encoding="utf-8"?>
-<cs:chartStyle xmlns:cs="http://schemas.microsoft.com/office/drawing/2012/chartStyle" xmlns:a="http://schemas.openxmlformats.org/drawingml/2006/main" id="227">
-  <cs:axisTitle>
-    <cs:lnRef idx="0"/>
-    <cs:fillRef idx="0"/>
-    <cs:effectRef idx="0"/>
-    <cs:fontRef idx="minor">
-      <a:schemeClr val="tx1">
-        <a:lumMod val="65000"/>
-        <a:lumOff val="35000"/>
-      </a:schemeClr>
-    </cs:fontRef>
-    <cs:defRPr sz="1330" kern="1200"/>
-  </cs:axisTitle>
-  <cs:categoryAxis>
-    <cs:lnRef idx="0"/>
-    <cs:fillRef idx="0"/>
-    <cs:effectRef idx="0"/>
-    <cs:fontRef idx="minor">
-      <a:schemeClr val="tx1">
-        <a:lumMod val="65000"/>
-        <a:lumOff val="35000"/>
-      </a:schemeClr>
-    </cs:fontRef>
-    <cs:spPr>
-      <a:ln w="9525" cap="flat" cmpd="sng" algn="ctr">
-        <a:solidFill>
-          <a:schemeClr val="tx1">
-            <a:lumMod val="15000"/>
-            <a:lumOff val="85000"/>
-          </a:schemeClr>
-        </a:solidFill>
-        <a:round/>
-      </a:ln>
-    </cs:spPr>
-    <cs:defRPr sz="1197" kern="1200"/>
-  </cs:categoryAxis>
-  <cs:chartArea mods="allowNoFillOverride allowNoLineOverride">
-    <cs:lnRef idx="0"/>
-    <cs:fillRef idx="0"/>
-    <cs:effectRef idx="0"/>
-    <cs:fontRef idx="minor">
-      <a:schemeClr val="tx1"/>
-    </cs:fontRef>
-    <cs:spPr>
-      <a:solidFill>
-        <a:schemeClr val="bg1"/>
-      </a:solidFill>
-      <a:ln w="9525" cap="flat" cmpd="sng" algn="ctr">
-        <a:solidFill>
-          <a:schemeClr val="tx1">
-            <a:lumMod val="15000"/>
-            <a:lumOff val="85000"/>
-          </a:schemeClr>
-        </a:solidFill>
-        <a:round/>
-      </a:ln>
-    </cs:spPr>
-    <cs:defRPr sz="1330" kern="1200"/>
-  </cs:chartArea>
-  <cs:dataLabel>
-    <cs:lnRef idx="0"/>
-    <cs:fillRef idx="0"/>
-    <cs:effectRef idx="0"/>
-    <cs:fontRef idx="minor">
-      <a:schemeClr val="tx1">
-        <a:lumMod val="75000"/>
-        <a:lumOff val="25000"/>
-      </a:schemeClr>
-    </cs:fontRef>
-    <cs:defRPr sz="1197" kern="1200"/>
-  </cs:dataLabel>
-  <cs:dataLabelCallout>
-    <cs:lnRef idx="0"/>
-    <cs:fillRef idx="0"/>
-    <cs:effectRef idx="0"/>
-    <cs:fontRef idx="minor">
-      <a:schemeClr val="dk1">
-        <a:lumMod val="65000"/>
-        <a:lumOff val="35000"/>
-      </a:schemeClr>
-    </cs:fontRef>
-    <cs:spPr>
-      <a:solidFill>
-        <a:schemeClr val="lt1"/>
-      </a:solidFill>
-      <a:ln>
-        <a:solidFill>
-          <a:schemeClr val="dk1">
-            <a:lumMod val="25000"/>
-            <a:lumOff val="75000"/>
-          </a:schemeClr>
-        </a:solidFill>
-      </a:ln>
-    </cs:spPr>
-    <cs:defRPr sz="1197" kern="1200"/>
-    <cs:bodyPr rot="0" spcFirstLastPara="1" vertOverflow="clip" horzOverflow="clip" vert="horz" wrap="square" lIns="36576" tIns="18288" rIns="36576" bIns="18288" anchor="ctr" anchorCtr="1">
-      <a:spAutoFit/>
-    </cs:bodyPr>
-  </cs:dataLabelCallout>
-  <cs:dataPoint>
-    <cs:lnRef idx="0"/>
-    <cs:fillRef idx="1">
-      <cs:styleClr val="auto"/>
-    </cs:fillRef>
-    <cs:effectRef idx="0"/>
-    <cs:fontRef idx="minor">
-      <a:schemeClr val="tx1"/>
-    </cs:fontRef>
-    <cs:spPr>
-      <a:solidFill>
-        <a:schemeClr val="phClr"/>
-      </a:solidFill>
-    </cs:spPr>
-  </cs:dataPoint>
-  <cs:dataPoint3D>
-    <cs:lnRef idx="0"/>
-    <cs:fillRef idx="1">
-      <cs:styleClr val="auto"/>
-    </cs:fillRef>
-    <cs:effectRef idx="0"/>
-    <cs:fontRef idx="minor">
-      <a:schemeClr val="tx1"/>
-    </cs:fontRef>
-    <cs:spPr>
-      <a:solidFill>
-        <a:schemeClr val="phClr"/>
-      </a:solidFill>
-    </cs:spPr>
-  </cs:dataPoint3D>
-  <cs:dataPointLine>
-    <cs:lnRef idx="0">
-      <cs:styleClr val="auto"/>
-    </cs:lnRef>
-    <cs:fillRef idx="1"/>
-    <cs:effectRef idx="0"/>
-    <cs:fontRef idx="minor">
-      <a:schemeClr val="tx1"/>
-    </cs:fontRef>
-    <cs:spPr>
-      <a:ln w="28575" cap="rnd">
-        <a:solidFill>
-          <a:schemeClr val="phClr"/>
-        </a:solidFill>
-        <a:round/>
-      </a:ln>
-    </cs:spPr>
-  </cs:dataPointLine>
-  <cs:dataPointMarker>
-    <cs:lnRef idx="0">
-      <cs:styleClr val="auto"/>
-    </cs:lnRef>
-    <cs:fillRef idx="1">
-      <cs:styleClr val="auto"/>
-    </cs:fillRef>
-    <cs:effectRef idx="0"/>
-    <cs:fontRef idx="minor">
-      <a:schemeClr val="tx1"/>
-    </cs:fontRef>
-    <cs:spPr>
-      <a:solidFill>
-        <a:schemeClr val="phClr"/>
-      </a:solidFill>
-      <a:ln w="9525">
-        <a:solidFill>
-          <a:schemeClr val="phClr"/>
-        </a:solidFill>
-      </a:ln>
-    </cs:spPr>
-  </cs:dataPointMarker>
-  <cs:dataPointMarkerLayout symbol="circle" size="5"/>
-  <cs:dataPointWireframe>
-    <cs:lnRef idx="0">
-      <cs:styleClr val="auto"/>
-    </cs:lnRef>
-    <cs:fillRef idx="1"/>
-    <cs:effectRef idx="0"/>
-    <cs:fontRef idx="minor">
-      <a:schemeClr val="tx1"/>
-    </cs:fontRef>
-    <cs:spPr>
-      <a:ln w="9525" cap="rnd">
-        <a:solidFill>
-          <a:schemeClr val="phClr"/>
-        </a:solidFill>
-        <a:round/>
-      </a:ln>
-    </cs:spPr>
-  </cs:dataPointWireframe>
-  <cs:dataTable>
-    <cs:lnRef idx="0"/>
-    <cs:fillRef idx="0"/>
-    <cs:effectRef idx="0"/>
-    <cs:fontRef idx="minor">
-      <a:schemeClr val="tx1">
-        <a:lumMod val="65000"/>
-        <a:lumOff val="35000"/>
-      </a:schemeClr>
-    </cs:fontRef>
-    <cs:spPr>
-      <a:noFill/>
-      <a:ln w="9525" cap="flat" cmpd="sng" algn="ctr">
-        <a:solidFill>
-          <a:schemeClr val="tx1">
-            <a:lumMod val="15000"/>
-            <a:lumOff val="85000"/>
-          </a:schemeClr>
-        </a:solidFill>
-        <a:round/>
-      </a:ln>
-    </cs:spPr>
-    <cs:defRPr sz="1197" kern="1200"/>
-  </cs:dataTable>
-  <cs:downBar>
-    <cs:lnRef idx="0"/>
-    <cs:fillRef idx="0"/>
-    <cs:effectRef idx="0"/>
-    <cs:fontRef idx="minor">
-      <a:schemeClr val="dk1"/>
-    </cs:fontRef>
-    <cs:spPr>
-      <a:solidFill>
-        <a:schemeClr val="dk1">
-          <a:lumMod val="65000"/>
-          <a:lumOff val="35000"/>
-        </a:schemeClr>
-      </a:solidFill>
-      <a:ln w="9525">
-        <a:solidFill>
-          <a:schemeClr val="tx1">
-            <a:lumMod val="65000"/>
-            <a:lumOff val="35000"/>
-          </a:schemeClr>
-        </a:solidFill>
-      </a:ln>
-    </cs:spPr>
-  </cs:downBar>
-  <cs:dropLine>
-    <cs:lnRef idx="0"/>
-    <cs:fillRef idx="0"/>
-    <cs:effectRef idx="0"/>
-    <cs:fontRef idx="minor">
-      <a:schemeClr val="tx1"/>
-    </cs:fontRef>
-    <cs:spPr>
-      <a:ln w="9525" cap="flat" cmpd="sng" algn="ctr">
-        <a:solidFill>
-          <a:schemeClr val="tx1">
-            <a:lumMod val="35000"/>
-            <a:lumOff val="65000"/>
-          </a:schemeClr>
-        </a:solidFill>
-        <a:round/>
-      </a:ln>
-    </cs:spPr>
-  </cs:dropLine>
-  <cs:errorBar>
-    <cs:lnRef idx="0"/>
-    <cs:fillRef idx="0"/>
-    <cs:effectRef idx="0"/>
-    <cs:fontRef idx="minor">
-      <a:schemeClr val="tx1"/>
-    </cs:fontRef>
-    <cs:spPr>
-      <a:ln w="9525" cap="flat" cmpd="sng" algn="ctr">
-        <a:solidFill>
-          <a:schemeClr val="tx1">
-            <a:lumMod val="65000"/>
-            <a:lumOff val="35000"/>
-          </a:schemeClr>
-        </a:solidFill>
-        <a:round/>
-      </a:ln>
-    </cs:spPr>
-  </cs:errorBar>
-  <cs:floor>
-    <cs:lnRef idx="0"/>
-    <cs:fillRef idx="0"/>
-    <cs:effectRef idx="0"/>
-    <cs:fontRef idx="minor">
-      <a:schemeClr val="tx1"/>
-    </cs:fontRef>
-    <cs:spPr>
-      <a:noFill/>
-      <a:ln>
-        <a:noFill/>
-      </a:ln>
-    </cs:spPr>
-  </cs:floor>
-  <cs:gridlineMajor>
-    <cs:lnRef idx="0"/>
-    <cs:fillRef idx="0"/>
-    <cs:effectRef idx="0"/>
-    <cs:fontRef idx="minor">
-      <a:schemeClr val="tx1"/>
-    </cs:fontRef>
-    <cs:spPr>
-      <a:ln w="9525" cap="flat" cmpd="sng" algn="ctr">
-        <a:solidFill>
-          <a:schemeClr val="tx1">
-            <a:lumMod val="15000"/>
-            <a:lumOff val="85000"/>
-          </a:schemeClr>
-        </a:solidFill>
-        <a:round/>
-      </a:ln>
-    </cs:spPr>
-  </cs:gridlineMajor>
-  <cs:gridlineMinor>
-    <cs:lnRef idx="0"/>
-    <cs:fillRef idx="0"/>
-    <cs:effectRef idx="0"/>
-    <cs:fontRef idx="minor">
-      <a:schemeClr val="tx1"/>
-    </cs:fontRef>
-    <cs:spPr>
-      <a:ln w="9525" cap="flat" cmpd="sng" algn="ctr">
-        <a:solidFill>
-          <a:schemeClr val="tx1">
-            <a:lumMod val="5000"/>
-            <a:lumOff val="95000"/>
-          </a:schemeClr>
-        </a:solidFill>
-        <a:round/>
-      </a:ln>
-    </cs:spPr>
-  </cs:gridlineMinor>
-  <cs:hiLoLine>
-    <cs:lnRef idx="0"/>
-    <cs:fillRef idx="0"/>
-    <cs:effectRef idx="0"/>
-    <cs:fontRef idx="minor">
-      <a:schemeClr val="tx1"/>
-    </cs:fontRef>
-    <cs:spPr>
-      <a:ln w="9525" cap="flat" cmpd="sng" algn="ctr">
-        <a:solidFill>
-          <a:schemeClr val="tx1">
-            <a:lumMod val="75000"/>
-            <a:lumOff val="25000"/>
-          </a:schemeClr>
-        </a:solidFill>
-        <a:round/>
-      </a:ln>
-    </cs:spPr>
-  </cs:hiLoLine>
-  <cs:leaderLine>
-    <cs:lnRef idx="0"/>
-    <cs:fillRef idx="0"/>
-    <cs:effectRef idx="0"/>
-    <cs:fontRef idx="minor">
-      <a:schemeClr val="tx1"/>
-    </cs:fontRef>
-    <cs:spPr>
-      <a:ln w="9525" cap="flat" cmpd="sng" algn="ctr">
-        <a:solidFill>
-          <a:schemeClr val="tx1">
-            <a:lumMod val="35000"/>
-            <a:lumOff val="65000"/>
-          </a:schemeClr>
-        </a:solidFill>
-        <a:round/>
-      </a:ln>
-    </cs:spPr>
-  </cs:leaderLine>
-  <cs:legend>
-    <cs:lnRef idx="0"/>
-    <cs:fillRef idx="0"/>
-    <cs:effectRef idx="0"/>
-    <cs:fontRef idx="minor">
-      <a:schemeClr val="tx1">
-        <a:lumMod val="65000"/>
-        <a:lumOff val="35000"/>
-      </a:schemeClr>
-    </cs:fontRef>
-    <cs:defRPr sz="1197" kern="1200"/>
-  </cs:legend>
-  <cs:plotArea mods="allowNoFillOverride allowNoLineOverride">
-    <cs:lnRef idx="0"/>
-    <cs:fillRef idx="0"/>
-    <cs:effectRef idx="0"/>
-    <cs:fontRef idx="minor">
-      <a:schemeClr val="tx1"/>
-    </cs:fontRef>
-  </cs:plotArea>
-  <cs:plotArea3D mods="allowNoFillOverride allowNoLineOverride">
-    <cs:lnRef idx="0"/>
-    <cs:fillRef idx="0"/>
-    <cs:effectRef idx="0"/>
-    <cs:fontRef idx="minor">
-      <a:schemeClr val="tx1"/>
-    </cs:fontRef>
-  </cs:plotArea3D>
-  <cs:seriesAxis>
-    <cs:lnRef idx="0"/>
-    <cs:fillRef idx="0"/>
-    <cs:effectRef idx="0"/>
-    <cs:fontRef idx="minor">
-      <a:schemeClr val="tx1">
-        <a:lumMod val="65000"/>
-        <a:lumOff val="35000"/>
-      </a:schemeClr>
-    </cs:fontRef>
-    <cs:defRPr sz="1197" kern="1200"/>
-  </cs:seriesAxis>
-  <cs:seriesLine>
-    <cs:lnRef idx="0"/>
-    <cs:fillRef idx="0"/>
-    <cs:effectRef idx="0"/>
-    <cs:fontRef idx="minor">
-      <a:schemeClr val="tx1"/>
-    </cs:fontRef>
-    <cs:spPr>
-      <a:ln w="9525" cap="flat" cmpd="sng" algn="ctr">
-        <a:solidFill>
-          <a:schemeClr val="tx1">
-            <a:lumMod val="35000"/>
-            <a:lumOff val="65000"/>
-          </a:schemeClr>
-        </a:solidFill>
-        <a:round/>
-      </a:ln>
-    </cs:spPr>
-  </cs:seriesLine>
-  <cs:title>
-    <cs:lnRef idx="0"/>
-    <cs:fillRef idx="0"/>
-    <cs:effectRef idx="0"/>
-    <cs:fontRef idx="minor">
-      <a:schemeClr val="tx1">
-        <a:lumMod val="65000"/>
-        <a:lumOff val="35000"/>
-      </a:schemeClr>
-    </cs:fontRef>
-    <cs:defRPr sz="1862" b="0" kern="1200" spc="0" baseline="0"/>
-  </cs:title>
-  <cs:trendline>
-    <cs:lnRef idx="0">
-      <cs:styleClr val="auto"/>
-    </cs:lnRef>
-    <cs:fillRef idx="0"/>
-    <cs:effectRef idx="0"/>
-    <cs:fontRef idx="minor">
-      <a:schemeClr val="tx1"/>
-    </cs:fontRef>
-    <cs:spPr>
-      <a:ln w="19050" cap="rnd">
-        <a:solidFill>
-          <a:schemeClr val="phClr"/>
-        </a:solidFill>
-        <a:prstDash val="sysDot"/>
-      </a:ln>
-    </cs:spPr>
-  </cs:trendline>
-  <cs:trendlineLabel>
-    <cs:lnRef idx="0"/>
-    <cs:fillRef idx="0"/>
-    <cs:effectRef idx="0"/>
-    <cs:fontRef idx="minor">
-      <a:schemeClr val="tx1">
-        <a:lumMod val="65000"/>
-        <a:lumOff val="35000"/>
-      </a:schemeClr>
-    </cs:fontRef>
-    <cs:defRPr sz="1197" kern="1200"/>
-  </cs:trendlineLabel>
-  <cs:upBar>
-    <cs:lnRef idx="0"/>
-    <cs:fillRef idx="0"/>
-    <cs:effectRef idx="0"/>
-    <cs:fontRef idx="minor">
-      <a:schemeClr val="dk1"/>
-    </cs:fontRef>
-    <cs:spPr>
-      <a:solidFill>
-        <a:schemeClr val="lt1"/>
-      </a:solidFill>
-      <a:ln w="9525">
-        <a:solidFill>
-          <a:schemeClr val="tx1">
-            <a:lumMod val="15000"/>
-            <a:lumOff val="85000"/>
-          </a:schemeClr>
-        </a:solidFill>
-      </a:ln>
-    </cs:spPr>
-  </cs:upBar>
-  <cs:valueAxis>
-    <cs:lnRef idx="0"/>
-    <cs:fillRef idx="0"/>
-    <cs:effectRef idx="0"/>
-    <cs:fontRef idx="minor">
-      <a:schemeClr val="tx1">
-        <a:lumMod val="65000"/>
-        <a:lumOff val="35000"/>
-      </a:schemeClr>
-    </cs:fontRef>
-    <cs:defRPr sz="1197" kern="1200"/>
-  </cs:valueAxis>
-  <cs:wall>
-    <cs:lnRef idx="0"/>
-    <cs:fillRef idx="0"/>
-    <cs:effectRef idx="0"/>
-    <cs:fontRef idx="minor">
-      <a:schemeClr val="tx1"/>
-    </cs:fontRef>
-    <cs:spPr>
-      <a:noFill/>
-      <a:ln>
-        <a:noFill/>
-      </a:ln>
-    </cs:spPr>
-  </cs:wall>
-</cs:chartStyle>
-</file>
-
-<file path=ppt/charts/style2.xml><?xml version="1.0" encoding="utf-8"?>
 <cs:chartStyle xmlns:cs="http://schemas.microsoft.com/office/drawing/2012/chartStyle" xmlns:a="http://schemas.openxmlformats.org/drawingml/2006/main" id="227">
   <cs:axisTitle>
     <cs:lnRef idx="0"/>
@@ -6323,9 +5244,12 @@
               <a:gd name="adj" fmla="val 0"/>
             </a:avLst>
           </a:prstGeom>
+          <a:solidFill>
+            <a:schemeClr val="accent2"/>
+          </a:solidFill>
           <a:ln w="3175">
             <a:solidFill>
-              <a:schemeClr val="tx1"/>
+              <a:schemeClr val="accent2"/>
             </a:solidFill>
           </a:ln>
         </p:spPr>
@@ -6358,7 +5282,7 @@
           </a:xfrm>
           <a:ln w="3175">
             <a:solidFill>
-              <a:schemeClr val="tx1"/>
+              <a:schemeClr val="accent1"/>
             </a:solidFill>
           </a:ln>
         </p:spPr>
@@ -6493,9 +5417,12 @@
               <a:gd name="adj" fmla="val 0"/>
             </a:avLst>
           </a:prstGeom>
+          <a:solidFill>
+            <a:schemeClr val="accent3"/>
+          </a:solidFill>
           <a:ln w="3175">
             <a:solidFill>
-              <a:schemeClr val="tx1"/>
+              <a:schemeClr val="accent3"/>
             </a:solidFill>
           </a:ln>
         </p:spPr>
@@ -6524,11 +5451,11 @@
         <p:spPr>
           <a:xfrm>
             <a:off x="1143000" y="13918642"/>
-            <a:ext cx="12801600" cy="9088165"/>
+            <a:ext cx="12801600" cy="7126787"/>
           </a:xfrm>
           <a:ln w="3175">
             <a:solidFill>
-              <a:schemeClr val="tx1"/>
+              <a:schemeClr val="accent1"/>
             </a:solidFill>
           </a:ln>
         </p:spPr>
@@ -6543,6 +5470,7 @@
               <a:rPr lang="en-US" b="1" dirty="0" smtClean="0"/>
               <a:t>Add title if necessary. Click the B button on the home tab to add bold formatting.</a:t>
             </a:r>
+            <a:endParaRPr lang="en-US" b="1" dirty="0" smtClean="0"/>
           </a:p>
           <a:p>
             <a:pPr lvl="1"/>
@@ -6582,7 +5510,7 @@
         </p:nvSpPr>
         <p:spPr>
           <a:xfrm>
-            <a:off x="1143000" y="25831800"/>
+            <a:off x="1143000" y="21888450"/>
             <a:ext cx="12801600" cy="1219200"/>
           </a:xfrm>
           <a:prstGeom prst="round1Rect">
@@ -6590,9 +5518,12 @@
               <a:gd name="adj" fmla="val 0"/>
             </a:avLst>
           </a:prstGeom>
+          <a:solidFill>
+            <a:schemeClr val="accent4"/>
+          </a:solidFill>
           <a:ln w="3175">
             <a:solidFill>
-              <a:schemeClr val="tx1"/>
+              <a:schemeClr val="accent4"/>
             </a:solidFill>
           </a:ln>
         </p:spPr>
@@ -6601,8 +5532,8 @@
           <a:lstStyle/>
           <a:p>
             <a:r>
-              <a:rPr lang="en-US" smtClean="0"/>
-              <a:t>objectives</a:t>
+              <a:rPr lang="en-US" dirty="0" smtClean="0"/>
+              <a:t>System overview</a:t>
             </a:r>
             <a:endParaRPr lang="en-US" dirty="0"/>
           </a:p>
@@ -6620,12 +5551,12 @@
         </p:nvSpPr>
         <p:spPr>
           <a:xfrm>
-            <a:off x="1143000" y="27057096"/>
-            <a:ext cx="12801600" cy="3080004"/>
+            <a:off x="1143000" y="23113746"/>
+            <a:ext cx="12801600" cy="6909054"/>
           </a:xfrm>
           <a:ln w="3175">
             <a:solidFill>
-              <a:schemeClr val="tx1"/>
+              <a:schemeClr val="accent1"/>
             </a:solidFill>
           </a:ln>
         </p:spPr>
@@ -6634,25 +5565,25 @@
           <a:lstStyle/>
           <a:p>
             <a:r>
-              <a:rPr lang="en-US" smtClean="0"/>
+              <a:rPr lang="en-US" dirty="0" smtClean="0"/>
               <a:t>List objectives here</a:t>
             </a:r>
           </a:p>
           <a:p>
             <a:r>
-              <a:rPr lang="en-US" smtClean="0"/>
+              <a:rPr lang="en-US" dirty="0" smtClean="0"/>
               <a:t>Objective 1</a:t>
             </a:r>
           </a:p>
           <a:p>
             <a:r>
-              <a:rPr lang="en-US" smtClean="0"/>
+              <a:rPr lang="en-US" dirty="0" smtClean="0"/>
               <a:t>Objective 2</a:t>
             </a:r>
           </a:p>
           <a:p>
             <a:r>
-              <a:rPr lang="en-US" smtClean="0"/>
+              <a:rPr lang="en-US" dirty="0" smtClean="0"/>
               <a:t>Objective 3</a:t>
             </a:r>
             <a:endParaRPr lang="en-US" dirty="0"/>
@@ -6669,14 +5600,32 @@
             <p:ph type="body" sz="quarter" idx="21"/>
           </p:nvPr>
         </p:nvSpPr>
-        <p:spPr/>
+        <p:spPr>
+          <a:xfrm>
+            <a:off x="15544800" y="5852160"/>
+            <a:ext cx="12801600" cy="1219200"/>
+          </a:xfrm>
+          <a:prstGeom prst="round1Rect">
+            <a:avLst>
+              <a:gd name="adj" fmla="val 0"/>
+            </a:avLst>
+          </a:prstGeom>
+          <a:solidFill>
+            <a:schemeClr val="accent4"/>
+          </a:solidFill>
+          <a:ln>
+            <a:solidFill>
+              <a:schemeClr val="accent4"/>
+            </a:solidFill>
+          </a:ln>
+        </p:spPr>
         <p:txBody>
           <a:bodyPr/>
           <a:lstStyle/>
           <a:p>
             <a:r>
-              <a:rPr lang="en-US" smtClean="0"/>
-              <a:t>methods</a:t>
+              <a:rPr lang="en-US" dirty="0" smtClean="0"/>
+              <a:t>Algorithm</a:t>
             </a:r>
             <a:endParaRPr lang="en-US" dirty="0"/>
           </a:p>
@@ -6692,31 +5641,37 @@
             <p:ph sz="quarter" idx="27"/>
           </p:nvPr>
         </p:nvSpPr>
-        <p:spPr/>
+        <p:spPr>
+          <a:ln w="3175">
+            <a:solidFill>
+              <a:schemeClr val="accent1"/>
+            </a:solidFill>
+          </a:ln>
+        </p:spPr>
         <p:txBody>
           <a:bodyPr/>
           <a:lstStyle/>
           <a:p>
             <a:r>
-              <a:rPr lang="en-US" smtClean="0"/>
+              <a:rPr lang="en-US" dirty="0" smtClean="0"/>
               <a:t>List methods and descriptions here</a:t>
             </a:r>
           </a:p>
           <a:p>
             <a:r>
-              <a:rPr lang="en-US" smtClean="0"/>
+              <a:rPr lang="en-US" dirty="0" smtClean="0"/>
               <a:t>Method 1</a:t>
             </a:r>
           </a:p>
           <a:p>
             <a:r>
-              <a:rPr lang="en-US" smtClean="0"/>
+              <a:rPr lang="en-US" dirty="0" smtClean="0"/>
               <a:t>Method 2</a:t>
             </a:r>
           </a:p>
           <a:p>
             <a:r>
-              <a:rPr lang="en-US" smtClean="0"/>
+              <a:rPr lang="en-US" dirty="0" smtClean="0"/>
               <a:t>Method 3</a:t>
             </a:r>
             <a:endParaRPr lang="en-US" dirty="0"/>
@@ -7181,119 +6136,6 @@
           </a:graphicData>
         </a:graphic>
       </p:graphicFrame>
-      <p:pic>
-        <p:nvPicPr>
-          <p:cNvPr id="27" name="Picture 26" descr="Xray of spine"/>
-          <p:cNvPicPr>
-            <a:picLocks noChangeAspect="1"/>
-          </p:cNvPicPr>
-          <p:nvPr/>
-        </p:nvPicPr>
-        <p:blipFill>
-          <a:blip r:embed="rId3" cstate="print">
-            <a:extLst>
-              <a:ext uri="{28A0092B-C50C-407E-A947-70E740481C1C}">
-                <a14:useLocalDpi xmlns="" xmlns:a14="http://schemas.microsoft.com/office/drawing/2010/main" val="0"/>
-              </a:ext>
-            </a:extLst>
-          </a:blip>
-          <a:stretch>
-            <a:fillRect/>
-          </a:stretch>
-        </p:blipFill>
-        <p:spPr>
-          <a:xfrm>
-            <a:off x="15544800" y="18897600"/>
-            <a:ext cx="2834641" cy="3968496"/>
-          </a:xfrm>
-          <a:prstGeom prst="rect">
-            <a:avLst/>
-          </a:prstGeom>
-        </p:spPr>
-      </p:pic>
-      <p:pic>
-        <p:nvPicPr>
-          <p:cNvPr id="29" name="Picture 28" descr="Xray of hand"/>
-          <p:cNvPicPr>
-            <a:picLocks noChangeAspect="1"/>
-          </p:cNvPicPr>
-          <p:nvPr/>
-        </p:nvPicPr>
-        <p:blipFill>
-          <a:blip r:embed="rId4" cstate="print">
-            <a:extLst>
-              <a:ext uri="{28A0092B-C50C-407E-A947-70E740481C1C}">
-                <a14:useLocalDpi xmlns="" xmlns:a14="http://schemas.microsoft.com/office/drawing/2010/main" val="0"/>
-              </a:ext>
-            </a:extLst>
-          </a:blip>
-          <a:stretch>
-            <a:fillRect/>
-          </a:stretch>
-        </p:blipFill>
-        <p:spPr>
-          <a:xfrm>
-            <a:off x="18784949" y="18897600"/>
-            <a:ext cx="3604717" cy="3968496"/>
-          </a:xfrm>
-          <a:prstGeom prst="rect">
-            <a:avLst/>
-          </a:prstGeom>
-        </p:spPr>
-      </p:pic>
-      <p:pic>
-        <p:nvPicPr>
-          <p:cNvPr id="28" name="Picture 27" descr="Xray of head"/>
-          <p:cNvPicPr>
-            <a:picLocks noChangeAspect="1"/>
-          </p:cNvPicPr>
-          <p:nvPr/>
-        </p:nvPicPr>
-        <p:blipFill>
-          <a:blip r:embed="rId5" cstate="print">
-            <a:extLst>
-              <a:ext uri="{28A0092B-C50C-407E-A947-70E740481C1C}">
-                <a14:useLocalDpi xmlns="" xmlns:a14="http://schemas.microsoft.com/office/drawing/2010/main" val="0"/>
-              </a:ext>
-            </a:extLst>
-          </a:blip>
-          <a:stretch>
-            <a:fillRect/>
-          </a:stretch>
-        </p:blipFill>
-        <p:spPr>
-          <a:xfrm>
-            <a:off x="22795174" y="18897600"/>
-            <a:ext cx="5555894" cy="3968496"/>
-          </a:xfrm>
-          <a:prstGeom prst="rect">
-            <a:avLst/>
-          </a:prstGeom>
-        </p:spPr>
-      </p:pic>
-      <p:sp>
-        <p:nvSpPr>
-          <p:cNvPr id="15" name="Content Placeholder 14"/>
-          <p:cNvSpPr>
-            <a:spLocks noGrp="1"/>
-          </p:cNvSpPr>
-          <p:nvPr>
-            <p:ph sz="quarter" idx="28"/>
-          </p:nvPr>
-        </p:nvSpPr>
-        <p:spPr/>
-        <p:txBody>
-          <a:bodyPr/>
-          <a:lstStyle/>
-          <a:p>
-            <a:r>
-              <a:rPr lang="en-US" dirty="0" smtClean="0"/>
-              <a:t>Type a caption for the data content or pictures here.</a:t>
-            </a:r>
-            <a:endParaRPr lang="en-US" dirty="0"/>
-          </a:p>
-        </p:txBody>
-      </p:sp>
       <p:sp>
         <p:nvSpPr>
           <p:cNvPr id="16" name="Text Placeholder 15"/>
@@ -7304,14 +6146,29 @@
             <p:ph type="body" sz="quarter" idx="29"/>
           </p:nvPr>
         </p:nvSpPr>
-        <p:spPr/>
+        <p:spPr>
+          <a:xfrm>
+            <a:off x="15544800" y="18973800"/>
+            <a:ext cx="12801600" cy="1219200"/>
+          </a:xfrm>
+          <a:prstGeom prst="round1Rect">
+            <a:avLst>
+              <a:gd name="adj" fmla="val 0"/>
+            </a:avLst>
+          </a:prstGeom>
+          <a:ln w="3175">
+            <a:solidFill>
+              <a:schemeClr val="accent6"/>
+            </a:solidFill>
+          </a:ln>
+        </p:spPr>
         <p:txBody>
           <a:bodyPr/>
           <a:lstStyle/>
           <a:p>
             <a:r>
-              <a:rPr lang="en-US" smtClean="0"/>
-              <a:t>results</a:t>
+              <a:rPr lang="en-US" dirty="0" smtClean="0"/>
+              <a:t>Challenge: Running time</a:t>
             </a:r>
             <a:endParaRPr lang="en-US" dirty="0"/>
           </a:p>
@@ -7329,28 +6186,33 @@
         </p:nvSpPr>
         <p:spPr>
           <a:xfrm>
-            <a:off x="15544800" y="27057096"/>
-            <a:ext cx="12801600" cy="3080004"/>
+            <a:off x="15544800" y="20199096"/>
+            <a:ext cx="12801600" cy="9823704"/>
           </a:xfrm>
+          <a:ln w="3175">
+            <a:solidFill>
+              <a:schemeClr val="accent1"/>
+            </a:solidFill>
+          </a:ln>
         </p:spPr>
         <p:txBody>
           <a:bodyPr/>
           <a:lstStyle/>
           <a:p>
             <a:r>
-              <a:rPr lang="en-US" smtClean="0"/>
+              <a:rPr lang="en-US" dirty="0" smtClean="0"/>
               <a:t>Result 1</a:t>
             </a:r>
           </a:p>
           <a:p>
             <a:r>
-              <a:rPr lang="en-US" smtClean="0"/>
+              <a:rPr lang="en-US" dirty="0" smtClean="0"/>
               <a:t>Result 2</a:t>
             </a:r>
           </a:p>
           <a:p>
             <a:r>
-              <a:rPr lang="en-US" smtClean="0"/>
+              <a:rPr lang="en-US" dirty="0" smtClean="0"/>
               <a:t>Result 3</a:t>
             </a:r>
             <a:endParaRPr lang="en-US" dirty="0"/>
@@ -7367,14 +6229,32 @@
             <p:ph type="body" sz="quarter" idx="31"/>
           </p:nvPr>
         </p:nvSpPr>
-        <p:spPr/>
+        <p:spPr>
+          <a:xfrm>
+            <a:off x="29900880" y="5852160"/>
+            <a:ext cx="12801600" cy="1219200"/>
+          </a:xfrm>
+          <a:prstGeom prst="round1Rect">
+            <a:avLst>
+              <a:gd name="adj" fmla="val 0"/>
+            </a:avLst>
+          </a:prstGeom>
+          <a:solidFill>
+            <a:schemeClr val="accent4"/>
+          </a:solidFill>
+          <a:ln w="3175">
+            <a:solidFill>
+              <a:schemeClr val="accent4"/>
+            </a:solidFill>
+          </a:ln>
+        </p:spPr>
         <p:txBody>
           <a:bodyPr/>
           <a:lstStyle/>
           <a:p>
             <a:r>
-              <a:rPr lang="en-US" smtClean="0"/>
-              <a:t>results</a:t>
+              <a:rPr lang="en-US" dirty="0" smtClean="0"/>
+              <a:t>Additional Features</a:t>
             </a:r>
             <a:endParaRPr lang="en-US" dirty="0"/>
           </a:p>
@@ -7396,37 +6276,12 @@
           </p:nvPr>
         </p:nvGraphicFramePr>
         <p:xfrm>
-          <a:off x="29900563" y="7070725"/>
+          <a:off x="15551517" y="22545187"/>
           <a:ext cx="12801600" cy="7315200"/>
         </p:xfrm>
         <a:graphic>
           <a:graphicData uri="http://schemas.openxmlformats.org/drawingml/2006/chart">
-            <c:chart xmlns:c="http://schemas.openxmlformats.org/drawingml/2006/chart" xmlns:r="http://schemas.openxmlformats.org/officeDocument/2006/relationships" r:id="rId6"/>
-          </a:graphicData>
-        </a:graphic>
-      </p:graphicFrame>
-      <p:graphicFrame>
-        <p:nvGraphicFramePr>
-          <p:cNvPr id="32" name="Content Placeholder 31" descr="Line chart"/>
-          <p:cNvGraphicFramePr>
-            <a:graphicFrameLocks noGrp="1"/>
-          </p:cNvGraphicFramePr>
-          <p:nvPr>
-            <p:ph sz="quarter" idx="33"/>
-            <p:extLst>
-              <p:ext uri="{D42A27DB-BD31-4B8C-83A1-F6EECF244321}">
-                <p14:modId xmlns="" xmlns:p14="http://schemas.microsoft.com/office/powerpoint/2010/main" val="1978053771"/>
-              </p:ext>
-            </p:extLst>
-          </p:nvPr>
-        </p:nvGraphicFramePr>
-        <p:xfrm>
-          <a:off x="29900563" y="15836900"/>
-          <a:ext cx="12801600" cy="7315200"/>
-        </p:xfrm>
-        <a:graphic>
-          <a:graphicData uri="http://schemas.openxmlformats.org/drawingml/2006/chart">
-            <c:chart xmlns:c="http://schemas.openxmlformats.org/drawingml/2006/chart" xmlns:r="http://schemas.openxmlformats.org/officeDocument/2006/relationships" r:id="rId7"/>
+            <c:chart xmlns:c="http://schemas.openxmlformats.org/drawingml/2006/chart" xmlns:r="http://schemas.openxmlformats.org/officeDocument/2006/relationships" r:id="rId3"/>
           </a:graphicData>
         </a:graphic>
       </p:graphicFrame>
@@ -7440,14 +6295,32 @@
             <p:ph type="body" sz="quarter" idx="34"/>
           </p:nvPr>
         </p:nvSpPr>
-        <p:spPr/>
+        <p:spPr>
+          <a:xfrm>
+            <a:off x="29900880" y="25831800"/>
+            <a:ext cx="12801600" cy="1219200"/>
+          </a:xfrm>
+          <a:prstGeom prst="round1Rect">
+            <a:avLst>
+              <a:gd name="adj" fmla="val 0"/>
+            </a:avLst>
+          </a:prstGeom>
+          <a:solidFill>
+            <a:schemeClr val="accent2"/>
+          </a:solidFill>
+          <a:ln w="3175">
+            <a:solidFill>
+              <a:schemeClr val="accent2"/>
+            </a:solidFill>
+          </a:ln>
+        </p:spPr>
         <p:txBody>
           <a:bodyPr/>
           <a:lstStyle/>
           <a:p>
             <a:r>
-              <a:rPr lang="en-US" smtClean="0"/>
-              <a:t>conclusions</a:t>
+              <a:rPr lang="en-US" dirty="0" smtClean="0"/>
+              <a:t>conclusion</a:t>
             </a:r>
             <a:endParaRPr lang="en-US" dirty="0"/>
           </a:p>
@@ -7468,6 +6341,11 @@
             <a:off x="29900880" y="27057096"/>
             <a:ext cx="12801600" cy="2965704"/>
           </a:xfrm>
+          <a:ln w="3175">
+            <a:solidFill>
+              <a:schemeClr val="accent1"/>
+            </a:solidFill>
+          </a:ln>
         </p:spPr>
         <p:txBody>
           <a:bodyPr/>
@@ -7511,7 +6389,7 @@
           </a:prstGeom>
           <a:ln w="3175">
             <a:solidFill>
-              <a:schemeClr val="tx1"/>
+              <a:schemeClr val="accent1"/>
             </a:solidFill>
           </a:ln>
         </p:spPr>
@@ -7545,9 +6423,6 @@
                 <a:ln>
                   <a:noFill/>
                 </a:ln>
-                <a:solidFill>
-                  <a:schemeClr val="tx1"/>
-                </a:solidFill>
                 <a:effectLst/>
                 <a:uLnTx/>
                 <a:uFillTx/>
@@ -7561,9 +6436,6 @@
               <a:ln>
                 <a:noFill/>
               </a:ln>
-              <a:solidFill>
-                <a:schemeClr val="tx1"/>
-              </a:solidFill>
               <a:effectLst/>
               <a:uLnTx/>
               <a:uFillTx/>
@@ -7587,9 +6459,6 @@
                 <a:ln>
                   <a:noFill/>
                 </a:ln>
-                <a:solidFill>
-                  <a:schemeClr val="tx1"/>
-                </a:solidFill>
                 <a:effectLst/>
                 <a:uLnTx/>
                 <a:uFillTx/>
@@ -7679,9 +6548,6 @@
               <a:ln>
                 <a:noFill/>
               </a:ln>
-              <a:solidFill>
-                <a:schemeClr val="tx1"/>
-              </a:solidFill>
               <a:effectLst/>
               <a:uLnTx/>
               <a:uFillTx/>
@@ -7776,9 +6642,6 @@
                 <a:ln>
                   <a:noFill/>
                 </a:ln>
-                <a:solidFill>
-                  <a:schemeClr val="tx1"/>
-                </a:solidFill>
                 <a:effectLst/>
                 <a:uLnTx/>
                 <a:uFillTx/>
@@ -7794,7 +6657,7 @@
             </a:r>
             <a:r>
               <a:rPr lang="en-US" sz="2000" dirty="0" smtClean="0">
-                <a:hlinkClick r:id="rId8"/>
+                <a:hlinkClick r:id="rId4"/>
               </a:rPr>
               <a:t>http://msdn.microsoft.com/en-us/library/dd266409</a:t>
             </a:r>
@@ -7802,9 +6665,6 @@
               <a:ln>
                 <a:noFill/>
               </a:ln>
-              <a:solidFill>
-                <a:schemeClr val="tx1"/>
-              </a:solidFill>
               <a:effectLst/>
               <a:uLnTx/>
               <a:uFillTx/>
@@ -7812,6 +6672,222 @@
               <a:ea typeface="+mn-ea"/>
               <a:cs typeface="+mn-cs"/>
             </a:endParaRPr>
+          </a:p>
+        </p:txBody>
+      </p:sp>
+      <p:pic>
+        <p:nvPicPr>
+          <p:cNvPr id="30" name="Grafik 29" descr="head.png"/>
+          <p:cNvPicPr>
+            <a:picLocks noChangeAspect="1"/>
+          </p:cNvPicPr>
+          <p:nvPr/>
+        </p:nvPicPr>
+        <p:blipFill>
+          <a:blip r:embed="rId5"/>
+          <a:stretch>
+            <a:fillRect/>
+          </a:stretch>
+        </p:blipFill>
+        <p:spPr>
+          <a:xfrm>
+            <a:off x="7245521" y="14920854"/>
+            <a:ext cx="6286500" cy="6124575"/>
+          </a:xfrm>
+          <a:prstGeom prst="rect">
+            <a:avLst/>
+          </a:prstGeom>
+        </p:spPr>
+      </p:pic>
+      <p:sp>
+        <p:nvSpPr>
+          <p:cNvPr id="37" name="Text Placeholder 7"/>
+          <p:cNvSpPr txBox="1">
+            <a:spLocks/>
+          </p:cNvSpPr>
+          <p:nvPr/>
+        </p:nvSpPr>
+        <p:spPr>
+          <a:xfrm>
+            <a:off x="29887156" y="16239866"/>
+            <a:ext cx="12801600" cy="1219200"/>
+          </a:xfrm>
+          <a:prstGeom prst="round1Rect">
+            <a:avLst>
+              <a:gd name="adj" fmla="val 0"/>
+            </a:avLst>
+          </a:prstGeom>
+          <a:solidFill>
+            <a:schemeClr val="accent3"/>
+          </a:solidFill>
+          <a:ln w="3175">
+            <a:solidFill>
+              <a:schemeClr val="accent3"/>
+            </a:solidFill>
+          </a:ln>
+        </p:spPr>
+        <p:txBody>
+          <a:bodyPr vert="horz" lIns="365760" tIns="45720" rIns="91440" bIns="45720" rtlCol="0" anchor="ctr">
+            <a:noAutofit/>
+          </a:bodyPr>
+          <a:lstStyle/>
+          <a:p>
+            <a:pPr marL="0" marR="0" lvl="0" indent="0" algn="l" defTabSz="4389120" rtl="0" eaLnBrk="1" fontAlgn="auto" latinLnBrk="0" hangingPunct="1">
+              <a:lnSpc>
+                <a:spcPct val="100000"/>
+              </a:lnSpc>
+              <a:spcBef>
+                <a:spcPts val="0"/>
+              </a:spcBef>
+              <a:spcAft>
+                <a:spcPts val="0"/>
+              </a:spcAft>
+              <a:buClr>
+                <a:schemeClr val="accent2"/>
+              </a:buClr>
+              <a:buSzTx/>
+              <a:buFont typeface="Arial" panose="020B0604020202020204" pitchFamily="34" charset="0"/>
+              <a:buNone/>
+              <a:tabLst/>
+              <a:defRPr/>
+            </a:pPr>
+            <a:r>
+              <a:rPr kumimoji="0" lang="en-US" sz="6000" b="0" i="0" u="none" strike="noStrike" kern="1200" cap="all" spc="0" normalizeH="0" baseline="0" noProof="0" dirty="0" smtClean="0">
+                <a:ln>
+                  <a:noFill/>
+                </a:ln>
+                <a:solidFill>
+                  <a:schemeClr val="bg1"/>
+                </a:solidFill>
+                <a:effectLst/>
+                <a:uLnTx/>
+                <a:uFillTx/>
+                <a:latin typeface="+mj-lt"/>
+                <a:ea typeface="+mn-ea"/>
+                <a:cs typeface="+mn-cs"/>
+              </a:rPr>
+              <a:t>Future work</a:t>
+            </a:r>
+          </a:p>
+        </p:txBody>
+      </p:sp>
+      <p:sp>
+        <p:nvSpPr>
+          <p:cNvPr id="38" name="Content Placeholder 12"/>
+          <p:cNvSpPr>
+            <a:spLocks noGrp="1"/>
+          </p:cNvSpPr>
+          <p:nvPr>
+            <p:ph sz="quarter" idx="26"/>
+          </p:nvPr>
+        </p:nvSpPr>
+        <p:spPr>
+          <a:xfrm>
+            <a:off x="29887156" y="17465162"/>
+            <a:ext cx="12801600" cy="6909054"/>
+          </a:xfrm>
+          <a:ln w="3175">
+            <a:solidFill>
+              <a:schemeClr val="accent1"/>
+            </a:solidFill>
+          </a:ln>
+        </p:spPr>
+        <p:txBody>
+          <a:bodyPr/>
+          <a:lstStyle/>
+          <a:p>
+            <a:r>
+              <a:rPr lang="en-US" dirty="0" smtClean="0"/>
+              <a:t>List objectives here</a:t>
+            </a:r>
+          </a:p>
+          <a:p>
+            <a:r>
+              <a:rPr lang="en-US" dirty="0" smtClean="0"/>
+              <a:t>Objective 1</a:t>
+            </a:r>
+          </a:p>
+          <a:p>
+            <a:r>
+              <a:rPr lang="en-US" dirty="0" smtClean="0"/>
+              <a:t>Objective 2</a:t>
+            </a:r>
+          </a:p>
+          <a:p>
+            <a:r>
+              <a:rPr lang="en-US" dirty="0" smtClean="0"/>
+              <a:t>Objective 3</a:t>
+            </a:r>
+            <a:endParaRPr lang="en-US" dirty="0"/>
+          </a:p>
+        </p:txBody>
+      </p:sp>
+      <p:pic>
+        <p:nvPicPr>
+          <p:cNvPr id="39" name="Grafik 38" descr="lex4all Lexicon Builder.png"/>
+          <p:cNvPicPr>
+            <a:picLocks noChangeAspect="1"/>
+          </p:cNvPicPr>
+          <p:nvPr/>
+        </p:nvPicPr>
+        <p:blipFill>
+          <a:blip r:embed="rId6"/>
+          <a:stretch>
+            <a:fillRect/>
+          </a:stretch>
+        </p:blipFill>
+        <p:spPr>
+          <a:xfrm>
+            <a:off x="1828802" y="23335363"/>
+            <a:ext cx="10972798" cy="6548894"/>
+          </a:xfrm>
+          <a:prstGeom prst="rect">
+            <a:avLst/>
+          </a:prstGeom>
+        </p:spPr>
+      </p:pic>
+      <p:sp>
+        <p:nvSpPr>
+          <p:cNvPr id="40" name="Content Placeholder 16"/>
+          <p:cNvSpPr>
+            <a:spLocks noGrp="1"/>
+          </p:cNvSpPr>
+          <p:nvPr>
+            <p:ph sz="quarter" idx="30"/>
+          </p:nvPr>
+        </p:nvSpPr>
+        <p:spPr>
+          <a:xfrm>
+            <a:off x="29905570" y="7174522"/>
+            <a:ext cx="12801600" cy="8159263"/>
+          </a:xfrm>
+          <a:ln w="3175">
+            <a:solidFill>
+              <a:schemeClr val="accent1"/>
+            </a:solidFill>
+          </a:ln>
+        </p:spPr>
+        <p:txBody>
+          <a:bodyPr/>
+          <a:lstStyle/>
+          <a:p>
+            <a:r>
+              <a:rPr lang="en-US" dirty="0" smtClean="0"/>
+              <a:t>Result 1</a:t>
+            </a:r>
+          </a:p>
+          <a:p>
+            <a:r>
+              <a:rPr lang="en-US" dirty="0" smtClean="0"/>
+              <a:t>Result 2</a:t>
+            </a:r>
+          </a:p>
+          <a:p>
+            <a:r>
+              <a:rPr lang="en-US" dirty="0" smtClean="0"/>
+              <a:t>Result 3</a:t>
+            </a:r>
+            <a:endParaRPr lang="en-US" dirty="0"/>
           </a:p>
         </p:txBody>
       </p:sp>

--- a/docs/lex4all.pptx
+++ b/docs/lex4all.pptx
@@ -123,41 +123,51 @@
 
 <file path=ppt/charts/chart1.xml><?xml version="1.0" encoding="utf-8"?>
 <c:chartSpace xmlns:c="http://schemas.openxmlformats.org/drawingml/2006/chart" xmlns:a="http://schemas.openxmlformats.org/drawingml/2006/main" xmlns:r="http://schemas.openxmlformats.org/officeDocument/2006/relationships">
-  <c:date1904 val="1"/>
   <c:lang val="en-US"/>
+  <c:style val="12"/>
   <c:chart>
     <c:title>
-      <c:layout/>
-      <c:spPr>
-        <a:noFill/>
-        <a:ln>
-          <a:noFill/>
-        </a:ln>
-        <a:effectLst/>
-      </c:spPr>
-      <c:txPr>
-        <a:bodyPr rot="0" spcFirstLastPara="1" vertOverflow="ellipsis" vert="horz" wrap="square" anchor="ctr" anchorCtr="1"/>
-        <a:lstStyle/>
-        <a:p>
-          <a:pPr>
-            <a:defRPr lang="de-DE" sz="1862" b="0" i="0" u="none" strike="noStrike" kern="1200" spc="0" baseline="0">
-              <a:solidFill>
-                <a:schemeClr val="tx1">
-                  <a:lumMod val="65000"/>
-                  <a:lumOff val="35000"/>
-                </a:schemeClr>
-              </a:solidFill>
-              <a:latin typeface="+mn-lt"/>
-              <a:ea typeface="+mn-ea"/>
-              <a:cs typeface="+mn-cs"/>
-            </a:defRPr>
-          </a:pPr>
-          <a:endParaRPr lang="en-US"/>
-        </a:p>
-      </c:txPr>
+      <c:tx>
+        <c:rich>
+          <a:bodyPr rot="0" vert="horz"/>
+          <a:lstStyle/>
+          <a:p>
+            <a:pPr>
+              <a:defRPr/>
+            </a:pPr>
+            <a:r>
+              <a:rPr lang="en-US" dirty="0" smtClean="0"/>
+              <a:t>Evaluation</a:t>
+            </a:r>
+            <a:r>
+              <a:rPr lang="en-US" baseline="0" dirty="0" smtClean="0"/>
+              <a:t> of Word Recognition Accuracy</a:t>
+            </a:r>
+            <a:endParaRPr lang="en-US" dirty="0" smtClean="0"/>
+          </a:p>
+        </c:rich>
+      </c:tx>
+      <c:layout>
+        <c:manualLayout>
+          <c:xMode val="edge"/>
+          <c:yMode val="edge"/>
+          <c:x val="0.25981987722633276"/>
+          <c:y val="8.8057692943914287E-2"/>
+        </c:manualLayout>
+      </c:layout>
     </c:title>
     <c:plotArea>
-      <c:layout/>
+      <c:layout>
+        <c:manualLayout>
+          <c:layoutTarget val="inner"/>
+          <c:xMode val="edge"/>
+          <c:yMode val="edge"/>
+          <c:x val="0.2046069870219529"/>
+          <c:y val="0.2258880064533268"/>
+          <c:w val="0.59332393547664986"/>
+          <c:h val="0.54389444899581962"/>
+        </c:manualLayout>
+      </c:layout>
       <c:barChart>
         <c:barDir val="col"/>
         <c:grouping val="clustered"/>
@@ -170,31 +180,30 @@
               <c:strCache>
                 <c:ptCount val="1"/>
                 <c:pt idx="0">
-                  <c:v>Series 1</c:v>
+                  <c:v>Old backend</c:v>
                 </c:pt>
               </c:strCache>
             </c:strRef>
           </c:tx>
-          <c:spPr>
-            <a:ln w="28575" cap="rnd">
-              <a:solidFill>
-                <a:schemeClr val="accent1"/>
-              </a:solidFill>
-              <a:round/>
-            </a:ln>
-            <a:effectLst/>
-          </c:spPr>
           <c:dLbls>
+            <c:dLbl>
+              <c:idx val="0"/>
+              <c:layout/>
+              <c:dLblPos val="ctr"/>
+              <c:showVal val="1"/>
+            </c:dLbl>
+            <c:dLbl>
+              <c:idx val="1"/>
+              <c:layout/>
+              <c:dLblPos val="ctr"/>
+              <c:showVal val="1"/>
+            </c:dLbl>
             <c:dLbl>
               <c:idx val="3"/>
               <c:layout/>
+              <c:dLblPos val="ctr"/>
               <c:showVal val="1"/>
               <c:showSerName val="1"/>
-              <c:extLst>
-                <c:ext xmlns:c15="http://schemas.microsoft.com/office/drawing/2012/chart" uri="{CE6537A1-D6FC-4f65-9D91-7224C49458BB}">
-                  <c15:layout/>
-                </c:ext>
-              </c:extLst>
             </c:dLbl>
             <c:delete val="1"/>
             <c:extLst>
@@ -219,41 +228,29 @@
           </c:dLbls>
           <c:cat>
             <c:strRef>
-              <c:f>Sheet1!$A$2:$A$5</c:f>
+              <c:f>Sheet1!$A$2:$A$3</c:f>
               <c:strCache>
-                <c:ptCount val="4"/>
+                <c:ptCount val="2"/>
                 <c:pt idx="0">
-                  <c:v>Category 1</c:v>
+                  <c:v>Cross-speaker</c:v>
                 </c:pt>
                 <c:pt idx="1">
-                  <c:v>Category 2</c:v>
-                </c:pt>
-                <c:pt idx="2">
-                  <c:v>Category 3</c:v>
-                </c:pt>
-                <c:pt idx="3">
-                  <c:v>Category 4</c:v>
+                  <c:v>Same-speaker</c:v>
                 </c:pt>
               </c:strCache>
             </c:strRef>
           </c:cat>
           <c:val>
             <c:numRef>
-              <c:f>Sheet1!$B$2:$B$5</c:f>
+              <c:f>Sheet1!$B$2:$B$3</c:f>
               <c:numCache>
                 <c:formatCode>General</c:formatCode>
-                <c:ptCount val="4"/>
+                <c:ptCount val="2"/>
                 <c:pt idx="0">
-                  <c:v>4.3</c:v>
+                  <c:v>73.599999999999994</c:v>
                 </c:pt>
                 <c:pt idx="1">
-                  <c:v>2.5</c:v>
-                </c:pt>
-                <c:pt idx="2">
-                  <c:v>3.5</c:v>
-                </c:pt>
-                <c:pt idx="3">
-                  <c:v>4.5</c:v>
+                  <c:v>81.599999999999994</c:v>
                 </c:pt>
               </c:numCache>
             </c:numRef>
@@ -268,31 +265,30 @@
               <c:strCache>
                 <c:ptCount val="1"/>
                 <c:pt idx="0">
-                  <c:v>Series 2</c:v>
+                  <c:v>New backend</c:v>
                 </c:pt>
               </c:strCache>
             </c:strRef>
           </c:tx>
-          <c:spPr>
-            <a:ln w="28575" cap="rnd">
-              <a:solidFill>
-                <a:schemeClr val="accent2"/>
-              </a:solidFill>
-              <a:round/>
-            </a:ln>
-            <a:effectLst/>
-          </c:spPr>
           <c:dLbls>
+            <c:dLbl>
+              <c:idx val="0"/>
+              <c:layout/>
+              <c:dLblPos val="ctr"/>
+              <c:showVal val="1"/>
+            </c:dLbl>
+            <c:dLbl>
+              <c:idx val="1"/>
+              <c:layout/>
+              <c:dLblPos val="ctr"/>
+              <c:showVal val="1"/>
+            </c:dLbl>
             <c:dLbl>
               <c:idx val="3"/>
               <c:layout/>
+              <c:dLblPos val="ctr"/>
               <c:showVal val="1"/>
               <c:showSerName val="1"/>
-              <c:extLst>
-                <c:ext xmlns:c15="http://schemas.microsoft.com/office/drawing/2012/chart" uri="{CE6537A1-D6FC-4f65-9D91-7224C49458BB}">
-                  <c15:layout/>
-                </c:ext>
-              </c:extLst>
             </c:dLbl>
             <c:delete val="1"/>
             <c:extLst>
@@ -317,144 +313,38 @@
           </c:dLbls>
           <c:cat>
             <c:strRef>
-              <c:f>Sheet1!$A$2:$A$5</c:f>
+              <c:f>Sheet1!$A$2:$A$3</c:f>
               <c:strCache>
-                <c:ptCount val="4"/>
+                <c:ptCount val="2"/>
                 <c:pt idx="0">
-                  <c:v>Category 1</c:v>
+                  <c:v>Cross-speaker</c:v>
                 </c:pt>
                 <c:pt idx="1">
-                  <c:v>Category 2</c:v>
-                </c:pt>
-                <c:pt idx="2">
-                  <c:v>Category 3</c:v>
-                </c:pt>
-                <c:pt idx="3">
-                  <c:v>Category 4</c:v>
+                  <c:v>Same-speaker</c:v>
                 </c:pt>
               </c:strCache>
             </c:strRef>
           </c:cat>
           <c:val>
             <c:numRef>
-              <c:f>Sheet1!$C$2:$C$5</c:f>
+              <c:f>Sheet1!$C$2:$C$3</c:f>
               <c:numCache>
                 <c:formatCode>General</c:formatCode>
-                <c:ptCount val="4"/>
+                <c:ptCount val="2"/>
                 <c:pt idx="0">
-                  <c:v>2.4</c:v>
+                  <c:v>72</c:v>
                 </c:pt>
                 <c:pt idx="1">
-                  <c:v>4.4000000000000004</c:v>
-                </c:pt>
-                <c:pt idx="2">
-                  <c:v>1.8</c:v>
-                </c:pt>
-                <c:pt idx="3">
-                  <c:v>2.8</c:v>
+                  <c:v>82</c:v>
                 </c:pt>
               </c:numCache>
             </c:numRef>
           </c:val>
         </c:ser>
-        <c:ser>
-          <c:idx val="2"/>
-          <c:order val="2"/>
-          <c:tx>
-            <c:strRef>
-              <c:f>Sheet1!$D$1</c:f>
-              <c:strCache>
-                <c:ptCount val="1"/>
-                <c:pt idx="0">
-                  <c:v>Series 3</c:v>
-                </c:pt>
-              </c:strCache>
-            </c:strRef>
-          </c:tx>
-          <c:spPr>
-            <a:ln w="28575" cap="rnd">
-              <a:solidFill>
-                <a:schemeClr val="accent3"/>
-              </a:solidFill>
-              <a:round/>
-            </a:ln>
-            <a:effectLst/>
-          </c:spPr>
-          <c:dLbls>
-            <c:dLbl>
-              <c:idx val="3"/>
-              <c:layout/>
-              <c:showVal val="1"/>
-              <c:showSerName val="1"/>
-              <c:extLst>
-                <c:ext xmlns:c15="http://schemas.microsoft.com/office/drawing/2012/chart" uri="{CE6537A1-D6FC-4f65-9D91-7224C49458BB}">
-                  <c15:layout/>
-                </c:ext>
-              </c:extLst>
-            </c:dLbl>
-            <c:delete val="1"/>
-            <c:extLst>
-              <c:ext xmlns:c15="http://schemas.microsoft.com/office/drawing/2012/chart" uri="{CE6537A1-D6FC-4f65-9D91-7224C49458BB}">
-                <c15:showLeaderLines val="1"/>
-                <c15:leaderLines>
-                  <c:spPr>
-                    <a:ln w="9525" cap="flat" cmpd="sng" algn="ctr">
-                      <a:solidFill>
-                        <a:schemeClr val="tx1">
-                          <a:lumMod val="35000"/>
-                          <a:lumOff val="65000"/>
-                        </a:schemeClr>
-                      </a:solidFill>
-                      <a:round/>
-                    </a:ln>
-                    <a:effectLst/>
-                  </c:spPr>
-                </c15:leaderLines>
-              </c:ext>
-            </c:extLst>
-          </c:dLbls>
-          <c:cat>
-            <c:strRef>
-              <c:f>Sheet1!$A$2:$A$5</c:f>
-              <c:strCache>
-                <c:ptCount val="4"/>
-                <c:pt idx="0">
-                  <c:v>Category 1</c:v>
-                </c:pt>
-                <c:pt idx="1">
-                  <c:v>Category 2</c:v>
-                </c:pt>
-                <c:pt idx="2">
-                  <c:v>Category 3</c:v>
-                </c:pt>
-                <c:pt idx="3">
-                  <c:v>Category 4</c:v>
-                </c:pt>
-              </c:strCache>
-            </c:strRef>
-          </c:cat>
-          <c:val>
-            <c:numRef>
-              <c:f>Sheet1!$D$2:$D$5</c:f>
-              <c:numCache>
-                <c:formatCode>General</c:formatCode>
-                <c:ptCount val="4"/>
-                <c:pt idx="0">
-                  <c:v>2</c:v>
-                </c:pt>
-                <c:pt idx="1">
-                  <c:v>2</c:v>
-                </c:pt>
-                <c:pt idx="2">
-                  <c:v>3</c:v>
-                </c:pt>
-                <c:pt idx="3">
-                  <c:v>5</c:v>
-                </c:pt>
-              </c:numCache>
-            </c:numRef>
-          </c:val>
-        </c:ser>
+        <c:dLbls>
+          <c:dLblPos val="ctr"/>
+          <c:showVal val="1"/>
+        </c:dLbls>
         <c:axId val="125003264"/>
         <c:axId val="125079552"/>
       </c:barChart>
@@ -464,38 +354,38 @@
           <c:orientation val="minMax"/>
         </c:scaling>
         <c:axPos val="b"/>
+        <c:title>
+          <c:tx>
+            <c:rich>
+              <a:bodyPr/>
+              <a:lstStyle/>
+              <a:p>
+                <a:pPr>
+                  <a:defRPr/>
+                </a:pPr>
+                <a:r>
+                  <a:rPr lang="en-US" dirty="0"/>
+                  <a:t>Evaluation </a:t>
+                </a:r>
+                <a:r>
+                  <a:rPr lang="en-US" dirty="0" smtClean="0"/>
+                  <a:t>Condition</a:t>
+                </a:r>
+                <a:endParaRPr lang="en-US" dirty="0"/>
+              </a:p>
+            </c:rich>
+          </c:tx>
+          <c:layout/>
+        </c:title>
         <c:numFmt formatCode="General" sourceLinked="1"/>
         <c:majorTickMark val="none"/>
         <c:tickLblPos val="nextTo"/>
-        <c:spPr>
-          <a:noFill/>
-          <a:ln w="9525" cap="flat" cmpd="sng" algn="ctr">
-            <a:solidFill>
-              <a:schemeClr val="tx1">
-                <a:lumMod val="15000"/>
-                <a:lumOff val="85000"/>
-              </a:schemeClr>
-            </a:solidFill>
-            <a:round/>
-          </a:ln>
-          <a:effectLst/>
-        </c:spPr>
         <c:txPr>
-          <a:bodyPr rot="-60000000" spcFirstLastPara="1" vertOverflow="ellipsis" vert="horz" wrap="square" anchor="ctr" anchorCtr="1"/>
+          <a:bodyPr rot="-60000000" vert="horz"/>
           <a:lstStyle/>
           <a:p>
             <a:pPr>
-              <a:defRPr lang="de-DE" sz="1197" b="0" i="0" u="none" strike="noStrike" kern="1200" baseline="0">
-                <a:solidFill>
-                  <a:schemeClr val="tx1">
-                    <a:lumMod val="65000"/>
-                    <a:lumOff val="35000"/>
-                  </a:schemeClr>
-                </a:solidFill>
-                <a:latin typeface="+mn-lt"/>
-                <a:ea typeface="+mn-ea"/>
-                <a:cs typeface="+mn-cs"/>
-              </a:defRPr>
+              <a:defRPr/>
             </a:pPr>
             <a:endParaRPr lang="en-US"/>
           </a:p>
@@ -510,78 +400,52 @@
         <c:axId val="125079552"/>
         <c:scaling>
           <c:orientation val="minMax"/>
+          <c:max val="100"/>
+          <c:min val="0"/>
         </c:scaling>
         <c:axPos val="l"/>
-        <c:majorGridlines>
-          <c:spPr>
-            <a:ln w="9525" cap="flat" cmpd="sng" algn="ctr">
-              <a:solidFill>
-                <a:schemeClr val="tx1">
-                  <a:lumMod val="15000"/>
-                  <a:lumOff val="85000"/>
-                </a:schemeClr>
-              </a:solidFill>
-              <a:round/>
-            </a:ln>
-            <a:effectLst/>
-          </c:spPr>
-        </c:majorGridlines>
+        <c:majorGridlines/>
         <c:title>
+          <c:tx>
+            <c:rich>
+              <a:bodyPr rot="-5400000" vert="horz"/>
+              <a:lstStyle/>
+              <a:p>
+                <a:pPr>
+                  <a:defRPr/>
+                </a:pPr>
+                <a:r>
+                  <a:rPr lang="en-US" dirty="0"/>
+                  <a:t>Average </a:t>
+                </a:r>
+                <a:r>
+                  <a:rPr lang="en-US" dirty="0" smtClean="0"/>
+                  <a:t>Accuracy </a:t>
+                </a:r>
+                <a:r>
+                  <a:rPr lang="en-US" dirty="0"/>
+                  <a:t>(%)</a:t>
+                </a:r>
+              </a:p>
+            </c:rich>
+          </c:tx>
           <c:layout/>
           <c:spPr>
             <a:noFill/>
             <a:ln>
               <a:noFill/>
             </a:ln>
-            <a:effectLst/>
           </c:spPr>
-          <c:txPr>
-            <a:bodyPr rot="-5400000" spcFirstLastPara="1" vertOverflow="ellipsis" vert="horz" wrap="square" anchor="ctr" anchorCtr="1"/>
-            <a:lstStyle/>
-            <a:p>
-              <a:pPr>
-                <a:defRPr lang="de-DE" sz="1330" b="0" i="0" u="none" strike="noStrike" kern="1200" baseline="0">
-                  <a:solidFill>
-                    <a:schemeClr val="tx1">
-                      <a:lumMod val="65000"/>
-                      <a:lumOff val="35000"/>
-                    </a:schemeClr>
-                  </a:solidFill>
-                  <a:latin typeface="+mn-lt"/>
-                  <a:ea typeface="+mn-ea"/>
-                  <a:cs typeface="+mn-cs"/>
-                </a:defRPr>
-              </a:pPr>
-              <a:endParaRPr lang="en-US"/>
-            </a:p>
-          </c:txPr>
         </c:title>
         <c:numFmt formatCode="General" sourceLinked="1"/>
         <c:majorTickMark val="none"/>
         <c:tickLblPos val="nextTo"/>
-        <c:spPr>
-          <a:noFill/>
-          <a:ln>
-            <a:noFill/>
-          </a:ln>
-          <a:effectLst/>
-        </c:spPr>
         <c:txPr>
-          <a:bodyPr rot="-60000000" spcFirstLastPara="1" vertOverflow="ellipsis" vert="horz" wrap="square" anchor="ctr" anchorCtr="1"/>
+          <a:bodyPr rot="-60000000" vert="horz"/>
           <a:lstStyle/>
           <a:p>
             <a:pPr>
-              <a:defRPr lang="de-DE" sz="1197" b="0" i="0" u="none" strike="noStrike" kern="1200" baseline="0">
-                <a:solidFill>
-                  <a:schemeClr val="tx1">
-                    <a:lumMod val="65000"/>
-                    <a:lumOff val="35000"/>
-                  </a:schemeClr>
-                </a:solidFill>
-                <a:latin typeface="+mn-lt"/>
-                <a:ea typeface="+mn-ea"/>
-                <a:cs typeface="+mn-cs"/>
-              </a:defRPr>
+              <a:defRPr/>
             </a:pPr>
             <a:endParaRPr lang="en-US"/>
           </a:p>
@@ -590,32 +454,38 @@
         <c:crosses val="autoZero"/>
         <c:crossBetween val="between"/>
       </c:valAx>
+    </c:plotArea>
+    <c:legend>
+      <c:legendPos val="tr"/>
+      <c:layout>
+        <c:manualLayout>
+          <c:xMode val="edge"/>
+          <c:yMode val="edge"/>
+          <c:x val="0.81703951602243552"/>
+          <c:y val="0.23122385137208545"/>
+          <c:w val="0.15788887444332075"/>
+          <c:h val="0.15181542473622808"/>
+        </c:manualLayout>
+      </c:layout>
+      <c:overlay val="1"/>
       <c:spPr>
-        <a:noFill/>
+        <a:solidFill>
+          <a:schemeClr val="bg1"/>
+        </a:solidFill>
         <a:ln>
           <a:noFill/>
         </a:ln>
-        <a:effectLst/>
       </c:spPr>
-    </c:plotArea>
+    </c:legend>
     <c:plotVisOnly val="1"/>
     <c:dispBlanksAs val="gap"/>
   </c:chart>
-  <c:spPr>
-    <a:noFill/>
-    <a:ln w="3175">
-      <a:solidFill>
-        <a:schemeClr val="accent1"/>
-      </a:solidFill>
-    </a:ln>
-    <a:effectLst/>
-  </c:spPr>
   <c:txPr>
     <a:bodyPr/>
     <a:lstStyle/>
     <a:p>
       <a:pPr>
-        <a:defRPr/>
+        <a:defRPr sz="2000"/>
       </a:pPr>
       <a:endParaRPr lang="en-US"/>
     </a:p>
@@ -5081,7 +4951,7 @@
           <p:nvPr/>
         </p:nvPicPr>
         <p:blipFill>
-          <a:blip r:embed="rId2" cstate="print">
+          <a:blip r:embed="rId3" cstate="print">
             <a:extLst>
               <a:ext uri="{28A0092B-C50C-407E-A947-70E740481C1C}">
                 <a14:useLocalDpi xmlns="" xmlns:a14="http://schemas.microsoft.com/office/drawing/2010/main" val="0"/>
@@ -5159,28 +5029,24 @@
           <a:p>
             <a:pPr algn="ctr"/>
             <a:r>
+              <a:rPr lang="en-US" sz="6600" dirty="0" err="1" smtClean="0"/>
+              <a:t>Anjana</a:t>
+            </a:r>
+            <a:r>
               <a:rPr lang="en-US" sz="6600" dirty="0" smtClean="0"/>
-              <a:t>Max </a:t>
+              <a:t> </a:t>
+            </a:r>
+            <a:r>
+              <a:rPr lang="en-US" sz="6600" dirty="0" err="1" smtClean="0"/>
+              <a:t>Vakil</a:t>
+            </a:r>
+            <a:r>
+              <a:rPr lang="en-US" sz="6600" dirty="0" smtClean="0"/>
+              <a:t> and Max </a:t>
             </a:r>
             <a:r>
               <a:rPr lang="en-US" sz="6600" dirty="0" err="1" smtClean="0"/>
               <a:t>Paulus</a:t>
-            </a:r>
-            <a:r>
-              <a:rPr lang="en-US" sz="6600" dirty="0" smtClean="0"/>
-              <a:t> and </a:t>
-            </a:r>
-            <a:r>
-              <a:rPr lang="en-US" sz="6600" dirty="0" err="1" smtClean="0"/>
-              <a:t>Anjana</a:t>
-            </a:r>
-            <a:r>
-              <a:rPr lang="en-US" sz="6600" dirty="0" smtClean="0"/>
-              <a:t> </a:t>
-            </a:r>
-            <a:r>
-              <a:rPr lang="en-US" sz="6600" dirty="0" err="1" smtClean="0"/>
-              <a:t>Vakil</a:t>
             </a:r>
             <a:endParaRPr lang="en-US" sz="6600" dirty="0" smtClean="0"/>
           </a:p>
@@ -5203,7 +5069,7 @@
           <p:nvPr/>
         </p:nvPicPr>
         <p:blipFill>
-          <a:blip r:embed="rId2" cstate="print">
+          <a:blip r:embed="rId3" cstate="print">
             <a:extLst>
               <a:ext uri="{28A0092B-C50C-407E-A947-70E740481C1C}">
                 <a14:useLocalDpi xmlns="" xmlns:a14="http://schemas.microsoft.com/office/drawing/2010/main" val="0"/>
@@ -5372,14 +5238,14 @@
             </a:r>
             <a:r>
               <a:rPr lang="en-US" sz="3200" dirty="0" smtClean="0"/>
-              <a:t>high-resource language (English) </a:t>
+              <a:t>high-resource language (HRL) </a:t>
             </a:r>
           </a:p>
           <a:p>
             <a:pPr marL="0" indent="0">
               <a:buNone/>
             </a:pPr>
-            <a:endParaRPr lang="en-US" sz="3200" dirty="0" smtClean="0"/>
+            <a:endParaRPr lang="en-US" sz="1600" dirty="0" smtClean="0"/>
           </a:p>
           <a:p>
             <a:pPr marL="0" indent="0">
@@ -5450,7 +5316,7 @@
         </p:nvSpPr>
         <p:spPr>
           <a:xfrm>
-            <a:off x="1143000" y="13918642"/>
+            <a:off x="1143001" y="13942088"/>
             <a:ext cx="12801600" cy="7126787"/>
           </a:xfrm>
           <a:ln w="3175">
@@ -5460,38 +5326,355 @@
           </a:ln>
         </p:spPr>
         <p:txBody>
-          <a:bodyPr/>
+          <a:bodyPr>
+            <a:normAutofit/>
+          </a:bodyPr>
           <a:lstStyle/>
           <a:p>
-            <a:pPr marL="0" indent="0">
-              <a:buNone/>
-            </a:pPr>
-            <a:r>
-              <a:rPr lang="en-US" b="1" dirty="0" smtClean="0"/>
-              <a:t>Add title if necessary. Click the B button on the home tab to add bold formatting.</a:t>
-            </a:r>
-            <a:endParaRPr lang="en-US" b="1" dirty="0" smtClean="0"/>
-          </a:p>
-          <a:p>
-            <a:pPr lvl="1"/>
-            <a:r>
-              <a:rPr lang="en-US" dirty="0" smtClean="0"/>
-              <a:t>Background item</a:t>
-            </a:r>
-          </a:p>
-          <a:p>
-            <a:pPr lvl="1"/>
-            <a:r>
-              <a:rPr lang="en-US" dirty="0" smtClean="0"/>
-              <a:t>Background item</a:t>
-            </a:r>
-          </a:p>
-          <a:p>
-            <a:pPr lvl="1"/>
-            <a:r>
-              <a:rPr lang="en-US" dirty="0" smtClean="0"/>
-              <a:t>Background item</a:t>
-            </a:r>
+            <a:pPr marL="0">
+              <a:spcBef>
+                <a:spcPts val="0"/>
+              </a:spcBef>
+              <a:buNone/>
+            </a:pPr>
+            <a:r>
+              <a:rPr lang="en-US" dirty="0" smtClean="0"/>
+              <a:t>One of the major issues when working with LRLs is that large collections of data, e.g. speech recordings, are simply not available. Such data is, however, essential for the training of acoustic models in speech recognizers</a:t>
+            </a:r>
+            <a:r>
+              <a:rPr lang="en-US" dirty="0" smtClean="0"/>
+              <a:t>.</a:t>
+            </a:r>
+          </a:p>
+          <a:p>
+            <a:pPr marL="0">
+              <a:spcBef>
+                <a:spcPts val="0"/>
+              </a:spcBef>
+              <a:buNone/>
+            </a:pPr>
+            <a:endParaRPr lang="en-US" sz="100" dirty="0" smtClean="0"/>
+          </a:p>
+          <a:p>
+            <a:pPr marL="0">
+              <a:spcBef>
+                <a:spcPts val="0"/>
+              </a:spcBef>
+              <a:buNone/>
+            </a:pPr>
+            <a:endParaRPr lang="en-US" sz="100" dirty="0" smtClean="0"/>
+          </a:p>
+          <a:p>
+            <a:pPr marL="0">
+              <a:spcBef>
+                <a:spcPts val="0"/>
+              </a:spcBef>
+              <a:buNone/>
+            </a:pPr>
+            <a:endParaRPr lang="en-US" sz="100" dirty="0" smtClean="0"/>
+          </a:p>
+          <a:p>
+            <a:pPr marL="0">
+              <a:spcBef>
+                <a:spcPts val="0"/>
+              </a:spcBef>
+              <a:buNone/>
+            </a:pPr>
+            <a:endParaRPr lang="en-US" sz="100" dirty="0" smtClean="0"/>
+          </a:p>
+          <a:p>
+            <a:pPr marL="0">
+              <a:spcBef>
+                <a:spcPts val="0"/>
+              </a:spcBef>
+              <a:buNone/>
+            </a:pPr>
+            <a:endParaRPr lang="en-US" sz="100" dirty="0" smtClean="0"/>
+          </a:p>
+          <a:p>
+            <a:pPr marL="0">
+              <a:spcBef>
+                <a:spcPts val="0"/>
+              </a:spcBef>
+              <a:buNone/>
+            </a:pPr>
+            <a:endParaRPr lang="en-US" sz="100" dirty="0" smtClean="0"/>
+          </a:p>
+          <a:p>
+            <a:pPr marL="0">
+              <a:spcBef>
+                <a:spcPts val="0"/>
+              </a:spcBef>
+              <a:buNone/>
+            </a:pPr>
+            <a:endParaRPr lang="en-US" sz="100" dirty="0" smtClean="0"/>
+          </a:p>
+          <a:p>
+            <a:pPr marL="0">
+              <a:spcBef>
+                <a:spcPts val="0"/>
+              </a:spcBef>
+              <a:buNone/>
+            </a:pPr>
+            <a:endParaRPr lang="en-US" sz="100" dirty="0" smtClean="0"/>
+          </a:p>
+          <a:p>
+            <a:pPr marL="0">
+              <a:spcBef>
+                <a:spcPts val="0"/>
+              </a:spcBef>
+              <a:buNone/>
+            </a:pPr>
+            <a:endParaRPr lang="en-US" sz="100" dirty="0" smtClean="0"/>
+          </a:p>
+          <a:p>
+            <a:pPr marL="0">
+              <a:spcBef>
+                <a:spcPts val="0"/>
+              </a:spcBef>
+              <a:buNone/>
+            </a:pPr>
+            <a:endParaRPr lang="en-US" sz="100" dirty="0" smtClean="0"/>
+          </a:p>
+          <a:p>
+            <a:pPr marL="0">
+              <a:spcBef>
+                <a:spcPts val="0"/>
+              </a:spcBef>
+              <a:buNone/>
+            </a:pPr>
+            <a:endParaRPr lang="en-US" sz="100" dirty="0" smtClean="0"/>
+          </a:p>
+          <a:p>
+            <a:pPr marL="0">
+              <a:spcBef>
+                <a:spcPts val="0"/>
+              </a:spcBef>
+              <a:buNone/>
+            </a:pPr>
+            <a:endParaRPr lang="en-US" sz="100" dirty="0" smtClean="0"/>
+          </a:p>
+          <a:p>
+            <a:pPr marL="0">
+              <a:spcBef>
+                <a:spcPts val="0"/>
+              </a:spcBef>
+              <a:buNone/>
+            </a:pPr>
+            <a:endParaRPr lang="en-US" sz="100" dirty="0" smtClean="0"/>
+          </a:p>
+          <a:p>
+            <a:pPr marL="0">
+              <a:spcBef>
+                <a:spcPts val="0"/>
+              </a:spcBef>
+              <a:buNone/>
+            </a:pPr>
+            <a:endParaRPr lang="en-US" sz="100" dirty="0" smtClean="0"/>
+          </a:p>
+          <a:p>
+            <a:pPr marL="0">
+              <a:spcBef>
+                <a:spcPts val="0"/>
+              </a:spcBef>
+              <a:buNone/>
+            </a:pPr>
+            <a:endParaRPr lang="en-US" sz="100" dirty="0" smtClean="0"/>
+          </a:p>
+          <a:p>
+            <a:pPr marL="0">
+              <a:spcBef>
+                <a:spcPts val="0"/>
+              </a:spcBef>
+              <a:buNone/>
+            </a:pPr>
+            <a:r>
+              <a:rPr lang="en-US" sz="100" dirty="0" smtClean="0"/>
+              <a:t/>
+            </a:r>
+            <a:br>
+              <a:rPr lang="en-US" sz="100" dirty="0" smtClean="0"/>
+            </a:br>
+            <a:r>
+              <a:rPr lang="en-US" dirty="0" smtClean="0"/>
+              <a:t>However, for small-vocabulary applications (requiring recognition of a few dozen terms), we can use an existing, </a:t>
+            </a:r>
+            <a:r>
+              <a:rPr lang="en-US" dirty="0" smtClean="0"/>
+              <a:t> </a:t>
+            </a:r>
+            <a:r>
+              <a:rPr lang="en-US" dirty="0" smtClean="0"/>
+              <a:t>trained recognizer for a HRL such as </a:t>
+            </a:r>
+            <a:r>
+              <a:rPr lang="en-US" dirty="0" smtClean="0"/>
+              <a:t>English (e.g. the Microsoft Speech Platform recognition engine [3]) </a:t>
+            </a:r>
+            <a:r>
+              <a:rPr lang="en-US" dirty="0" smtClean="0"/>
+              <a:t>to accomplish recognition. The idea is to feed the engine </a:t>
+            </a:r>
+            <a:r>
+              <a:rPr lang="en-US" dirty="0" smtClean="0"/>
+              <a:t>with a </a:t>
+            </a:r>
+            <a:r>
+              <a:rPr lang="en-US" dirty="0" smtClean="0"/>
+              <a:t>pronunciation </a:t>
+            </a:r>
+            <a:r>
+              <a:rPr lang="en-US" dirty="0" smtClean="0"/>
+              <a:t>lexicon </a:t>
+            </a:r>
+            <a:r>
+              <a:rPr lang="en-US" dirty="0" smtClean="0"/>
+              <a:t>generated by </a:t>
+            </a:r>
+            <a:r>
+              <a:rPr lang="en-US" dirty="0" smtClean="0"/>
+              <a:t>lex4all.</a:t>
+            </a:r>
+          </a:p>
+          <a:p>
+            <a:pPr marL="0">
+              <a:spcBef>
+                <a:spcPts val="0"/>
+              </a:spcBef>
+              <a:buNone/>
+            </a:pPr>
+            <a:endParaRPr lang="en-US" dirty="0" smtClean="0"/>
+          </a:p>
+          <a:p>
+            <a:pPr marL="0">
+              <a:spcBef>
+                <a:spcPts val="0"/>
+              </a:spcBef>
+              <a:buNone/>
+            </a:pPr>
+            <a:endParaRPr lang="en-US" sz="100" dirty="0" smtClean="0"/>
+          </a:p>
+          <a:p>
+            <a:pPr marL="0">
+              <a:spcBef>
+                <a:spcPts val="0"/>
+              </a:spcBef>
+              <a:buNone/>
+            </a:pPr>
+            <a:endParaRPr lang="en-US" sz="100" dirty="0" smtClean="0"/>
+          </a:p>
+          <a:p>
+            <a:pPr marL="0">
+              <a:spcBef>
+                <a:spcPts val="0"/>
+              </a:spcBef>
+              <a:buNone/>
+            </a:pPr>
+            <a:endParaRPr lang="en-US" sz="100" dirty="0" smtClean="0"/>
+          </a:p>
+          <a:p>
+            <a:pPr marL="0">
+              <a:spcBef>
+                <a:spcPts val="0"/>
+              </a:spcBef>
+              <a:buNone/>
+            </a:pPr>
+            <a:endParaRPr lang="en-US" sz="100" dirty="0" smtClean="0"/>
+          </a:p>
+          <a:p>
+            <a:pPr marL="0">
+              <a:spcBef>
+                <a:spcPts val="0"/>
+              </a:spcBef>
+              <a:buNone/>
+            </a:pPr>
+            <a:endParaRPr lang="en-US" sz="100" dirty="0" smtClean="0"/>
+          </a:p>
+          <a:p>
+            <a:pPr marL="0">
+              <a:spcBef>
+                <a:spcPts val="0"/>
+              </a:spcBef>
+              <a:buNone/>
+            </a:pPr>
+            <a:endParaRPr lang="en-US" sz="100" dirty="0" smtClean="0"/>
+          </a:p>
+          <a:p>
+            <a:pPr marL="0">
+              <a:spcBef>
+                <a:spcPts val="0"/>
+              </a:spcBef>
+              <a:buNone/>
+            </a:pPr>
+            <a:endParaRPr lang="en-US" sz="100" dirty="0" smtClean="0"/>
+          </a:p>
+          <a:p>
+            <a:pPr marL="0">
+              <a:spcBef>
+                <a:spcPts val="0"/>
+              </a:spcBef>
+              <a:buNone/>
+            </a:pPr>
+            <a:endParaRPr lang="en-US" sz="100" dirty="0" smtClean="0"/>
+          </a:p>
+          <a:p>
+            <a:pPr>
+              <a:buNone/>
+            </a:pPr>
+            <a:r>
+              <a:rPr lang="en-US" dirty="0" smtClean="0"/>
+              <a:t>The recognition task requires:</a:t>
+            </a:r>
+          </a:p>
+          <a:p>
+            <a:pPr fontAlgn="base">
+              <a:buClr>
+                <a:schemeClr val="accent3"/>
+              </a:buClr>
+            </a:pPr>
+            <a:r>
+              <a:rPr lang="en-US" sz="2400" dirty="0" smtClean="0"/>
+              <a:t>audio input in the target LRL</a:t>
+            </a:r>
+          </a:p>
+          <a:p>
+            <a:pPr fontAlgn="base">
+              <a:buClr>
+                <a:schemeClr val="accent3"/>
+              </a:buClr>
+            </a:pPr>
+            <a:r>
+              <a:rPr lang="en-US" sz="2400" dirty="0" smtClean="0"/>
+              <a:t>application-specific grammar</a:t>
+            </a:r>
+          </a:p>
+          <a:p>
+            <a:pPr fontAlgn="base">
+              <a:buClr>
+                <a:schemeClr val="accent3"/>
+              </a:buClr>
+            </a:pPr>
+            <a:r>
+              <a:rPr lang="en-US" sz="2400" dirty="0" smtClean="0"/>
+              <a:t>lexicon for the words in the grammar</a:t>
+            </a:r>
+          </a:p>
+          <a:p>
+            <a:pPr fontAlgn="base">
+              <a:buClr>
+                <a:schemeClr val="accent3"/>
+              </a:buClr>
+            </a:pPr>
+            <a:r>
+              <a:rPr lang="en-US" sz="2400" dirty="0" smtClean="0"/>
+              <a:t>existing  recognition engine for the HRL</a:t>
+            </a:r>
+          </a:p>
+          <a:p>
+            <a:pPr marL="0">
+              <a:buNone/>
+            </a:pPr>
+            <a:endParaRPr lang="en-US" dirty="0" smtClean="0"/>
           </a:p>
           <a:p>
             <a:endParaRPr lang="en-US" dirty="0"/>
@@ -5564,29 +5747,13 @@
           <a:bodyPr/>
           <a:lstStyle/>
           <a:p>
-            <a:r>
-              <a:rPr lang="en-US" dirty="0" smtClean="0"/>
-              <a:t>List objectives here</a:t>
-            </a:r>
-          </a:p>
-          <a:p>
-            <a:r>
-              <a:rPr lang="en-US" dirty="0" smtClean="0"/>
-              <a:t>Objective 1</a:t>
-            </a:r>
-          </a:p>
-          <a:p>
-            <a:r>
-              <a:rPr lang="en-US" dirty="0" smtClean="0"/>
-              <a:t>Objective 2</a:t>
-            </a:r>
-          </a:p>
-          <a:p>
-            <a:r>
-              <a:rPr lang="en-US" dirty="0" smtClean="0"/>
-              <a:t>Objective 3</a:t>
-            </a:r>
-            <a:endParaRPr lang="en-US" dirty="0"/>
+            <a:pPr>
+              <a:buNone/>
+            </a:pPr>
+            <a:r>
+              <a:rPr lang="en-US" dirty="0" smtClean="0"/>
+              <a:t> </a:t>
+            </a:r>
           </a:p>
         </p:txBody>
       </p:sp>
@@ -5642,6 +5809,10 @@
           </p:nvPr>
         </p:nvSpPr>
         <p:spPr>
+          <a:xfrm>
+            <a:off x="15544800" y="7071360"/>
+            <a:ext cx="12801600" cy="8255726"/>
+          </a:xfrm>
           <a:ln w="3175">
             <a:solidFill>
               <a:schemeClr val="accent1"/>
@@ -5649,493 +5820,125 @@
           </a:ln>
         </p:spPr>
         <p:txBody>
-          <a:bodyPr/>
+          <a:bodyPr>
+            <a:normAutofit/>
+          </a:bodyPr>
           <a:lstStyle/>
           <a:p>
-            <a:r>
-              <a:rPr lang="en-US" dirty="0" smtClean="0"/>
-              <a:t>List methods and descriptions here</a:t>
-            </a:r>
-          </a:p>
-          <a:p>
-            <a:r>
-              <a:rPr lang="en-US" dirty="0" smtClean="0"/>
-              <a:t>Method 1</a:t>
-            </a:r>
-          </a:p>
-          <a:p>
-            <a:r>
-              <a:rPr lang="en-US" dirty="0" smtClean="0"/>
-              <a:t>Method 2</a:t>
-            </a:r>
-          </a:p>
-          <a:p>
-            <a:r>
-              <a:rPr lang="en-US" dirty="0" smtClean="0"/>
-              <a:t>Method 3</a:t>
-            </a:r>
-            <a:endParaRPr lang="en-US" dirty="0"/>
+            <a:pPr marL="0" indent="0">
+              <a:buClr>
+                <a:schemeClr val="accent4"/>
+              </a:buClr>
+              <a:buNone/>
+            </a:pPr>
+            <a:r>
+              <a:rPr lang="en-US" dirty="0" smtClean="0"/>
+              <a:t>The backend of lex4all uses the </a:t>
+            </a:r>
+            <a:r>
+              <a:rPr lang="en-US" dirty="0" smtClean="0"/>
+              <a:t>Salaam </a:t>
+            </a:r>
+            <a:r>
+              <a:rPr lang="en-US" dirty="0" smtClean="0"/>
+              <a:t>method </a:t>
+            </a:r>
+            <a:r>
+              <a:rPr lang="en-US" dirty="0" smtClean="0"/>
+              <a:t>[1, 2] </a:t>
+            </a:r>
+            <a:r>
+              <a:rPr lang="en-US" dirty="0" smtClean="0"/>
+              <a:t>for the automatic discovery of the best pronunciation sequence for each word in the target vocabulary.</a:t>
+            </a:r>
+            <a:endParaRPr lang="en-US" dirty="0" smtClean="0"/>
+          </a:p>
+          <a:p>
+            <a:pPr marL="0" indent="0">
+              <a:buClr>
+                <a:schemeClr val="accent4"/>
+              </a:buClr>
+              <a:buNone/>
+            </a:pPr>
+            <a:endParaRPr lang="en-US" sz="1200" dirty="0" smtClean="0"/>
+          </a:p>
+          <a:p>
+            <a:pPr marL="0" indent="0">
+              <a:buClr>
+                <a:schemeClr val="accent4"/>
+              </a:buClr>
+              <a:buNone/>
+            </a:pPr>
+            <a:r>
+              <a:rPr lang="en-US" b="1" dirty="0" smtClean="0"/>
+              <a:t>The Salaam method [1, 2]:</a:t>
+            </a:r>
+          </a:p>
+          <a:p>
+            <a:pPr>
+              <a:buClr>
+                <a:schemeClr val="accent4"/>
+              </a:buClr>
+            </a:pPr>
+            <a:r>
+              <a:rPr lang="en-US" dirty="0" smtClean="0"/>
+              <a:t>A “super-wildcard” grammar </a:t>
+            </a:r>
+            <a:r>
+              <a:rPr lang="en-US" dirty="0" smtClean="0"/>
+              <a:t>instructs the recognizer to treat each audio sample as a “phrase” consisting of 0-10 “words”, where each “word” is a sequence of 1-3 source-language phonemes, i.e.:</a:t>
+            </a:r>
+          </a:p>
+          <a:p>
+            <a:pPr>
+              <a:buClr>
+                <a:schemeClr val="accent4"/>
+              </a:buClr>
+              <a:buNone/>
+            </a:pPr>
+            <a:endParaRPr lang="en-US" dirty="0" smtClean="0"/>
+          </a:p>
+          <a:p>
+            <a:pPr>
+              <a:buClr>
+                <a:schemeClr val="accent4"/>
+              </a:buClr>
+              <a:buNone/>
+            </a:pPr>
+            <a:r>
+              <a:rPr lang="en-US" dirty="0" smtClean="0"/>
+              <a:t>	</a:t>
+            </a:r>
+            <a:r>
+              <a:rPr lang="en-US" dirty="0" smtClean="0"/>
+              <a:t>where * represents a single phoneme of the source language.</a:t>
+            </a:r>
+          </a:p>
+          <a:p>
+            <a:pPr>
+              <a:buClr>
+                <a:schemeClr val="accent4"/>
+              </a:buClr>
+            </a:pPr>
+            <a:r>
+              <a:rPr lang="en-US" dirty="0" smtClean="0"/>
+              <a:t>An iterative training algorithm uses the HRL recognizer and the “super-wildcard” grammar to discover the best pronunciation sequence(s) for each word in the target  (low-resource) language vocabulary, one phoneme at a time</a:t>
+            </a:r>
+          </a:p>
+          <a:p>
+            <a:pPr>
+              <a:buClr>
+                <a:schemeClr val="accent4"/>
+              </a:buClr>
+            </a:pPr>
+            <a:r>
+              <a:rPr lang="en-US" dirty="0" smtClean="0"/>
+              <a:t>The automatically generated pronunciations yield higher recognition accuracy than pronunciations hand-written by expert linguists [1]</a:t>
+            </a:r>
+            <a:endParaRPr lang="en-US" dirty="0" smtClean="0"/>
           </a:p>
         </p:txBody>
       </p:sp>
-      <p:graphicFrame>
-        <p:nvGraphicFramePr>
-          <p:cNvPr id="25" name="Content Placeholder 24" descr="Sample table with 4 columns, 7 rows."/>
-          <p:cNvGraphicFramePr>
-            <a:graphicFrameLocks noGrp="1"/>
-          </p:cNvGraphicFramePr>
-          <p:nvPr>
-            <p:ph sz="quarter" idx="23"/>
-            <p:extLst>
-              <p:ext uri="{D42A27DB-BD31-4B8C-83A1-F6EECF244321}">
-                <p14:modId xmlns="" xmlns:p14="http://schemas.microsoft.com/office/powerpoint/2010/main" val="2517281170"/>
-              </p:ext>
-            </p:extLst>
-          </p:nvPr>
-        </p:nvGraphicFramePr>
-        <p:xfrm>
-          <a:off x="15544800" y="11947525"/>
-          <a:ext cx="12801600" cy="6035617"/>
-        </p:xfrm>
-        <a:graphic>
-          <a:graphicData uri="http://schemas.openxmlformats.org/drawingml/2006/table">
-            <a:tbl>
-              <a:tblPr firstRow="1" bandRow="1">
-                <a:tableStyleId>{3B4B98B0-60AC-42C2-AFA5-B58CD77FA1E5}</a:tableStyleId>
-              </a:tblPr>
-              <a:tblGrid>
-                <a:gridCol w="3200400"/>
-                <a:gridCol w="3200400"/>
-                <a:gridCol w="3200400"/>
-                <a:gridCol w="3200400"/>
-              </a:tblGrid>
-              <a:tr h="862231">
-                <a:tc>
-                  <a:txBody>
-                    <a:bodyPr/>
-                    <a:lstStyle/>
-                    <a:p>
-                      <a:endParaRPr lang="en-US" sz="2800" dirty="0"/>
-                    </a:p>
-                  </a:txBody>
-                  <a:tcPr anchor="ctr"/>
-                </a:tc>
-                <a:tc>
-                  <a:txBody>
-                    <a:bodyPr/>
-                    <a:lstStyle/>
-                    <a:p>
-                      <a:pPr algn="ctr"/>
-                      <a:r>
-                        <a:rPr lang="en-US" sz="2800" dirty="0" smtClean="0"/>
-                        <a:t>Heading</a:t>
-                      </a:r>
-                      <a:endParaRPr lang="en-US" sz="2800" dirty="0"/>
-                    </a:p>
-                  </a:txBody>
-                  <a:tcPr anchor="ctr"/>
-                </a:tc>
-                <a:tc>
-                  <a:txBody>
-                    <a:bodyPr/>
-                    <a:lstStyle/>
-                    <a:p>
-                      <a:pPr algn="ctr"/>
-                      <a:r>
-                        <a:rPr lang="en-US" sz="2800" dirty="0" smtClean="0"/>
-                        <a:t>Heading</a:t>
-                      </a:r>
-                      <a:endParaRPr lang="en-US" sz="2800" dirty="0"/>
-                    </a:p>
-                  </a:txBody>
-                  <a:tcPr anchor="ctr"/>
-                </a:tc>
-                <a:tc>
-                  <a:txBody>
-                    <a:bodyPr/>
-                    <a:lstStyle/>
-                    <a:p>
-                      <a:pPr algn="ctr"/>
-                      <a:r>
-                        <a:rPr lang="en-US" sz="2800" dirty="0" smtClean="0"/>
-                        <a:t>Heading</a:t>
-                      </a:r>
-                      <a:endParaRPr lang="en-US" sz="2800" dirty="0"/>
-                    </a:p>
-                  </a:txBody>
-                  <a:tcPr anchor="ctr"/>
-                </a:tc>
-              </a:tr>
-              <a:tr h="862231">
-                <a:tc>
-                  <a:txBody>
-                    <a:bodyPr/>
-                    <a:lstStyle/>
-                    <a:p>
-                      <a:r>
-                        <a:rPr lang="en-US" sz="2800" dirty="0" smtClean="0"/>
-                        <a:t>Item</a:t>
-                      </a:r>
-                      <a:endParaRPr lang="en-US" sz="2800" dirty="0"/>
-                    </a:p>
-                  </a:txBody>
-                  <a:tcPr anchor="ctr"/>
-                </a:tc>
-                <a:tc>
-                  <a:txBody>
-                    <a:bodyPr/>
-                    <a:lstStyle/>
-                    <a:p>
-                      <a:pPr algn="ctr"/>
-                      <a:r>
-                        <a:rPr lang="en-US" sz="2800" dirty="0" smtClean="0"/>
-                        <a:t>122</a:t>
-                      </a:r>
-                      <a:endParaRPr lang="en-US" sz="2800" dirty="0"/>
-                    </a:p>
-                  </a:txBody>
-                  <a:tcPr anchor="ctr"/>
-                </a:tc>
-                <a:tc>
-                  <a:txBody>
-                    <a:bodyPr/>
-                    <a:lstStyle/>
-                    <a:p>
-                      <a:pPr algn="ctr"/>
-                      <a:r>
-                        <a:rPr lang="en-US" sz="2800" dirty="0" smtClean="0"/>
-                        <a:t>233</a:t>
-                      </a:r>
-                      <a:endParaRPr lang="en-US" sz="2800" dirty="0"/>
-                    </a:p>
-                  </a:txBody>
-                  <a:tcPr anchor="ctr"/>
-                </a:tc>
-                <a:tc>
-                  <a:txBody>
-                    <a:bodyPr/>
-                    <a:lstStyle/>
-                    <a:p>
-                      <a:pPr algn="ctr"/>
-                      <a:r>
-                        <a:rPr lang="en-US" sz="2800" dirty="0" smtClean="0"/>
-                        <a:t>345</a:t>
-                      </a:r>
-                      <a:endParaRPr lang="en-US" sz="2800" dirty="0"/>
-                    </a:p>
-                  </a:txBody>
-                  <a:tcPr anchor="ctr"/>
-                </a:tc>
-              </a:tr>
-              <a:tr h="862231">
-                <a:tc>
-                  <a:txBody>
-                    <a:bodyPr/>
-                    <a:lstStyle/>
-                    <a:p>
-                      <a:r>
-                        <a:rPr lang="en-US" sz="2800" dirty="0" smtClean="0"/>
-                        <a:t>Item</a:t>
-                      </a:r>
-                      <a:endParaRPr lang="en-US" sz="2800" dirty="0"/>
-                    </a:p>
-                  </a:txBody>
-                  <a:tcPr anchor="ctr"/>
-                </a:tc>
-                <a:tc>
-                  <a:txBody>
-                    <a:bodyPr/>
-                    <a:lstStyle/>
-                    <a:p>
-                      <a:pPr algn="ctr"/>
-                      <a:r>
-                        <a:rPr lang="en-US" sz="2800" dirty="0" smtClean="0"/>
-                        <a:t>759</a:t>
-                      </a:r>
-                      <a:endParaRPr lang="en-US" sz="2800" dirty="0"/>
-                    </a:p>
-                  </a:txBody>
-                  <a:tcPr anchor="ctr"/>
-                </a:tc>
-                <a:tc>
-                  <a:txBody>
-                    <a:bodyPr/>
-                    <a:lstStyle/>
-                    <a:p>
-                      <a:pPr algn="ctr"/>
-                      <a:r>
-                        <a:rPr lang="en-US" sz="2800" dirty="0" smtClean="0"/>
-                        <a:t>856</a:t>
-                      </a:r>
-                      <a:endParaRPr lang="en-US" sz="2800" dirty="0"/>
-                    </a:p>
-                  </a:txBody>
-                  <a:tcPr anchor="ctr"/>
-                </a:tc>
-                <a:tc>
-                  <a:txBody>
-                    <a:bodyPr/>
-                    <a:lstStyle/>
-                    <a:p>
-                      <a:pPr algn="ctr"/>
-                      <a:r>
-                        <a:rPr lang="en-US" sz="2800" dirty="0" smtClean="0"/>
-                        <a:t>290</a:t>
-                      </a:r>
-                      <a:endParaRPr lang="en-US" sz="2800" dirty="0"/>
-                    </a:p>
-                  </a:txBody>
-                  <a:tcPr anchor="ctr"/>
-                </a:tc>
-              </a:tr>
-              <a:tr h="862231">
-                <a:tc>
-                  <a:txBody>
-                    <a:bodyPr/>
-                    <a:lstStyle/>
-                    <a:p>
-                      <a:r>
-                        <a:rPr lang="en-US" sz="2800" dirty="0" smtClean="0"/>
-                        <a:t>Item</a:t>
-                      </a:r>
-                      <a:endParaRPr lang="en-US" sz="2800" dirty="0"/>
-                    </a:p>
-                  </a:txBody>
-                  <a:tcPr anchor="ctr"/>
-                </a:tc>
-                <a:tc>
-                  <a:txBody>
-                    <a:bodyPr/>
-                    <a:lstStyle/>
-                    <a:p>
-                      <a:pPr algn="ctr"/>
-                      <a:r>
-                        <a:rPr lang="en-US" sz="2800" dirty="0" smtClean="0"/>
-                        <a:t>228</a:t>
-                      </a:r>
-                      <a:endParaRPr lang="en-US" sz="2800" dirty="0"/>
-                    </a:p>
-                  </a:txBody>
-                  <a:tcPr anchor="ctr"/>
-                </a:tc>
-                <a:tc>
-                  <a:txBody>
-                    <a:bodyPr/>
-                    <a:lstStyle/>
-                    <a:p>
-                      <a:pPr algn="ctr"/>
-                      <a:r>
-                        <a:rPr lang="en-US" sz="2800" dirty="0" smtClean="0"/>
-                        <a:t>134</a:t>
-                      </a:r>
-                      <a:endParaRPr lang="en-US" sz="2800" dirty="0"/>
-                    </a:p>
-                  </a:txBody>
-                  <a:tcPr anchor="ctr"/>
-                </a:tc>
-                <a:tc>
-                  <a:txBody>
-                    <a:bodyPr/>
-                    <a:lstStyle/>
-                    <a:p>
-                      <a:pPr algn="ctr"/>
-                      <a:r>
-                        <a:rPr lang="en-US" sz="2800" dirty="0" smtClean="0"/>
-                        <a:t>238</a:t>
-                      </a:r>
-                      <a:endParaRPr lang="en-US" sz="2800" dirty="0"/>
-                    </a:p>
-                  </a:txBody>
-                  <a:tcPr anchor="ctr"/>
-                </a:tc>
-              </a:tr>
-              <a:tr h="862231">
-                <a:tc>
-                  <a:txBody>
-                    <a:bodyPr/>
-                    <a:lstStyle/>
-                    <a:p>
-                      <a:r>
-                        <a:rPr lang="en-US" sz="2800" dirty="0" smtClean="0"/>
-                        <a:t>Item</a:t>
-                      </a:r>
-                      <a:endParaRPr lang="en-US" sz="2800" dirty="0"/>
-                    </a:p>
-                  </a:txBody>
-                  <a:tcPr anchor="ctr"/>
-                </a:tc>
-                <a:tc>
-                  <a:txBody>
-                    <a:bodyPr/>
-                    <a:lstStyle/>
-                    <a:p>
-                      <a:pPr algn="ctr"/>
-                      <a:r>
-                        <a:rPr lang="en-US" sz="2800" dirty="0" smtClean="0"/>
-                        <a:t>954</a:t>
-                      </a:r>
-                      <a:endParaRPr lang="en-US" sz="2800" dirty="0"/>
-                    </a:p>
-                  </a:txBody>
-                  <a:tcPr anchor="ctr"/>
-                </a:tc>
-                <a:tc>
-                  <a:txBody>
-                    <a:bodyPr/>
-                    <a:lstStyle/>
-                    <a:p>
-                      <a:pPr algn="ctr"/>
-                      <a:r>
-                        <a:rPr lang="en-US" sz="2800" dirty="0" smtClean="0"/>
-                        <a:t>875</a:t>
-                      </a:r>
-                      <a:endParaRPr lang="en-US" sz="2800" dirty="0"/>
-                    </a:p>
-                  </a:txBody>
-                  <a:tcPr anchor="ctr"/>
-                </a:tc>
-                <a:tc>
-                  <a:txBody>
-                    <a:bodyPr/>
-                    <a:lstStyle/>
-                    <a:p>
-                      <a:pPr algn="ctr"/>
-                      <a:r>
-                        <a:rPr lang="en-US" sz="2800" dirty="0" smtClean="0"/>
-                        <a:t>976</a:t>
-                      </a:r>
-                      <a:endParaRPr lang="en-US" sz="2800" dirty="0"/>
-                    </a:p>
-                  </a:txBody>
-                  <a:tcPr anchor="ctr"/>
-                </a:tc>
-              </a:tr>
-              <a:tr h="862231">
-                <a:tc>
-                  <a:txBody>
-                    <a:bodyPr/>
-                    <a:lstStyle/>
-                    <a:p>
-                      <a:r>
-                        <a:rPr lang="en-US" sz="2800" dirty="0" smtClean="0"/>
-                        <a:t>Item</a:t>
-                      </a:r>
-                      <a:endParaRPr lang="en-US" sz="2800" dirty="0"/>
-                    </a:p>
-                  </a:txBody>
-                  <a:tcPr anchor="ctr"/>
-                </a:tc>
-                <a:tc>
-                  <a:txBody>
-                    <a:bodyPr/>
-                    <a:lstStyle/>
-                    <a:p>
-                      <a:pPr algn="ctr"/>
-                      <a:r>
-                        <a:rPr lang="en-US" sz="2800" dirty="0" smtClean="0"/>
-                        <a:t>324</a:t>
-                      </a:r>
-                      <a:endParaRPr lang="en-US" sz="2800" dirty="0"/>
-                    </a:p>
-                  </a:txBody>
-                  <a:tcPr anchor="ctr"/>
-                </a:tc>
-                <a:tc>
-                  <a:txBody>
-                    <a:bodyPr/>
-                    <a:lstStyle/>
-                    <a:p>
-                      <a:pPr algn="ctr"/>
-                      <a:r>
-                        <a:rPr lang="en-US" sz="2800" dirty="0" smtClean="0"/>
-                        <a:t>325</a:t>
-                      </a:r>
-                      <a:endParaRPr lang="en-US" sz="2800" dirty="0"/>
-                    </a:p>
-                  </a:txBody>
-                  <a:tcPr anchor="ctr"/>
-                </a:tc>
-                <a:tc>
-                  <a:txBody>
-                    <a:bodyPr/>
-                    <a:lstStyle/>
-                    <a:p>
-                      <a:pPr algn="ctr"/>
-                      <a:r>
-                        <a:rPr lang="en-US" sz="2800" dirty="0" smtClean="0"/>
-                        <a:t>301</a:t>
-                      </a:r>
-                      <a:endParaRPr lang="en-US" sz="2800" dirty="0"/>
-                    </a:p>
-                  </a:txBody>
-                  <a:tcPr anchor="ctr"/>
-                </a:tc>
-              </a:tr>
-              <a:tr h="862231">
-                <a:tc>
-                  <a:txBody>
-                    <a:bodyPr/>
-                    <a:lstStyle/>
-                    <a:p>
-                      <a:r>
-                        <a:rPr lang="en-US" sz="2800" dirty="0" smtClean="0"/>
-                        <a:t>Item</a:t>
-                      </a:r>
-                      <a:endParaRPr lang="en-US" sz="2800" dirty="0"/>
-                    </a:p>
-                  </a:txBody>
-                  <a:tcPr anchor="ctr"/>
-                </a:tc>
-                <a:tc>
-                  <a:txBody>
-                    <a:bodyPr/>
-                    <a:lstStyle/>
-                    <a:p>
-                      <a:pPr algn="ctr"/>
-                      <a:r>
-                        <a:rPr lang="en-US" sz="2800" dirty="0" smtClean="0"/>
-                        <a:t>199</a:t>
-                      </a:r>
-                      <a:endParaRPr lang="en-US" sz="2800" dirty="0"/>
-                    </a:p>
-                  </a:txBody>
-                  <a:tcPr anchor="ctr"/>
-                </a:tc>
-                <a:tc>
-                  <a:txBody>
-                    <a:bodyPr/>
-                    <a:lstStyle/>
-                    <a:p>
-                      <a:pPr algn="ctr"/>
-                      <a:r>
-                        <a:rPr lang="en-US" sz="2800" dirty="0" smtClean="0"/>
-                        <a:t>137</a:t>
-                      </a:r>
-                      <a:endParaRPr lang="en-US" sz="2800" dirty="0"/>
-                    </a:p>
-                  </a:txBody>
-                  <a:tcPr anchor="ctr"/>
-                </a:tc>
-                <a:tc>
-                  <a:txBody>
-                    <a:bodyPr/>
-                    <a:lstStyle/>
-                    <a:p>
-                      <a:pPr algn="ctr"/>
-                      <a:r>
-                        <a:rPr lang="en-US" sz="2800" dirty="0" smtClean="0"/>
-                        <a:t>186</a:t>
-                      </a:r>
-                      <a:endParaRPr lang="en-US" sz="2800" dirty="0"/>
-                    </a:p>
-                  </a:txBody>
-                  <a:tcPr anchor="ctr"/>
-                </a:tc>
-              </a:tr>
-            </a:tbl>
-          </a:graphicData>
-        </a:graphic>
-      </p:graphicFrame>
       <p:sp>
         <p:nvSpPr>
           <p:cNvPr id="16" name="Text Placeholder 15"/>
@@ -6148,7 +5951,7 @@
         </p:nvSpPr>
         <p:spPr>
           <a:xfrm>
-            <a:off x="15544800" y="18973800"/>
+            <a:off x="15544800" y="17302657"/>
             <a:ext cx="12801600" cy="1219200"/>
           </a:xfrm>
           <a:prstGeom prst="round1Rect">
@@ -6186,8 +5989,8 @@
         </p:nvSpPr>
         <p:spPr>
           <a:xfrm>
-            <a:off x="15544800" y="20199096"/>
-            <a:ext cx="12801600" cy="9823704"/>
+            <a:off x="15544800" y="18540248"/>
+            <a:ext cx="12801600" cy="11482552"/>
           </a:xfrm>
           <a:ln w="3175">
             <a:solidFill>
@@ -6196,24 +5999,89 @@
           </a:ln>
         </p:spPr>
         <p:txBody>
-          <a:bodyPr/>
+          <a:bodyPr>
+            <a:normAutofit/>
+          </a:bodyPr>
           <a:lstStyle/>
           <a:p>
-            <a:r>
-              <a:rPr lang="en-US" dirty="0" smtClean="0"/>
-              <a:t>Result 1</a:t>
-            </a:r>
-          </a:p>
-          <a:p>
-            <a:r>
-              <a:rPr lang="en-US" dirty="0" smtClean="0"/>
-              <a:t>Result 2</a:t>
-            </a:r>
-          </a:p>
-          <a:p>
-            <a:r>
-              <a:rPr lang="en-US" dirty="0" smtClean="0"/>
-              <a:t>Result 3</a:t>
+            <a:pPr marL="0">
+              <a:buNone/>
+            </a:pPr>
+            <a:r>
+              <a:rPr lang="en-US" sz="3200" dirty="0" smtClean="0"/>
+              <a:t>The main challenge we faced in engineering a user-friendly application based on the Salaam algorithm (see above) was the long training time due to the large “super-wildcard” grammar required by the algorithm.</a:t>
+            </a:r>
+          </a:p>
+          <a:p>
+            <a:pPr marL="0">
+              <a:buNone/>
+            </a:pPr>
+            <a:endParaRPr lang="en-US" sz="200" dirty="0" smtClean="0"/>
+          </a:p>
+          <a:p>
+            <a:r>
+              <a:rPr lang="en-US" sz="3200" dirty="0" smtClean="0"/>
+              <a:t>Origina</a:t>
+            </a:r>
+            <a:r>
+              <a:rPr lang="en-US" sz="3200" dirty="0" smtClean="0"/>
+              <a:t>l backend: 1-3 phonemes per sub-word</a:t>
+            </a:r>
+          </a:p>
+          <a:p>
+            <a:pPr lvl="1"/>
+            <a:r>
+              <a:rPr lang="en-US" sz="2800" dirty="0" smtClean="0"/>
+              <a:t>40 phonemes (English) → 64,000 possible combinations</a:t>
+            </a:r>
+          </a:p>
+          <a:p>
+            <a:pPr lvl="1"/>
+            <a:r>
+              <a:rPr lang="en-US" sz="2800" dirty="0" smtClean="0"/>
+              <a:t>Training time (25 words, 5 samples/word): approx. </a:t>
+            </a:r>
+            <a:r>
+              <a:rPr lang="en-US" sz="2800" u="sng" dirty="0" smtClean="0"/>
+              <a:t>60-120 minutes</a:t>
+            </a:r>
+            <a:endParaRPr lang="en-US" u="sng" dirty="0" smtClean="0"/>
+          </a:p>
+          <a:p>
+            <a:pPr lvl="1">
+              <a:buNone/>
+            </a:pPr>
+            <a:endParaRPr lang="en-US" sz="200" u="sng" dirty="0" smtClean="0"/>
+          </a:p>
+          <a:p>
+            <a:r>
+              <a:rPr lang="en-US" sz="3200" dirty="0" smtClean="0"/>
+              <a:t>New backend: only 1 phoneme per sub-word</a:t>
+            </a:r>
+          </a:p>
+          <a:p>
+            <a:pPr lvl="1"/>
+            <a:r>
+              <a:rPr lang="en-US" sz="2800" dirty="0" smtClean="0"/>
+              <a:t>40 phonemes → 40-line wildcard</a:t>
+            </a:r>
+          </a:p>
+          <a:p>
+            <a:pPr lvl="1"/>
+            <a:r>
+              <a:rPr lang="en-US" sz="2800" dirty="0" smtClean="0"/>
+              <a:t>Training time (25 words, 5 samples/word): approx </a:t>
+            </a:r>
+            <a:r>
+              <a:rPr lang="en-US" sz="2800" u="sng" dirty="0" smtClean="0"/>
+              <a:t>2-5 minutes</a:t>
+            </a:r>
+          </a:p>
+          <a:p>
+            <a:pPr lvl="1"/>
+            <a:r>
+              <a:rPr lang="en-US" sz="2800" dirty="0" smtClean="0"/>
+              <a:t>Result: ≈20x faster training, no significant drop in recognition accuracy</a:t>
             </a:r>
             <a:endParaRPr lang="en-US" dirty="0"/>
           </a:p>
@@ -6276,12 +6144,12 @@
           </p:nvPr>
         </p:nvGraphicFramePr>
         <p:xfrm>
-          <a:off x="15551517" y="22545187"/>
-          <a:ext cx="12801600" cy="7315200"/>
+          <a:off x="16390841" y="24949308"/>
+          <a:ext cx="11060678" cy="5047827"/>
         </p:xfrm>
         <a:graphic>
           <a:graphicData uri="http://schemas.openxmlformats.org/drawingml/2006/chart">
-            <c:chart xmlns:c="http://schemas.openxmlformats.org/drawingml/2006/chart" xmlns:r="http://schemas.openxmlformats.org/officeDocument/2006/relationships" r:id="rId3"/>
+            <c:chart xmlns:c="http://schemas.openxmlformats.org/drawingml/2006/chart" xmlns:r="http://schemas.openxmlformats.org/officeDocument/2006/relationships" r:id="rId4"/>
           </a:graphicData>
         </a:graphic>
       </p:graphicFrame>
@@ -6297,7 +6165,7 @@
         </p:nvSpPr>
         <p:spPr>
           <a:xfrm>
-            <a:off x="29900880" y="25831800"/>
+            <a:off x="29900880" y="24439406"/>
             <a:ext cx="12801600" cy="1219200"/>
           </a:xfrm>
           <a:prstGeom prst="round1Rect">
@@ -6338,8 +6206,8 @@
         </p:nvSpPr>
         <p:spPr>
           <a:xfrm>
-            <a:off x="29900880" y="27057096"/>
-            <a:ext cx="12801600" cy="2965704"/>
+            <a:off x="29900880" y="25686327"/>
+            <a:ext cx="12801600" cy="4336473"/>
           </a:xfrm>
           <a:ln w="3175">
             <a:solidFill>
@@ -6348,26 +6216,34 @@
           </a:ln>
         </p:spPr>
         <p:txBody>
-          <a:bodyPr/>
+          <a:bodyPr>
+            <a:noAutofit/>
+          </a:bodyPr>
           <a:lstStyle/>
           <a:p>
-            <a:r>
-              <a:rPr lang="en-US" dirty="0" smtClean="0"/>
-              <a:t>Conclusion 1</a:t>
-            </a:r>
-          </a:p>
-          <a:p>
-            <a:r>
-              <a:rPr lang="en-US" dirty="0" smtClean="0"/>
-              <a:t>Conclusion 2</a:t>
-            </a:r>
-          </a:p>
-          <a:p>
-            <a:r>
-              <a:rPr lang="en-US" dirty="0" smtClean="0"/>
-              <a:t>Conclusion 3</a:t>
-            </a:r>
-            <a:endParaRPr lang="en-US" dirty="0"/>
+            <a:pPr marL="0">
+              <a:buNone/>
+            </a:pPr>
+            <a:r>
+              <a:rPr lang="en-US" sz="3200" dirty="0" smtClean="0"/>
+              <a:t>The lex4all tool enables the rapid and automatic creation of pronunciation lexicons in any low-resource language, using an out-of-the-box commercial recognition engine [3] for a high-resource language (English) and an existing algorithm for cross-language pronunciation mapping [1, 2].</a:t>
+            </a:r>
+          </a:p>
+          <a:p>
+            <a:pPr marL="0">
+              <a:buNone/>
+            </a:pPr>
+            <a:endParaRPr lang="en-US" sz="100" dirty="0" smtClean="0"/>
+          </a:p>
+          <a:p>
+            <a:pPr marL="0">
+              <a:buNone/>
+            </a:pPr>
+            <a:r>
+              <a:rPr lang="en-US" sz="3200" dirty="0" smtClean="0"/>
+              <a:t>We hope that this tool will help developers to create speech interfaces for applications in low-resource languages, as well as facilitate research in small-vocabulary speech recognition for such languages.</a:t>
+            </a:r>
+            <a:endParaRPr lang="en-US" sz="3200" dirty="0"/>
           </a:p>
         </p:txBody>
       </p:sp>
@@ -6657,7 +6533,7 @@
             </a:r>
             <a:r>
               <a:rPr lang="en-US" sz="2000" dirty="0" smtClean="0">
-                <a:hlinkClick r:id="rId4"/>
+                <a:hlinkClick r:id="rId5"/>
               </a:rPr>
               <a:t>http://msdn.microsoft.com/en-us/library/dd266409</a:t>
             </a:r>
@@ -6684,15 +6560,16 @@
           <p:nvPr/>
         </p:nvPicPr>
         <p:blipFill>
-          <a:blip r:embed="rId5"/>
+          <a:blip r:embed="rId6"/>
+          <a:srcRect l="2909" t="35832" r="11636" b="10451"/>
           <a:stretch>
             <a:fillRect/>
           </a:stretch>
         </p:blipFill>
         <p:spPr>
           <a:xfrm>
-            <a:off x="7245521" y="14920854"/>
-            <a:ext cx="6286500" cy="6124575"/>
+            <a:off x="8018582" y="17497124"/>
+            <a:ext cx="5693011" cy="3486428"/>
           </a:xfrm>
           <a:prstGeom prst="rect">
             <a:avLst/>
@@ -6784,7 +6661,7 @@
         <p:spPr>
           <a:xfrm>
             <a:off x="29887156" y="17465162"/>
-            <a:ext cx="12801600" cy="6909054"/>
+            <a:ext cx="12801600" cy="5928238"/>
           </a:xfrm>
           <a:ln w="3175">
             <a:solidFill>
@@ -6796,29 +6673,85 @@
           <a:bodyPr/>
           <a:lstStyle/>
           <a:p>
-            <a:r>
-              <a:rPr lang="en-US" dirty="0" smtClean="0"/>
-              <a:t>List objectives here</a:t>
-            </a:r>
-          </a:p>
-          <a:p>
-            <a:r>
-              <a:rPr lang="en-US" dirty="0" smtClean="0"/>
-              <a:t>Objective 1</a:t>
-            </a:r>
-          </a:p>
-          <a:p>
-            <a:r>
-              <a:rPr lang="en-US" dirty="0" smtClean="0"/>
-              <a:t>Objective 2</a:t>
-            </a:r>
-          </a:p>
-          <a:p>
-            <a:r>
-              <a:rPr lang="en-US" dirty="0" smtClean="0"/>
-              <a:t>Objective 3</a:t>
-            </a:r>
-            <a:endParaRPr lang="en-US" dirty="0"/>
+            <a:pPr>
+              <a:buClr>
+                <a:schemeClr val="accent3"/>
+              </a:buClr>
+              <a:buNone/>
+            </a:pPr>
+            <a:r>
+              <a:rPr lang="en-US" dirty="0" smtClean="0"/>
+              <a:t>Possible future extensions of the project include:</a:t>
+            </a:r>
+            <a:endParaRPr lang="en-US" dirty="0" smtClean="0"/>
+          </a:p>
+          <a:p>
+            <a:pPr>
+              <a:buClr>
+                <a:schemeClr val="accent3"/>
+              </a:buClr>
+            </a:pPr>
+            <a:r>
+              <a:rPr lang="en-US" b="1" dirty="0" smtClean="0"/>
+              <a:t>Online lexicon repository</a:t>
+            </a:r>
+          </a:p>
+          <a:p>
+            <a:pPr>
+              <a:buClr>
+                <a:schemeClr val="accent3"/>
+              </a:buClr>
+              <a:buNone/>
+            </a:pPr>
+            <a:r>
+              <a:rPr lang="en-US" dirty="0" smtClean="0"/>
+              <a:t>	</a:t>
+            </a:r>
+            <a:r>
+              <a:rPr lang="en-US" dirty="0" smtClean="0"/>
+              <a:t>Adding an option for users to upload their created lexicons to a central web repository  would allow sharing and re-use of lexicons across languages and language families.</a:t>
+            </a:r>
+            <a:endParaRPr lang="en-US" dirty="0" smtClean="0"/>
+          </a:p>
+          <a:p>
+            <a:pPr>
+              <a:buClr>
+                <a:schemeClr val="accent3"/>
+              </a:buClr>
+            </a:pPr>
+            <a:r>
+              <a:rPr lang="en-US" b="1" dirty="0" smtClean="0"/>
+              <a:t>Additional source-language recognizers</a:t>
+            </a:r>
+          </a:p>
+          <a:p>
+            <a:pPr>
+              <a:buClr>
+                <a:schemeClr val="accent3"/>
+              </a:buClr>
+              <a:buNone/>
+            </a:pPr>
+            <a:r>
+              <a:rPr lang="en-US" dirty="0" smtClean="0"/>
+              <a:t>	</a:t>
+            </a:r>
+            <a:r>
+              <a:rPr lang="en-US" dirty="0" smtClean="0"/>
+              <a:t>The Microsoft Speech Platform currently supports recognition in over 20 different (high-resource) languages [3]. It is possible that using a source language that shares more phonemes with the target language could improve recognition accuracy, though this topic calls for further research.</a:t>
+            </a:r>
+            <a:endParaRPr lang="en-US" dirty="0" smtClean="0"/>
+          </a:p>
+          <a:p>
+            <a:pPr>
+              <a:buClr>
+                <a:schemeClr val="accent3"/>
+              </a:buClr>
+            </a:pPr>
+            <a:r>
+              <a:rPr lang="en-US" b="1" dirty="0" smtClean="0"/>
+              <a:t>User interface improvements</a:t>
+            </a:r>
+            <a:endParaRPr lang="en-US" b="1" dirty="0"/>
           </a:p>
         </p:txBody>
       </p:sp>
@@ -6831,15 +6764,15 @@
           <p:nvPr/>
         </p:nvPicPr>
         <p:blipFill>
-          <a:blip r:embed="rId6"/>
+          <a:blip r:embed="rId7"/>
           <a:stretch>
             <a:fillRect/>
           </a:stretch>
         </p:blipFill>
         <p:spPr>
           <a:xfrm>
-            <a:off x="1828802" y="23335363"/>
-            <a:ext cx="10972798" cy="6548894"/>
+            <a:off x="2331722" y="23171368"/>
+            <a:ext cx="10328280" cy="6835563"/>
           </a:xfrm>
           <a:prstGeom prst="rect">
             <a:avLst/>
@@ -6858,8 +6791,8 @@
         </p:nvSpPr>
         <p:spPr>
           <a:xfrm>
-            <a:off x="29905570" y="7174522"/>
-            <a:ext cx="12801600" cy="8159263"/>
+            <a:off x="29905570" y="7083083"/>
+            <a:ext cx="12801600" cy="4452426"/>
           </a:xfrm>
           <a:ln w="3175">
             <a:solidFill>
@@ -6871,26 +6804,144 @@
           <a:bodyPr/>
           <a:lstStyle/>
           <a:p>
-            <a:r>
-              <a:rPr lang="en-US" dirty="0" smtClean="0"/>
-              <a:t>Result 1</a:t>
-            </a:r>
-          </a:p>
-          <a:p>
-            <a:r>
-              <a:rPr lang="en-US" dirty="0" smtClean="0"/>
-              <a:t>Result 2</a:t>
-            </a:r>
-          </a:p>
-          <a:p>
-            <a:r>
-              <a:rPr lang="en-US" dirty="0" smtClean="0"/>
-              <a:t>Result 3</a:t>
+            <a:pPr fontAlgn="base">
+              <a:buClr>
+                <a:schemeClr val="accent4"/>
+              </a:buClr>
+            </a:pPr>
+            <a:r>
+              <a:rPr lang="en-US" b="1" dirty="0" smtClean="0"/>
+              <a:t>Evaluation module </a:t>
+            </a:r>
+            <a:endParaRPr lang="en-US" b="1" dirty="0" smtClean="0"/>
+          </a:p>
+          <a:p>
+            <a:pPr fontAlgn="base">
+              <a:buClr>
+                <a:schemeClr val="accent4"/>
+              </a:buClr>
+              <a:buNone/>
+            </a:pPr>
+            <a:r>
+              <a:rPr lang="en-US" dirty="0" smtClean="0"/>
+              <a:t>	A</a:t>
+            </a:r>
+            <a:r>
+              <a:rPr lang="en-US" dirty="0" smtClean="0"/>
+              <a:t>llows </a:t>
+            </a:r>
+            <a:r>
+              <a:rPr lang="en-US" dirty="0" smtClean="0"/>
+              <a:t>the user to test </a:t>
+            </a:r>
+            <a:r>
+              <a:rPr lang="en-US" dirty="0" smtClean="0"/>
+              <a:t>built </a:t>
+            </a:r>
+            <a:r>
+              <a:rPr lang="en-US" dirty="0" smtClean="0"/>
+              <a:t>lexicons in recognizing real audio</a:t>
+            </a:r>
+          </a:p>
+          <a:p>
+            <a:pPr fontAlgn="base">
+              <a:buClr>
+                <a:schemeClr val="accent4"/>
+              </a:buClr>
+            </a:pPr>
+            <a:r>
+              <a:rPr lang="en-US" b="1" dirty="0" smtClean="0"/>
+              <a:t>Audio recording </a:t>
+            </a:r>
+            <a:endParaRPr lang="en-US" dirty="0" smtClean="0"/>
+          </a:p>
+          <a:p>
+            <a:pPr fontAlgn="base">
+              <a:buClr>
+                <a:schemeClr val="accent4"/>
+              </a:buClr>
+              <a:buNone/>
+            </a:pPr>
+            <a:r>
+              <a:rPr lang="en-US" dirty="0" smtClean="0"/>
+              <a:t>	Enables the user </a:t>
+            </a:r>
+            <a:r>
+              <a:rPr lang="en-US" dirty="0" smtClean="0"/>
+              <a:t>to </a:t>
+            </a:r>
+            <a:r>
+              <a:rPr lang="en-US" dirty="0" smtClean="0"/>
+              <a:t>record new </a:t>
+            </a:r>
+            <a:r>
+              <a:rPr lang="en-US" dirty="0" smtClean="0"/>
+              <a:t>sound files within the </a:t>
+            </a:r>
+            <a:r>
+              <a:rPr lang="en-US" dirty="0" smtClean="0"/>
+              <a:t>application</a:t>
+            </a:r>
+            <a:endParaRPr lang="en-US" dirty="0" smtClean="0"/>
+          </a:p>
+          <a:p>
+            <a:pPr fontAlgn="base">
+              <a:buClr>
+                <a:schemeClr val="accent4"/>
+              </a:buClr>
+            </a:pPr>
+            <a:r>
+              <a:rPr lang="en-US" b="1" dirty="0" smtClean="0"/>
+              <a:t>Discriminative </a:t>
+            </a:r>
+            <a:r>
+              <a:rPr lang="en-US" b="1" dirty="0" smtClean="0"/>
+              <a:t>training </a:t>
+            </a:r>
+            <a:r>
+              <a:rPr lang="en-US" dirty="0" smtClean="0"/>
+              <a:t>[2] </a:t>
+            </a:r>
+          </a:p>
+          <a:p>
+            <a:pPr fontAlgn="base">
+              <a:buClr>
+                <a:schemeClr val="accent4"/>
+              </a:buClr>
+              <a:buNone/>
+            </a:pPr>
+            <a:r>
+              <a:rPr lang="en-US" dirty="0" smtClean="0"/>
+              <a:t>	</a:t>
+            </a:r>
+            <a:r>
+              <a:rPr lang="en-US" dirty="0" smtClean="0"/>
+              <a:t>An additional training step that removes any pronunciations in the lexicon that may reduce recognition accuracy by matching multiple words in the vocabulary</a:t>
             </a:r>
             <a:endParaRPr lang="en-US" dirty="0"/>
           </a:p>
         </p:txBody>
       </p:sp>
+      <p:graphicFrame>
+        <p:nvGraphicFramePr>
+          <p:cNvPr id="42" name="Objekt 41"/>
+          <p:cNvGraphicFramePr>
+            <a:graphicFrameLocks noChangeAspect="1"/>
+          </p:cNvGraphicFramePr>
+          <p:nvPr/>
+        </p:nvGraphicFramePr>
+        <p:xfrm>
+          <a:off x="20879422" y="10598060"/>
+          <a:ext cx="1608137" cy="509587"/>
+        </p:xfrm>
+        <a:graphic>
+          <a:graphicData uri="http://schemas.openxmlformats.org/presentationml/2006/ole">
+            <p:oleObj spid="_x0000_s1026" name="Formel" r:id="rId8" imgW="812520" imgH="253800" progId="Equation.3">
+              <p:embed/>
+            </p:oleObj>
+          </a:graphicData>
+        </a:graphic>
+      </p:graphicFrame>
     </p:spTree>
     <p:extLst>
       <p:ext uri="{BB962C8B-B14F-4D97-AF65-F5344CB8AC3E}">

--- a/docs/lex4all.pptx
+++ b/docs/lex4all.pptx
@@ -137,7 +137,7 @@
             </a:pPr>
             <a:r>
               <a:rPr lang="en-US" dirty="0" smtClean="0"/>
-              <a:t>Evaluation</a:t>
+              <a:t>Figure 1. Evaluation</a:t>
             </a:r>
             <a:r>
               <a:rPr lang="en-US" baseline="0" dirty="0" smtClean="0"/>
@@ -185,6 +185,14 @@
               </c:strCache>
             </c:strRef>
           </c:tx>
+          <c:spPr>
+            <a:solidFill>
+              <a:schemeClr val="accent6">
+                <a:lumMod val="40000"/>
+                <a:lumOff val="60000"/>
+              </a:schemeClr>
+            </a:solidFill>
+          </c:spPr>
           <c:dLbls>
             <c:dLbl>
               <c:idx val="0"/>
@@ -270,6 +278,14 @@
               </c:strCache>
             </c:strRef>
           </c:tx>
+          <c:spPr>
+            <a:solidFill>
+              <a:schemeClr val="accent6">
+                <a:lumMod val="20000"/>
+                <a:lumOff val="80000"/>
+              </a:schemeClr>
+            </a:solidFill>
+          </c:spPr>
           <c:dLbls>
             <c:dLbl>
               <c:idx val="0"/>
@@ -354,29 +370,6 @@
           <c:orientation val="minMax"/>
         </c:scaling>
         <c:axPos val="b"/>
-        <c:title>
-          <c:tx>
-            <c:rich>
-              <a:bodyPr/>
-              <a:lstStyle/>
-              <a:p>
-                <a:pPr>
-                  <a:defRPr/>
-                </a:pPr>
-                <a:r>
-                  <a:rPr lang="en-US" dirty="0"/>
-                  <a:t>Evaluation </a:t>
-                </a:r>
-                <a:r>
-                  <a:rPr lang="en-US" dirty="0" smtClean="0"/>
-                  <a:t>Condition</a:t>
-                </a:r>
-                <a:endParaRPr lang="en-US" dirty="0"/>
-              </a:p>
-            </c:rich>
-          </c:tx>
-          <c:layout/>
-        </c:title>
         <c:numFmt formatCode="General" sourceLinked="1"/>
         <c:majorTickMark val="none"/>
         <c:tickLblPos val="nextTo"/>
@@ -5124,10 +5117,10 @@
           <a:lstStyle/>
           <a:p>
             <a:r>
-              <a:rPr lang="en-US" smtClean="0"/>
+              <a:rPr lang="en-US" b="1" dirty="0" smtClean="0"/>
               <a:t>Introduction</a:t>
             </a:r>
-            <a:endParaRPr lang="en-US" baseline="-25000" dirty="0"/>
+            <a:endParaRPr lang="en-US" b="1" baseline="-25000" dirty="0"/>
           </a:p>
         </p:txBody>
       </p:sp>
@@ -5175,7 +5168,15 @@
             </a:r>
             <a:r>
               <a:rPr lang="en-US" sz="3200" dirty="0" smtClean="0"/>
-              <a:t>an easy-to-use application that </a:t>
+              <a:t>an easy-to-use </a:t>
+            </a:r>
+            <a:r>
+              <a:rPr lang="en-US" sz="3200" dirty="0" smtClean="0"/>
+              <a:t>PC application </a:t>
+            </a:r>
+            <a:r>
+              <a:rPr lang="en-US" sz="3200" dirty="0" smtClean="0"/>
+              <a:t>that </a:t>
             </a:r>
             <a:r>
               <a:rPr lang="en-US" sz="3200" dirty="0" smtClean="0"/>
@@ -5297,10 +5298,14 @@
           <a:lstStyle/>
           <a:p>
             <a:r>
-              <a:rPr lang="en-US" dirty="0" err="1" smtClean="0"/>
+              <a:rPr lang="en-US" b="1" dirty="0" err="1" smtClean="0"/>
               <a:t>BackGround</a:t>
             </a:r>
-            <a:endParaRPr lang="en-US" dirty="0"/>
+            <a:r>
+              <a:rPr lang="en-US" b="1" dirty="0" smtClean="0"/>
+              <a:t> &amp; Goal</a:t>
+            </a:r>
+            <a:endParaRPr lang="en-US" b="1" dirty="0"/>
           </a:p>
         </p:txBody>
       </p:sp>
@@ -5316,8 +5321,8 @@
         </p:nvSpPr>
         <p:spPr>
           <a:xfrm>
-            <a:off x="1143001" y="13942088"/>
-            <a:ext cx="12801600" cy="7126787"/>
+            <a:off x="1143001" y="13935525"/>
+            <a:ext cx="12801600" cy="16025293"/>
           </a:xfrm>
           <a:ln w="3175">
             <a:solidFill>
@@ -5327,7 +5332,7 @@
         </p:spPr>
         <p:txBody>
           <a:bodyPr>
-            <a:normAutofit/>
+            <a:normAutofit lnSpcReduction="10000"/>
           </a:bodyPr>
           <a:lstStyle/>
           <a:p>
@@ -5338,12 +5343,32 @@
               <a:buNone/>
             </a:pPr>
             <a:r>
-              <a:rPr lang="en-US" dirty="0" smtClean="0"/>
-              <a:t>One of the major issues when working with LRLs is that large collections of data, e.g. speech recordings, are simply not available. Such data is, however, essential for the training of acoustic models in speech recognizers</a:t>
-            </a:r>
-            <a:r>
-              <a:rPr lang="en-US" dirty="0" smtClean="0"/>
-              <a:t>.</a:t>
+              <a:rPr lang="en-US" sz="3200" dirty="0" smtClean="0"/>
+              <a:t>Speech recognition </a:t>
+            </a:r>
+            <a:r>
+              <a:rPr lang="en-US" sz="3200" dirty="0" smtClean="0"/>
+              <a:t>interfaces can be extremely beneficial for applications in the developing world, particularly in communities where </a:t>
+            </a:r>
+            <a:r>
+              <a:rPr lang="en-US" sz="3200" dirty="0" smtClean="0"/>
+              <a:t>literacy </a:t>
+            </a:r>
+            <a:r>
+              <a:rPr lang="en-US" sz="3200" dirty="0" smtClean="0"/>
+              <a:t>rates are low or where </a:t>
+            </a:r>
+            <a:r>
+              <a:rPr lang="en-US" sz="3200" dirty="0" smtClean="0"/>
+              <a:t>PCs/internet </a:t>
+            </a:r>
+            <a:r>
+              <a:rPr lang="en-US" sz="3200" dirty="0" smtClean="0"/>
+              <a:t>connections are not always </a:t>
+            </a:r>
+            <a:r>
+              <a:rPr lang="en-US" sz="3200" dirty="0" smtClean="0"/>
+              <a:t>available [1, 2].</a:t>
             </a:r>
           </a:p>
           <a:p>
@@ -5353,7 +5378,7 @@
               </a:spcBef>
               <a:buNone/>
             </a:pPr>
-            <a:endParaRPr lang="en-US" sz="100" dirty="0" smtClean="0"/>
+            <a:endParaRPr lang="en-US" sz="3200" dirty="0" smtClean="0"/>
           </a:p>
           <a:p>
             <a:pPr marL="0">
@@ -5362,7 +5387,34 @@
               </a:spcBef>
               <a:buNone/>
             </a:pPr>
-            <a:endParaRPr lang="en-US" sz="100" dirty="0" smtClean="0"/>
+            <a:r>
+              <a:rPr lang="en-US" sz="3200" dirty="0" smtClean="0"/>
+              <a:t>Unfortunately, large speech corpora are </a:t>
+            </a:r>
+            <a:r>
+              <a:rPr lang="en-US" sz="3200" dirty="0" smtClean="0"/>
+              <a:t>simply not </a:t>
+            </a:r>
+            <a:r>
+              <a:rPr lang="en-US" sz="3200" dirty="0" smtClean="0"/>
+              <a:t>available for the LRLs spoken in such communities. </a:t>
+            </a:r>
+            <a:r>
+              <a:rPr lang="en-US" sz="3200" dirty="0" smtClean="0"/>
+              <a:t>Such data is, however, </a:t>
+            </a:r>
+            <a:r>
+              <a:rPr lang="en-US" sz="3200" dirty="0" smtClean="0"/>
+              <a:t>essential for </a:t>
+            </a:r>
+            <a:r>
+              <a:rPr lang="en-US" sz="3200" dirty="0" smtClean="0"/>
+              <a:t>the training of acoustic models in speech </a:t>
+            </a:r>
+            <a:r>
+              <a:rPr lang="en-US" sz="3200" dirty="0" smtClean="0"/>
+              <a:t>recognizers. </a:t>
+            </a:r>
           </a:p>
           <a:p>
             <a:pPr marL="0">
@@ -5371,7 +5423,7 @@
               </a:spcBef>
               <a:buNone/>
             </a:pPr>
-            <a:endParaRPr lang="en-US" sz="100" dirty="0" smtClean="0"/>
+            <a:endParaRPr lang="en-US" sz="3200" dirty="0" smtClean="0"/>
           </a:p>
           <a:p>
             <a:pPr marL="0">
@@ -5380,7 +5432,30 @@
               </a:spcBef>
               <a:buNone/>
             </a:pPr>
-            <a:endParaRPr lang="en-US" sz="100" dirty="0" smtClean="0"/>
+            <a:r>
+              <a:rPr lang="en-US" sz="3200" dirty="0" smtClean="0"/>
+              <a:t>However</a:t>
+            </a:r>
+            <a:r>
+              <a:rPr lang="en-US" sz="3200" dirty="0" smtClean="0"/>
+              <a:t>, for small-vocabulary applications (requiring recognition of a few dozen terms), we can use </a:t>
+            </a:r>
+            <a:r>
+              <a:rPr lang="en-US" sz="3200" dirty="0" smtClean="0"/>
+              <a:t>an existing recognizer trained </a:t>
+            </a:r>
+            <a:r>
+              <a:rPr lang="en-US" sz="3200" dirty="0" smtClean="0"/>
+              <a:t>for a </a:t>
+            </a:r>
+            <a:r>
+              <a:rPr lang="en-US" sz="3200" dirty="0" smtClean="0"/>
+              <a:t>HRL (e.g. the American English recognition engine of the Microsoft Speech Platform [3]) </a:t>
+            </a:r>
+            <a:r>
+              <a:rPr lang="en-US" sz="3200" dirty="0" smtClean="0"/>
+              <a:t>to accomplish recognition. </a:t>
+            </a:r>
           </a:p>
           <a:p>
             <a:pPr marL="0">
@@ -5389,7 +5464,7 @@
               </a:spcBef>
               <a:buNone/>
             </a:pPr>
-            <a:endParaRPr lang="en-US" sz="100" dirty="0" smtClean="0"/>
+            <a:endParaRPr lang="en-US" sz="3200" dirty="0" smtClean="0"/>
           </a:p>
           <a:p>
             <a:pPr marL="0">
@@ -5398,7 +5473,34 @@
               </a:spcBef>
               <a:buNone/>
             </a:pPr>
-            <a:endParaRPr lang="en-US" sz="100" dirty="0" smtClean="0"/>
+            <a:r>
+              <a:rPr lang="en-US" sz="3200" dirty="0" smtClean="0"/>
+              <a:t>The </a:t>
+            </a:r>
+            <a:r>
+              <a:rPr lang="en-US" sz="3200" dirty="0" smtClean="0"/>
+              <a:t>idea is to feed the engine </a:t>
+            </a:r>
+            <a:r>
+              <a:rPr lang="en-US" sz="3200" dirty="0" smtClean="0"/>
+              <a:t>with a </a:t>
+            </a:r>
+            <a:r>
+              <a:rPr lang="en-US" sz="3200" dirty="0" smtClean="0"/>
+              <a:t>pronunciation lexicon </a:t>
+            </a:r>
+            <a:r>
+              <a:rPr lang="en-US" sz="3200" dirty="0" smtClean="0"/>
+              <a:t>mapping </a:t>
+            </a:r>
+            <a:r>
+              <a:rPr lang="en-US" sz="3200" dirty="0" smtClean="0"/>
+              <a:t>each term in the target vocabulary to one or more sequences of phonemes in the HRL, i.e. phonemes which the recognizer can </a:t>
+            </a:r>
+            <a:r>
+              <a:rPr lang="en-US" sz="3200" dirty="0" smtClean="0"/>
+              <a:t>model.</a:t>
+            </a:r>
           </a:p>
           <a:p>
             <a:pPr marL="0">
@@ -5407,7 +5509,7 @@
               </a:spcBef>
               <a:buNone/>
             </a:pPr>
-            <a:endParaRPr lang="en-US" sz="100" dirty="0" smtClean="0"/>
+            <a:endParaRPr lang="en-US" sz="3200" dirty="0" smtClean="0"/>
           </a:p>
           <a:p>
             <a:pPr marL="0">
@@ -5416,7 +5518,7 @@
               </a:spcBef>
               <a:buNone/>
             </a:pPr>
-            <a:endParaRPr lang="en-US" sz="100" dirty="0" smtClean="0"/>
+            <a:endParaRPr lang="en-US" sz="3200" dirty="0" smtClean="0"/>
           </a:p>
           <a:p>
             <a:pPr marL="0">
@@ -5425,205 +5527,21 @@
               </a:spcBef>
               <a:buNone/>
             </a:pPr>
-            <a:endParaRPr lang="en-US" sz="100" dirty="0" smtClean="0"/>
-          </a:p>
-          <a:p>
-            <a:pPr marL="0">
-              <a:spcBef>
-                <a:spcPts val="0"/>
-              </a:spcBef>
-              <a:buNone/>
-            </a:pPr>
-            <a:endParaRPr lang="en-US" sz="100" dirty="0" smtClean="0"/>
-          </a:p>
-          <a:p>
-            <a:pPr marL="0">
-              <a:spcBef>
-                <a:spcPts val="0"/>
-              </a:spcBef>
-              <a:buNone/>
-            </a:pPr>
-            <a:endParaRPr lang="en-US" sz="100" dirty="0" smtClean="0"/>
-          </a:p>
-          <a:p>
-            <a:pPr marL="0">
-              <a:spcBef>
-                <a:spcPts val="0"/>
-              </a:spcBef>
-              <a:buNone/>
-            </a:pPr>
-            <a:endParaRPr lang="en-US" sz="100" dirty="0" smtClean="0"/>
-          </a:p>
-          <a:p>
-            <a:pPr marL="0">
-              <a:spcBef>
-                <a:spcPts val="0"/>
-              </a:spcBef>
-              <a:buNone/>
-            </a:pPr>
-            <a:endParaRPr lang="en-US" sz="100" dirty="0" smtClean="0"/>
-          </a:p>
-          <a:p>
-            <a:pPr marL="0">
-              <a:spcBef>
-                <a:spcPts val="0"/>
-              </a:spcBef>
-              <a:buNone/>
-            </a:pPr>
-            <a:endParaRPr lang="en-US" sz="100" dirty="0" smtClean="0"/>
-          </a:p>
-          <a:p>
-            <a:pPr marL="0">
-              <a:spcBef>
-                <a:spcPts val="0"/>
-              </a:spcBef>
-              <a:buNone/>
-            </a:pPr>
-            <a:endParaRPr lang="en-US" sz="100" dirty="0" smtClean="0"/>
-          </a:p>
-          <a:p>
-            <a:pPr marL="0">
-              <a:spcBef>
-                <a:spcPts val="0"/>
-              </a:spcBef>
-              <a:buNone/>
-            </a:pPr>
-            <a:r>
-              <a:rPr lang="en-US" sz="100" dirty="0" smtClean="0"/>
-              <a:t/>
-            </a:r>
-            <a:br>
-              <a:rPr lang="en-US" sz="100" dirty="0" smtClean="0"/>
-            </a:br>
-            <a:r>
-              <a:rPr lang="en-US" dirty="0" smtClean="0"/>
-              <a:t>However, for small-vocabulary applications (requiring recognition of a few dozen terms), we can use an existing, </a:t>
-            </a:r>
-            <a:r>
-              <a:rPr lang="en-US" dirty="0" smtClean="0"/>
-              <a:t> </a:t>
-            </a:r>
-            <a:r>
-              <a:rPr lang="en-US" dirty="0" smtClean="0"/>
-              <a:t>trained recognizer for a HRL such as </a:t>
-            </a:r>
-            <a:r>
-              <a:rPr lang="en-US" dirty="0" smtClean="0"/>
-              <a:t>English (e.g. the Microsoft Speech Platform recognition engine [3]) </a:t>
-            </a:r>
-            <a:r>
-              <a:rPr lang="en-US" dirty="0" smtClean="0"/>
-              <a:t>to accomplish recognition. The idea is to feed the engine </a:t>
-            </a:r>
-            <a:r>
-              <a:rPr lang="en-US" dirty="0" smtClean="0"/>
-              <a:t>with a </a:t>
-            </a:r>
-            <a:r>
-              <a:rPr lang="en-US" dirty="0" smtClean="0"/>
-              <a:t>pronunciation </a:t>
-            </a:r>
-            <a:r>
-              <a:rPr lang="en-US" dirty="0" smtClean="0"/>
-              <a:t>lexicon </a:t>
-            </a:r>
-            <a:r>
-              <a:rPr lang="en-US" dirty="0" smtClean="0"/>
-              <a:t>generated by </a:t>
-            </a:r>
-            <a:r>
-              <a:rPr lang="en-US" dirty="0" smtClean="0"/>
-              <a:t>lex4all.</a:t>
-            </a:r>
-          </a:p>
-          <a:p>
-            <a:pPr marL="0">
-              <a:spcBef>
-                <a:spcPts val="0"/>
-              </a:spcBef>
-              <a:buNone/>
-            </a:pPr>
-            <a:endParaRPr lang="en-US" dirty="0" smtClean="0"/>
-          </a:p>
-          <a:p>
-            <a:pPr marL="0">
-              <a:spcBef>
-                <a:spcPts val="0"/>
-              </a:spcBef>
-              <a:buNone/>
-            </a:pPr>
-            <a:endParaRPr lang="en-US" sz="100" dirty="0" smtClean="0"/>
-          </a:p>
-          <a:p>
-            <a:pPr marL="0">
-              <a:spcBef>
-                <a:spcPts val="0"/>
-              </a:spcBef>
-              <a:buNone/>
-            </a:pPr>
-            <a:endParaRPr lang="en-US" sz="100" dirty="0" smtClean="0"/>
-          </a:p>
-          <a:p>
-            <a:pPr marL="0">
-              <a:spcBef>
-                <a:spcPts val="0"/>
-              </a:spcBef>
-              <a:buNone/>
-            </a:pPr>
-            <a:endParaRPr lang="en-US" sz="100" dirty="0" smtClean="0"/>
-          </a:p>
-          <a:p>
-            <a:pPr marL="0">
-              <a:spcBef>
-                <a:spcPts val="0"/>
-              </a:spcBef>
-              <a:buNone/>
-            </a:pPr>
-            <a:endParaRPr lang="en-US" sz="100" dirty="0" smtClean="0"/>
-          </a:p>
-          <a:p>
-            <a:pPr marL="0">
-              <a:spcBef>
-                <a:spcPts val="0"/>
-              </a:spcBef>
-              <a:buNone/>
-            </a:pPr>
-            <a:endParaRPr lang="en-US" sz="100" dirty="0" smtClean="0"/>
-          </a:p>
-          <a:p>
-            <a:pPr marL="0">
-              <a:spcBef>
-                <a:spcPts val="0"/>
-              </a:spcBef>
-              <a:buNone/>
-            </a:pPr>
-            <a:endParaRPr lang="en-US" sz="100" dirty="0" smtClean="0"/>
-          </a:p>
-          <a:p>
-            <a:pPr marL="0">
-              <a:spcBef>
-                <a:spcPts val="0"/>
-              </a:spcBef>
-              <a:buNone/>
-            </a:pPr>
-            <a:endParaRPr lang="en-US" sz="100" dirty="0" smtClean="0"/>
-          </a:p>
-          <a:p>
-            <a:pPr marL="0">
-              <a:spcBef>
-                <a:spcPts val="0"/>
-              </a:spcBef>
-              <a:buNone/>
-            </a:pPr>
-            <a:endParaRPr lang="en-US" sz="100" dirty="0" smtClean="0"/>
-          </a:p>
-          <a:p>
-            <a:pPr>
-              <a:buNone/>
-            </a:pPr>
-            <a:r>
-              <a:rPr lang="en-US" dirty="0" smtClean="0"/>
-              <a:t>The recognition task requires:</a:t>
+            <a:r>
+              <a:rPr lang="en-US" sz="3200" dirty="0" smtClean="0"/>
+              <a:t>The </a:t>
+            </a:r>
+            <a:r>
+              <a:rPr lang="en-US" sz="3200" dirty="0" smtClean="0"/>
+              <a:t>recognition </a:t>
+            </a:r>
+            <a:r>
+              <a:rPr lang="en-US" sz="3200" dirty="0" smtClean="0"/>
+              <a:t>task requires</a:t>
+            </a:r>
+            <a:r>
+              <a:rPr lang="en-US" sz="3200" dirty="0" smtClean="0"/>
+              <a:t>:</a:t>
             </a:r>
           </a:p>
           <a:p>
@@ -5633,7 +5551,7 @@
               </a:buClr>
             </a:pPr>
             <a:r>
-              <a:rPr lang="en-US" sz="2400" dirty="0" smtClean="0"/>
+              <a:rPr lang="en-US" dirty="0" smtClean="0"/>
               <a:t>audio input in the target LRL</a:t>
             </a:r>
           </a:p>
@@ -5644,7 +5562,7 @@
               </a:buClr>
             </a:pPr>
             <a:r>
-              <a:rPr lang="en-US" sz="2400" dirty="0" smtClean="0"/>
+              <a:rPr lang="en-US" dirty="0" smtClean="0"/>
               <a:t>application-specific grammar</a:t>
             </a:r>
           </a:p>
@@ -5655,8 +5573,8 @@
               </a:buClr>
             </a:pPr>
             <a:r>
-              <a:rPr lang="en-US" sz="2400" dirty="0" smtClean="0"/>
-              <a:t>lexicon for the words in the grammar</a:t>
+              <a:rPr lang="en-US" dirty="0" smtClean="0"/>
+              <a:t>lexicon for terms in grammar</a:t>
             </a:r>
           </a:p>
           <a:p>
@@ -5666,18 +5584,50 @@
               </a:buClr>
             </a:pPr>
             <a:r>
-              <a:rPr lang="en-US" sz="2400" dirty="0" smtClean="0"/>
-              <a:t>existing  recognition engine for the HRL</a:t>
+              <a:rPr lang="en-US" dirty="0" smtClean="0"/>
+              <a:t>recognition engine for the HRL</a:t>
             </a:r>
           </a:p>
           <a:p>
             <a:pPr marL="0">
               <a:buNone/>
             </a:pPr>
-            <a:endParaRPr lang="en-US" dirty="0" smtClean="0"/>
-          </a:p>
-          <a:p>
-            <a:endParaRPr lang="en-US" dirty="0"/>
+            <a:endParaRPr lang="en-US" sz="3200" dirty="0" smtClean="0"/>
+          </a:p>
+          <a:p>
+            <a:pPr marL="0">
+              <a:buNone/>
+            </a:pPr>
+            <a:endParaRPr lang="en-US" sz="3200" dirty="0"/>
+          </a:p>
+          <a:p>
+            <a:pPr marL="0">
+              <a:buNone/>
+            </a:pPr>
+            <a:r>
+              <a:rPr lang="en-US" sz="3200" dirty="0" smtClean="0"/>
+              <a:t>Given a tool for automatically creating such lexicons, small-scale developers could add speech </a:t>
+            </a:r>
+            <a:r>
+              <a:rPr lang="en-US" sz="3200" dirty="0" smtClean="0"/>
+              <a:t>interfaces to applications in any language without large audio collections or expertise in speech technology. </a:t>
+            </a:r>
+          </a:p>
+          <a:p>
+            <a:pPr marL="0">
+              <a:buNone/>
+            </a:pPr>
+            <a:endParaRPr lang="en-US" sz="3200" dirty="0" smtClean="0"/>
+          </a:p>
+          <a:p>
+            <a:pPr marL="0">
+              <a:buNone/>
+            </a:pPr>
+            <a:r>
+              <a:rPr lang="en-US" sz="3200" dirty="0" smtClean="0"/>
+              <a:t>This is the motivation behind lex4all, a desktop application for Windows based on the Microsoft Speech Platform [3] and the Salaam algorithm for pronunciation mapping [1, 2] (see “Algorithm”).</a:t>
+            </a:r>
+            <a:endParaRPr lang="en-US" sz="3200" dirty="0" smtClean="0"/>
           </a:p>
         </p:txBody>
       </p:sp>
@@ -5693,7 +5643,7 @@
         </p:nvSpPr>
         <p:spPr>
           <a:xfrm>
-            <a:off x="1143000" y="21888450"/>
+            <a:off x="15544800" y="5852160"/>
             <a:ext cx="12801600" cy="1219200"/>
           </a:xfrm>
           <a:prstGeom prst="round1Rect">
@@ -5715,10 +5665,10 @@
           <a:lstStyle/>
           <a:p>
             <a:r>
-              <a:rPr lang="en-US" dirty="0" smtClean="0"/>
+              <a:rPr lang="en-US" b="1" dirty="0" smtClean="0"/>
               <a:t>System overview</a:t>
             </a:r>
-            <a:endParaRPr lang="en-US" dirty="0"/>
+            <a:endParaRPr lang="en-US" b="1" dirty="0"/>
           </a:p>
         </p:txBody>
       </p:sp>
@@ -5734,8 +5684,8 @@
         </p:nvSpPr>
         <p:spPr>
           <a:xfrm>
-            <a:off x="1143000" y="23113746"/>
-            <a:ext cx="12801600" cy="6909054"/>
+            <a:off x="15544800" y="7079995"/>
+            <a:ext cx="12801600" cy="7018421"/>
           </a:xfrm>
           <a:ln w="3175">
             <a:solidFill>
@@ -5751,7 +5701,7 @@
               <a:buNone/>
             </a:pPr>
             <a:r>
-              <a:rPr lang="en-US" dirty="0" smtClean="0"/>
+              <a:rPr lang="en-US" baseline="30000" dirty="0" smtClean="0"/>
               <a:t> </a:t>
             </a:r>
           </a:p>
@@ -5769,7 +5719,7 @@
         </p:nvSpPr>
         <p:spPr>
           <a:xfrm>
-            <a:off x="15544800" y="5852160"/>
+            <a:off x="15544800" y="14679636"/>
             <a:ext cx="12801600" cy="1219200"/>
           </a:xfrm>
           <a:prstGeom prst="round1Rect">
@@ -5791,10 +5741,10 @@
           <a:lstStyle/>
           <a:p>
             <a:r>
-              <a:rPr lang="en-US" dirty="0" smtClean="0"/>
+              <a:rPr lang="en-US" b="1" dirty="0" smtClean="0"/>
               <a:t>Algorithm</a:t>
             </a:r>
-            <a:endParaRPr lang="en-US" dirty="0"/>
+            <a:endParaRPr lang="en-US" b="1" dirty="0"/>
           </a:p>
         </p:txBody>
       </p:sp>
@@ -5810,7 +5760,7 @@
         </p:nvSpPr>
         <p:spPr>
           <a:xfrm>
-            <a:off x="15544800" y="7071360"/>
+            <a:off x="15544800" y="15898836"/>
             <a:ext cx="12801600" cy="8255726"/>
           </a:xfrm>
           <a:ln w="3175">
@@ -5821,7 +5771,7 @@
         </p:spPr>
         <p:txBody>
           <a:bodyPr>
-            <a:normAutofit/>
+            <a:noAutofit/>
           </a:bodyPr>
           <a:lstStyle/>
           <a:p>
@@ -5832,26 +5782,26 @@
               <a:buNone/>
             </a:pPr>
             <a:r>
-              <a:rPr lang="en-US" dirty="0" smtClean="0"/>
-              <a:t>The backend of lex4all uses the </a:t>
-            </a:r>
-            <a:r>
-              <a:rPr lang="en-US" dirty="0" smtClean="0"/>
+              <a:rPr lang="en-US" sz="3200" dirty="0" smtClean="0"/>
+              <a:t>We use the </a:t>
+            </a:r>
+            <a:r>
+              <a:rPr lang="en-US" sz="3200" dirty="0" smtClean="0"/>
               <a:t>Salaam </a:t>
             </a:r>
             <a:r>
-              <a:rPr lang="en-US" dirty="0" smtClean="0"/>
+              <a:rPr lang="en-US" sz="3200" dirty="0" smtClean="0"/>
               <a:t>method </a:t>
             </a:r>
             <a:r>
-              <a:rPr lang="en-US" dirty="0" smtClean="0"/>
+              <a:rPr lang="en-US" sz="3200" dirty="0" smtClean="0"/>
               <a:t>[1, 2] </a:t>
             </a:r>
             <a:r>
-              <a:rPr lang="en-US" dirty="0" smtClean="0"/>
+              <a:rPr lang="en-US" sz="3200" dirty="0" smtClean="0"/>
               <a:t>for the automatic discovery of the best pronunciation sequence for each word in the target vocabulary.</a:t>
             </a:r>
-            <a:endParaRPr lang="en-US" dirty="0" smtClean="0"/>
+            <a:endParaRPr lang="en-US" sz="3200" dirty="0" smtClean="0"/>
           </a:p>
           <a:p>
             <a:pPr marL="0" indent="0">
@@ -5860,7 +5810,7 @@
               </a:buClr>
               <a:buNone/>
             </a:pPr>
-            <a:endParaRPr lang="en-US" sz="1200" dirty="0" smtClean="0"/>
+            <a:endParaRPr lang="en-US" sz="1000" dirty="0" smtClean="0"/>
           </a:p>
           <a:p>
             <a:pPr marL="0" indent="0">
@@ -5870,7 +5820,7 @@
               <a:buNone/>
             </a:pPr>
             <a:r>
-              <a:rPr lang="en-US" b="1" dirty="0" smtClean="0"/>
+              <a:rPr lang="en-US" sz="3200" b="1" dirty="0" smtClean="0"/>
               <a:t>The Salaam method [1, 2]:</a:t>
             </a:r>
           </a:p>
@@ -5881,13 +5831,14 @@
               </a:buClr>
             </a:pPr>
             <a:r>
-              <a:rPr lang="en-US" dirty="0" smtClean="0"/>
-              <a:t>A “super-wildcard” grammar </a:t>
-            </a:r>
-            <a:r>
-              <a:rPr lang="en-US" dirty="0" smtClean="0"/>
-              <a:t>instructs the recognizer to treat each audio sample as a “phrase” consisting of 0-10 “words”, where each “word” is a sequence of 1-3 source-language phonemes, i.e.:</a:t>
-            </a:r>
+              <a:rPr lang="en-US" sz="3200" i="1" dirty="0" smtClean="0"/>
+              <a:t>“S</a:t>
+            </a:r>
+            <a:r>
+              <a:rPr lang="en-US" sz="3200" i="1" dirty="0" smtClean="0"/>
+              <a:t>uper-wildcard” grammar:</a:t>
+            </a:r>
+            <a:endParaRPr lang="en-US" sz="3200" i="1" dirty="0" smtClean="0"/>
           </a:p>
           <a:p>
             <a:pPr>
@@ -5895,8 +5846,23 @@
                 <a:schemeClr val="accent4"/>
               </a:buClr>
               <a:buNone/>
+              <a:tabLst>
+                <a:tab pos="457200" algn="l"/>
+                <a:tab pos="914400" algn="l"/>
+              </a:tabLst>
             </a:pPr>
-            <a:endParaRPr lang="en-US" dirty="0" smtClean="0"/>
+            <a:r>
+              <a:rPr lang="en-US" sz="3200" dirty="0" smtClean="0"/>
+              <a:t>	</a:t>
+            </a:r>
+            <a:r>
+              <a:rPr lang="en-US" sz="3200" dirty="0" smtClean="0"/>
+              <a:t>	</a:t>
+            </a:r>
+            <a:r>
+              <a:rPr lang="en-US" dirty="0" smtClean="0"/>
+              <a:t>Instructs the recognizer to treat each audio sample as a “phrase” consisting of 0-10 “words”, where each “word” is a sequence of 1-3 source-language phonemes, i.e.:</a:t>
+            </a:r>
           </a:p>
           <a:p>
             <a:pPr>
@@ -5905,6 +5871,15 @@
               </a:buClr>
               <a:buNone/>
             </a:pPr>
+            <a:endParaRPr lang="en-US" sz="1600" dirty="0" smtClean="0"/>
+          </a:p>
+          <a:p>
+            <a:pPr>
+              <a:buClr>
+                <a:schemeClr val="accent4"/>
+              </a:buClr>
+              <a:buNone/>
+            </a:pPr>
             <a:r>
               <a:rPr lang="en-US" dirty="0" smtClean="0"/>
               <a:t>	</a:t>
@@ -5913,6 +5888,7 @@
               <a:rPr lang="en-US" dirty="0" smtClean="0"/>
               <a:t>where * represents a single phoneme of the source language.</a:t>
             </a:r>
+            <a:endParaRPr lang="en-US" sz="3200" dirty="0" smtClean="0"/>
           </a:p>
           <a:p>
             <a:pPr>
@@ -5921,9 +5897,46 @@
               </a:buClr>
             </a:pPr>
             <a:r>
-              <a:rPr lang="en-US" dirty="0" smtClean="0"/>
-              <a:t>An iterative training algorithm uses the HRL recognizer and the “super-wildcard” grammar to discover the best pronunciation sequence(s) for each word in the target  (low-resource) language vocabulary, one phoneme at a time</a:t>
-            </a:r>
+              <a:rPr lang="en-US" sz="3200" i="1" dirty="0" smtClean="0"/>
+              <a:t>I</a:t>
+            </a:r>
+            <a:r>
+              <a:rPr lang="en-US" sz="3200" i="1" dirty="0" smtClean="0"/>
+              <a:t>terative training algorithm </a:t>
+            </a:r>
+          </a:p>
+          <a:p>
+            <a:pPr>
+              <a:buClr>
+                <a:schemeClr val="accent4"/>
+              </a:buClr>
+              <a:buNone/>
+              <a:tabLst>
+                <a:tab pos="457200" algn="l"/>
+                <a:tab pos="914400" algn="l"/>
+              </a:tabLst>
+            </a:pPr>
+            <a:r>
+              <a:rPr lang="en-US" sz="3200" dirty="0" smtClean="0"/>
+              <a:t>		</a:t>
+            </a:r>
+            <a:r>
+              <a:rPr lang="en-US" dirty="0" smtClean="0"/>
+              <a:t>Uses this grammar and the HRL recognizer to discover the best pronunciation sequence(s) for each word in the target vocabulary, one phoneme at a time</a:t>
+            </a:r>
+          </a:p>
+          <a:p>
+            <a:pPr>
+              <a:buClr>
+                <a:schemeClr val="accent4"/>
+              </a:buClr>
+              <a:buNone/>
+              <a:tabLst>
+                <a:tab pos="457200" algn="l"/>
+                <a:tab pos="914400" algn="l"/>
+              </a:tabLst>
+            </a:pPr>
+            <a:endParaRPr lang="en-US" sz="600" dirty="0" smtClean="0"/>
           </a:p>
           <a:p>
             <a:pPr>
@@ -5932,10 +5945,10 @@
               </a:buClr>
             </a:pPr>
             <a:r>
-              <a:rPr lang="en-US" dirty="0" smtClean="0"/>
-              <a:t>The automatically generated pronunciations yield higher recognition accuracy than pronunciations hand-written by expert linguists [1]</a:t>
-            </a:r>
-            <a:endParaRPr lang="en-US" dirty="0" smtClean="0"/>
+              <a:rPr lang="en-US" sz="3200" dirty="0" smtClean="0"/>
+              <a:t>Yields more accurate recognition than expert-written pronunciations[1]</a:t>
+            </a:r>
+            <a:endParaRPr lang="en-US" sz="3200" dirty="0" smtClean="0"/>
           </a:p>
         </p:txBody>
       </p:sp>
@@ -5951,7 +5964,7 @@
         </p:nvSpPr>
         <p:spPr>
           <a:xfrm>
-            <a:off x="15544800" y="17302657"/>
+            <a:off x="29876818" y="5845303"/>
             <a:ext cx="12801600" cy="1219200"/>
           </a:xfrm>
           <a:prstGeom prst="round1Rect">
@@ -5959,9 +5972,12 @@
               <a:gd name="adj" fmla="val 0"/>
             </a:avLst>
           </a:prstGeom>
+          <a:solidFill>
+            <a:schemeClr val="accent3"/>
+          </a:solidFill>
           <a:ln w="3175">
             <a:solidFill>
-              <a:schemeClr val="accent6"/>
+              <a:schemeClr val="accent3"/>
             </a:solidFill>
           </a:ln>
         </p:spPr>
@@ -5970,10 +5986,10 @@
           <a:lstStyle/>
           <a:p>
             <a:r>
-              <a:rPr lang="en-US" dirty="0" smtClean="0"/>
+              <a:rPr lang="en-US" b="1" dirty="0" smtClean="0"/>
               <a:t>Challenge: Running time</a:t>
             </a:r>
-            <a:endParaRPr lang="en-US" dirty="0"/>
+            <a:endParaRPr lang="en-US" b="1" dirty="0"/>
           </a:p>
         </p:txBody>
       </p:sp>
@@ -5989,8 +6005,8 @@
         </p:nvSpPr>
         <p:spPr>
           <a:xfrm>
-            <a:off x="15544800" y="18540248"/>
-            <a:ext cx="12801600" cy="11482552"/>
+            <a:off x="29876818" y="7082893"/>
+            <a:ext cx="12801600" cy="12285761"/>
           </a:xfrm>
           <a:ln w="3175">
             <a:solidFill>
@@ -6076,14 +6092,39 @@
               <a:rPr lang="en-US" sz="2800" u="sng" dirty="0" smtClean="0"/>
               <a:t>2-5 minutes</a:t>
             </a:r>
+            <a:r>
+              <a:rPr lang="en-US" sz="2800" dirty="0" smtClean="0"/>
+              <a:t> (≈20x </a:t>
+            </a:r>
+            <a:r>
+              <a:rPr lang="en-US" sz="2800" dirty="0" smtClean="0"/>
+              <a:t>faster)</a:t>
+            </a:r>
+            <a:endParaRPr lang="en-US" sz="2800" u="sng" dirty="0" smtClean="0"/>
+          </a:p>
+          <a:p>
+            <a:r>
+              <a:rPr lang="en-US" sz="3200" dirty="0" smtClean="0"/>
+              <a:t>Evaluation</a:t>
+            </a:r>
           </a:p>
           <a:p>
             <a:pPr lvl="1"/>
             <a:r>
               <a:rPr lang="en-US" sz="2800" dirty="0" smtClean="0"/>
-              <a:t>Result: ≈20x faster training, no significant drop in recognition accuracy</a:t>
-            </a:r>
-            <a:endParaRPr lang="en-US" dirty="0"/>
+              <a:t>Tested on Yoruba data (25 words, 2 speakers, 5 samples/word/speaker)</a:t>
+            </a:r>
+          </a:p>
+          <a:p>
+            <a:pPr lvl="1"/>
+            <a:r>
+              <a:rPr lang="en-US" sz="2800" dirty="0" smtClean="0"/>
+              <a:t>Result: n</a:t>
+            </a:r>
+            <a:r>
+              <a:rPr lang="en-US" sz="2800" dirty="0" smtClean="0"/>
+              <a:t>o significant drop in recognition accuracy (see Figure 1)</a:t>
+            </a:r>
           </a:p>
         </p:txBody>
       </p:sp>
@@ -6099,7 +6140,7 @@
         </p:nvSpPr>
         <p:spPr>
           <a:xfrm>
-            <a:off x="29900880" y="5852160"/>
+            <a:off x="15535545" y="24663707"/>
             <a:ext cx="12801600" cy="1219200"/>
           </a:xfrm>
           <a:prstGeom prst="round1Rect">
@@ -6121,10 +6162,10 @@
           <a:lstStyle/>
           <a:p>
             <a:r>
-              <a:rPr lang="en-US" dirty="0" smtClean="0"/>
+              <a:rPr lang="en-US" b="1" dirty="0" smtClean="0"/>
               <a:t>Additional Features</a:t>
             </a:r>
-            <a:endParaRPr lang="en-US" dirty="0"/>
+            <a:endParaRPr lang="en-US" b="1" dirty="0"/>
           </a:p>
         </p:txBody>
       </p:sp>
@@ -6144,7 +6185,7 @@
           </p:nvPr>
         </p:nvGraphicFramePr>
         <p:xfrm>
-          <a:off x="16390841" y="24949308"/>
+          <a:off x="30764423" y="14697300"/>
           <a:ext cx="11060678" cy="5047827"/>
         </p:xfrm>
         <a:graphic>
@@ -6165,7 +6206,7 @@
         </p:nvSpPr>
         <p:spPr>
           <a:xfrm>
-            <a:off x="29900880" y="24439406"/>
+            <a:off x="29900880" y="20079850"/>
             <a:ext cx="12801600" cy="1219200"/>
           </a:xfrm>
           <a:prstGeom prst="round1Rect">
@@ -6187,10 +6228,10 @@
           <a:lstStyle/>
           <a:p>
             <a:r>
-              <a:rPr lang="en-US" dirty="0" smtClean="0"/>
-              <a:t>conclusion</a:t>
-            </a:r>
-            <a:endParaRPr lang="en-US" dirty="0"/>
+              <a:rPr lang="en-US" b="1" dirty="0" smtClean="0"/>
+              <a:t>Conclusion &amp; Future Work</a:t>
+            </a:r>
+            <a:endParaRPr lang="en-US" b="1" dirty="0"/>
           </a:p>
         </p:txBody>
       </p:sp>
@@ -6206,8 +6247,8 @@
         </p:nvSpPr>
         <p:spPr>
           <a:xfrm>
-            <a:off x="29900880" y="25686327"/>
-            <a:ext cx="12801600" cy="4336473"/>
+            <a:off x="29900880" y="21322145"/>
+            <a:ext cx="12801600" cy="8700655"/>
           </a:xfrm>
           <a:ln w="3175">
             <a:solidFill>
@@ -6226,7 +6267,7 @@
             </a:pPr>
             <a:r>
               <a:rPr lang="en-US" sz="3200" dirty="0" smtClean="0"/>
-              <a:t>The lex4all tool enables the rapid and automatic creation of pronunciation lexicons in any low-resource language, using an out-of-the-box commercial recognition engine [3] for a high-resource language (English) and an existing algorithm for cross-language pronunciation mapping [1, 2].</a:t>
+              <a:t>The lex4all tool enables the rapid and automatic creation of pronunciation lexicons in any LRL, using an out-of-the-box commercial recognizer [3] for a HRL (English) and an existing algorithm for cross-language pronunciation mapping [1, 2].</a:t>
             </a:r>
           </a:p>
           <a:p>
@@ -6241,9 +6282,89 @@
             </a:pPr>
             <a:r>
               <a:rPr lang="en-US" sz="3200" dirty="0" smtClean="0"/>
-              <a:t>We hope that this tool will help developers to create speech interfaces for applications in low-resource languages, as well as facilitate research in small-vocabulary speech recognition for such languages.</a:t>
-            </a:r>
-            <a:endParaRPr lang="en-US" sz="3200" dirty="0"/>
+              <a:t>We hope that this tool will help developers create speech interfaces for applications in LRL, as well as facilitate research in small-vocabulary speech recognition for such languages.</a:t>
+            </a:r>
+            <a:endParaRPr lang="en-US" sz="100" dirty="0" smtClean="0"/>
+          </a:p>
+          <a:p>
+            <a:pPr marL="0">
+              <a:buNone/>
+            </a:pPr>
+            <a:endParaRPr lang="en-US" sz="100" dirty="0" smtClean="0"/>
+          </a:p>
+          <a:p>
+            <a:pPr marL="0">
+              <a:buNone/>
+            </a:pPr>
+            <a:endParaRPr lang="en-US" sz="100" dirty="0" smtClean="0"/>
+          </a:p>
+          <a:p>
+            <a:pPr>
+              <a:buClr>
+                <a:schemeClr val="accent3"/>
+              </a:buClr>
+              <a:buNone/>
+            </a:pPr>
+            <a:r>
+              <a:rPr lang="en-US" sz="3200" dirty="0" smtClean="0"/>
+              <a:t>Possible future extensions of the project include:</a:t>
+            </a:r>
+          </a:p>
+          <a:p>
+            <a:pPr>
+              <a:buClr>
+                <a:schemeClr val="accent3"/>
+              </a:buClr>
+            </a:pPr>
+            <a:r>
+              <a:rPr lang="en-US" sz="3200" b="1" dirty="0" smtClean="0"/>
+              <a:t>Online lexicon repository</a:t>
+            </a:r>
+          </a:p>
+          <a:p>
+            <a:pPr>
+              <a:buClr>
+                <a:schemeClr val="accent3"/>
+              </a:buClr>
+              <a:buNone/>
+            </a:pPr>
+            <a:r>
+              <a:rPr lang="en-US" sz="3200" dirty="0" smtClean="0"/>
+              <a:t>	</a:t>
+            </a:r>
+            <a:r>
+              <a:rPr lang="en-US" dirty="0" smtClean="0"/>
+              <a:t>Adding an option for users to upload created lexicons to an online repository would allow sharing and re-use of lexicons across languages/language families.</a:t>
+            </a:r>
+            <a:endParaRPr lang="en-US" sz="3200" dirty="0" smtClean="0"/>
+          </a:p>
+          <a:p>
+            <a:pPr>
+              <a:buClr>
+                <a:schemeClr val="accent3"/>
+              </a:buClr>
+            </a:pPr>
+            <a:r>
+              <a:rPr lang="en-US" sz="3200" b="1" dirty="0" smtClean="0"/>
+              <a:t>Additional source-language recognizers</a:t>
+            </a:r>
+          </a:p>
+          <a:p>
+            <a:pPr>
+              <a:buClr>
+                <a:schemeClr val="accent3"/>
+              </a:buClr>
+              <a:buNone/>
+            </a:pPr>
+            <a:r>
+              <a:rPr lang="en-US" sz="3200" dirty="0" smtClean="0"/>
+              <a:t>	</a:t>
+            </a:r>
+            <a:r>
+              <a:rPr lang="en-US" dirty="0" smtClean="0"/>
+              <a:t>Microsoft offers recognizers in over 20 languages [3]. Using a source language that is more similar to the target language could improve recognition accuracy.</a:t>
+            </a:r>
+            <a:endParaRPr lang="en-US" dirty="0"/>
           </a:p>
         </p:txBody>
       </p:sp>
@@ -6257,8 +6378,8 @@
         </p:nvSpPr>
         <p:spPr>
           <a:xfrm>
-            <a:off x="1143000" y="30632400"/>
-            <a:ext cx="41559163" cy="1565701"/>
+            <a:off x="1143001" y="30632400"/>
+            <a:ext cx="27161836" cy="1565701"/>
           </a:xfrm>
           <a:prstGeom prst="rect">
             <a:avLst/>
@@ -6271,7 +6392,7 @@
         </p:spPr>
         <p:txBody>
           <a:bodyPr vert="horz" lIns="365760" tIns="182880" rIns="91440" bIns="45720" rtlCol="0">
-            <a:normAutofit fontScale="85000" lnSpcReduction="20000"/>
+            <a:noAutofit/>
           </a:bodyPr>
           <a:lstStyle/>
           <a:p>
@@ -6279,9 +6400,6 @@
               <a:lnSpc>
                 <a:spcPct val="100000"/>
               </a:lnSpc>
-              <a:spcBef>
-                <a:spcPts val="1200"/>
-              </a:spcBef>
               <a:spcAft>
                 <a:spcPts val="0"/>
               </a:spcAft>
@@ -6295,7 +6413,7 @@
               <a:defRPr/>
             </a:pPr>
             <a:r>
-              <a:rPr kumimoji="0" lang="en-US" sz="2000" b="1" i="0" u="none" strike="noStrike" kern="1200" cap="none" spc="0" normalizeH="0" baseline="0" noProof="0" dirty="0" smtClean="0">
+              <a:rPr kumimoji="0" lang="en-US" sz="2800" b="1" i="0" u="none" strike="noStrike" kern="1200" cap="none" spc="0" normalizeH="0" baseline="0" noProof="0" dirty="0" smtClean="0">
                 <a:ln>
                   <a:noFill/>
                 </a:ln>
@@ -6308,7 +6426,7 @@
               </a:rPr>
               <a:t>References</a:t>
             </a:r>
-            <a:endParaRPr kumimoji="0" lang="en-US" sz="2000" b="0" i="0" u="none" strike="noStrike" kern="1200" cap="none" spc="0" normalizeH="0" baseline="0" noProof="0" dirty="0" smtClean="0">
+            <a:endParaRPr kumimoji="0" lang="en-US" sz="600" b="0" i="0" u="none" strike="noStrike" kern="1200" cap="none" spc="0" normalizeH="0" baseline="0" noProof="0" dirty="0" smtClean="0">
               <a:ln>
                 <a:noFill/>
               </a:ln>
@@ -6322,16 +6440,13 @@
           </a:p>
           <a:p>
             <a:pPr marL="457200" lvl="0" indent="-457200" defTabSz="4389120">
-              <a:spcBef>
-                <a:spcPts val="1200"/>
-              </a:spcBef>
               <a:buClr>
                 <a:schemeClr val="accent2"/>
               </a:buClr>
               <a:defRPr/>
             </a:pPr>
             <a:r>
-              <a:rPr kumimoji="0" lang="en-US" sz="2000" b="0" i="0" u="none" strike="noStrike" kern="1200" cap="none" spc="0" normalizeH="0" baseline="0" noProof="0" dirty="0" smtClean="0">
+              <a:rPr kumimoji="0" lang="en-US" sz="1900" b="0" i="0" u="none" strike="noStrike" kern="1200" cap="none" spc="0" normalizeH="0" baseline="0" noProof="0" dirty="0" smtClean="0">
                 <a:ln>
                   <a:noFill/>
                 </a:ln>
@@ -6345,82 +6460,82 @@
               <a:t>[1</a:t>
             </a:r>
             <a:r>
-              <a:rPr lang="en-US" sz="2000" dirty="0" smtClean="0"/>
+              <a:rPr lang="en-US" sz="1900" dirty="0" smtClean="0"/>
               <a:t>] Fang </a:t>
             </a:r>
             <a:r>
-              <a:rPr lang="en-US" sz="2000" dirty="0" err="1" smtClean="0"/>
+              <a:rPr lang="en-US" sz="1900" dirty="0" err="1" smtClean="0"/>
               <a:t>Qiao</a:t>
             </a:r>
             <a:r>
-              <a:rPr lang="en-US" sz="2000" dirty="0" smtClean="0"/>
+              <a:rPr lang="en-US" sz="1900" dirty="0" smtClean="0"/>
               <a:t>, </a:t>
             </a:r>
             <a:r>
-              <a:rPr lang="en-US" sz="2000" dirty="0" err="1" smtClean="0"/>
+              <a:rPr lang="en-US" sz="1900" dirty="0" err="1" smtClean="0"/>
               <a:t>Jahanzeb</a:t>
             </a:r>
             <a:r>
-              <a:rPr lang="en-US" sz="2000" dirty="0" smtClean="0"/>
+              <a:rPr lang="en-US" sz="1900" dirty="0" smtClean="0"/>
               <a:t> </a:t>
             </a:r>
             <a:r>
-              <a:rPr lang="en-US" sz="2000" dirty="0" err="1" smtClean="0"/>
+              <a:rPr lang="en-US" sz="1900" dirty="0" err="1" smtClean="0"/>
               <a:t>Sherwani</a:t>
             </a:r>
             <a:r>
-              <a:rPr lang="en-US" sz="2000" dirty="0" smtClean="0"/>
+              <a:rPr lang="en-US" sz="1900" dirty="0" smtClean="0"/>
               <a:t>, and </a:t>
             </a:r>
             <a:r>
-              <a:rPr lang="en-US" sz="2000" dirty="0" err="1" smtClean="0"/>
+              <a:rPr lang="en-US" sz="1900" dirty="0" err="1" smtClean="0"/>
               <a:t>Roni</a:t>
             </a:r>
             <a:r>
-              <a:rPr lang="en-US" sz="2000" dirty="0" smtClean="0"/>
+              <a:rPr lang="en-US" sz="1900" dirty="0" smtClean="0"/>
               <a:t> Rosenfeld</a:t>
             </a:r>
             <a:r>
-              <a:rPr lang="en-US" sz="2000" dirty="0" smtClean="0"/>
+              <a:rPr lang="en-US" sz="1900" dirty="0" smtClean="0"/>
               <a:t>, 2010. </a:t>
             </a:r>
             <a:r>
-              <a:rPr lang="en-US" sz="2000" dirty="0" smtClean="0"/>
+              <a:rPr lang="en-US" sz="1900" dirty="0" smtClean="0"/>
               <a:t>“Small-vocabulary speech recognition for resource- scarce languages,” in </a:t>
             </a:r>
             <a:r>
-              <a:rPr lang="en-US" sz="2000" i="1" dirty="0" smtClean="0"/>
+              <a:rPr lang="en-US" sz="1900" i="1" dirty="0" smtClean="0"/>
               <a:t>Proceedings of the First ACM Symposium on Computing for </a:t>
             </a:r>
             <a:r>
-              <a:rPr lang="en-US" sz="2000" i="1" dirty="0" smtClean="0"/>
+              <a:rPr lang="en-US" sz="1900" i="1" dirty="0" smtClean="0"/>
               <a:t>Development (ACM DEV ‘10)</a:t>
             </a:r>
             <a:r>
-              <a:rPr lang="en-US" sz="2000" i="1" dirty="0" smtClean="0"/>
+              <a:rPr lang="en-US" sz="1900" i="1" dirty="0" smtClean="0"/>
               <a:t>.</a:t>
             </a:r>
             <a:r>
-              <a:rPr lang="en-US" sz="2000" dirty="0" smtClean="0"/>
+              <a:rPr lang="en-US" sz="1900" dirty="0" smtClean="0"/>
               <a:t> ACM, New </a:t>
             </a:r>
             <a:r>
-              <a:rPr lang="en-US" sz="2000" dirty="0" smtClean="0"/>
+              <a:rPr lang="en-US" sz="1900" dirty="0" smtClean="0"/>
               <a:t>York, NY, USA, </a:t>
             </a:r>
             <a:r>
-              <a:rPr lang="en-US" sz="2000" dirty="0" smtClean="0"/>
+              <a:rPr lang="en-US" sz="1900" dirty="0" smtClean="0"/>
               <a:t>pp</a:t>
             </a:r>
             <a:r>
-              <a:rPr lang="en-US" sz="2000" dirty="0" smtClean="0"/>
+              <a:rPr lang="en-US" sz="1900" dirty="0" smtClean="0"/>
               <a:t>. </a:t>
             </a:r>
             <a:r>
-              <a:rPr lang="en-US" sz="2000" dirty="0" smtClean="0"/>
+              <a:rPr lang="en-US" sz="1900" dirty="0" smtClean="0"/>
               <a:t>3:1–3:8.</a:t>
             </a:r>
-            <a:endParaRPr kumimoji="0" lang="en-US" sz="2000" b="0" i="0" u="none" strike="noStrike" kern="1200" cap="none" spc="0" normalizeH="0" baseline="0" noProof="0" dirty="0" smtClean="0">
+            <a:endParaRPr kumimoji="0" lang="en-US" sz="1900" b="0" i="0" u="none" strike="noStrike" kern="1200" cap="none" spc="0" normalizeH="0" baseline="0" noProof="0" dirty="0" smtClean="0">
               <a:ln>
                 <a:noFill/>
               </a:ln>
@@ -6434,87 +6549,81 @@
           </a:p>
           <a:p>
             <a:pPr marL="457200" lvl="0" indent="-457200" defTabSz="4389120">
-              <a:spcBef>
-                <a:spcPts val="1200"/>
-              </a:spcBef>
               <a:buClr>
                 <a:schemeClr val="accent2"/>
               </a:buClr>
               <a:defRPr/>
             </a:pPr>
             <a:r>
-              <a:rPr lang="en-US" sz="2000" dirty="0" smtClean="0"/>
+              <a:rPr lang="en-US" sz="1900" dirty="0" smtClean="0"/>
               <a:t>[2</a:t>
             </a:r>
             <a:r>
-              <a:rPr lang="en-US" sz="2000" dirty="0" smtClean="0"/>
+              <a:rPr lang="en-US" sz="1900" dirty="0" smtClean="0"/>
               <a:t>] </a:t>
             </a:r>
             <a:r>
-              <a:rPr lang="en-US" sz="2000" dirty="0" err="1" smtClean="0"/>
+              <a:rPr lang="en-US" sz="1900" dirty="0" err="1" smtClean="0"/>
               <a:t>Hao</a:t>
             </a:r>
             <a:r>
-              <a:rPr lang="en-US" sz="2000" dirty="0" smtClean="0"/>
+              <a:rPr lang="en-US" sz="1900" dirty="0" smtClean="0"/>
               <a:t> Yee Chan and </a:t>
             </a:r>
             <a:r>
-              <a:rPr lang="en-US" sz="2000" dirty="0" err="1" smtClean="0"/>
+              <a:rPr lang="en-US" sz="1900" dirty="0" err="1" smtClean="0"/>
               <a:t>Roni</a:t>
             </a:r>
             <a:r>
-              <a:rPr lang="en-US" sz="2000" dirty="0" smtClean="0"/>
+              <a:rPr lang="en-US" sz="1900" dirty="0" smtClean="0"/>
               <a:t> Rosenfeld</a:t>
             </a:r>
             <a:r>
-              <a:rPr lang="en-US" sz="2000" dirty="0" smtClean="0"/>
+              <a:rPr lang="en-US" sz="1900" dirty="0" smtClean="0"/>
               <a:t>, 2012. </a:t>
             </a:r>
             <a:r>
-              <a:rPr lang="en-US" sz="2000" dirty="0" smtClean="0"/>
+              <a:rPr lang="en-US" sz="1900" dirty="0" smtClean="0"/>
               <a:t>“Discriminative pronunciation learning for speech recognition for resource scarce languages,” in </a:t>
             </a:r>
             <a:r>
-              <a:rPr lang="en-US" sz="2000" i="1" dirty="0" smtClean="0"/>
+              <a:rPr lang="en-US" sz="1900" i="1" dirty="0" smtClean="0"/>
               <a:t>Proceedings of the 2nd ACM Symposium on Computing for </a:t>
             </a:r>
             <a:r>
-              <a:rPr lang="en-US" sz="2000" i="1" dirty="0" smtClean="0"/>
+              <a:rPr lang="en-US" sz="1900" i="1" dirty="0" smtClean="0"/>
               <a:t>Development (ACM DEV ‘12)</a:t>
             </a:r>
             <a:r>
-              <a:rPr lang="en-US" sz="2000" dirty="0" smtClean="0"/>
+              <a:rPr lang="en-US" sz="1900" dirty="0" smtClean="0"/>
               <a:t>. ACM, New </a:t>
             </a:r>
             <a:r>
-              <a:rPr lang="en-US" sz="2000" dirty="0" smtClean="0"/>
+              <a:rPr lang="en-US" sz="1900" dirty="0" smtClean="0"/>
               <a:t>York, NY, USA, </a:t>
             </a:r>
             <a:r>
-              <a:rPr lang="en-US" sz="2000" dirty="0" smtClean="0"/>
+              <a:rPr lang="en-US" sz="1900" dirty="0" smtClean="0"/>
               <a:t>pp</a:t>
             </a:r>
             <a:r>
-              <a:rPr lang="en-US" sz="2000" dirty="0" smtClean="0"/>
-              <a:t>. 12:1–12:6</a:t>
-            </a:r>
-            <a:r>
-              <a:rPr lang="en-US" sz="2000" dirty="0" smtClean="0"/>
-              <a:t>,. </a:t>
+              <a:rPr lang="en-US" sz="1900" dirty="0" smtClean="0"/>
+              <a:t>. </a:t>
+            </a:r>
+            <a:r>
+              <a:rPr lang="en-US" sz="1900" dirty="0" smtClean="0"/>
+              <a:t>12:1–12:6. </a:t>
             </a:r>
           </a:p>
           <a:p>
             <a:pPr marL="457200" lvl="0" indent="-457200" defTabSz="4389120">
-              <a:spcBef>
-                <a:spcPts val="1200"/>
-              </a:spcBef>
               <a:buClr>
                 <a:schemeClr val="accent2"/>
               </a:buClr>
               <a:defRPr/>
             </a:pPr>
             <a:r>
-              <a:rPr kumimoji="0" lang="en-US" sz="2000" b="0" i="0" u="none" strike="noStrike" kern="1200" cap="none" spc="0" normalizeH="0" baseline="0" noProof="0" dirty="0" smtClean="0">
+              <a:rPr kumimoji="0" lang="en-US" sz="1900" b="0" i="0" u="none" strike="noStrike" kern="1200" cap="none" spc="0" normalizeH="0" baseline="0" noProof="0" dirty="0" smtClean="0">
                 <a:ln>
                   <a:noFill/>
                 </a:ln>
@@ -6528,16 +6637,16 @@
               <a:t>[3] </a:t>
             </a:r>
             <a:r>
-              <a:rPr lang="en-US" sz="2000" dirty="0" smtClean="0"/>
+              <a:rPr lang="en-US" sz="1900" dirty="0" smtClean="0"/>
               <a:t>Microsoft, 2012. Microsoft Speech Platform SDK 11 Documentation. </a:t>
             </a:r>
             <a:r>
-              <a:rPr lang="en-US" sz="2000" dirty="0" smtClean="0">
+              <a:rPr lang="en-US" sz="1900" dirty="0" smtClean="0">
                 <a:hlinkClick r:id="rId5"/>
               </a:rPr>
               <a:t>http://msdn.microsoft.com/en-us/library/dd266409</a:t>
             </a:r>
-            <a:endParaRPr kumimoji="0" lang="en-US" sz="2000" b="0" i="0" u="none" strike="noStrike" kern="1200" cap="none" spc="0" normalizeH="0" baseline="0" noProof="0" dirty="0">
+            <a:endParaRPr kumimoji="0" lang="en-US" sz="1900" b="0" i="0" u="none" strike="noStrike" kern="1200" cap="none" spc="0" normalizeH="0" baseline="0" noProof="0" dirty="0">
               <a:ln>
                 <a:noFill/>
               </a:ln>
@@ -6561,200 +6670,21 @@
         </p:nvPicPr>
         <p:blipFill>
           <a:blip r:embed="rId6"/>
-          <a:srcRect l="2909" t="35832" r="11636" b="10451"/>
+          <a:srcRect l="2909" t="31353" r="10182" b="5972"/>
           <a:stretch>
             <a:fillRect/>
           </a:stretch>
         </p:blipFill>
         <p:spPr>
           <a:xfrm>
-            <a:off x="8018582" y="17497124"/>
-            <a:ext cx="5693011" cy="3486428"/>
+            <a:off x="7652084" y="21476834"/>
+            <a:ext cx="6101507" cy="4286768"/>
           </a:xfrm>
           <a:prstGeom prst="rect">
             <a:avLst/>
           </a:prstGeom>
         </p:spPr>
       </p:pic>
-      <p:sp>
-        <p:nvSpPr>
-          <p:cNvPr id="37" name="Text Placeholder 7"/>
-          <p:cNvSpPr txBox="1">
-            <a:spLocks/>
-          </p:cNvSpPr>
-          <p:nvPr/>
-        </p:nvSpPr>
-        <p:spPr>
-          <a:xfrm>
-            <a:off x="29887156" y="16239866"/>
-            <a:ext cx="12801600" cy="1219200"/>
-          </a:xfrm>
-          <a:prstGeom prst="round1Rect">
-            <a:avLst>
-              <a:gd name="adj" fmla="val 0"/>
-            </a:avLst>
-          </a:prstGeom>
-          <a:solidFill>
-            <a:schemeClr val="accent3"/>
-          </a:solidFill>
-          <a:ln w="3175">
-            <a:solidFill>
-              <a:schemeClr val="accent3"/>
-            </a:solidFill>
-          </a:ln>
-        </p:spPr>
-        <p:txBody>
-          <a:bodyPr vert="horz" lIns="365760" tIns="45720" rIns="91440" bIns="45720" rtlCol="0" anchor="ctr">
-            <a:noAutofit/>
-          </a:bodyPr>
-          <a:lstStyle/>
-          <a:p>
-            <a:pPr marL="0" marR="0" lvl="0" indent="0" algn="l" defTabSz="4389120" rtl="0" eaLnBrk="1" fontAlgn="auto" latinLnBrk="0" hangingPunct="1">
-              <a:lnSpc>
-                <a:spcPct val="100000"/>
-              </a:lnSpc>
-              <a:spcBef>
-                <a:spcPts val="0"/>
-              </a:spcBef>
-              <a:spcAft>
-                <a:spcPts val="0"/>
-              </a:spcAft>
-              <a:buClr>
-                <a:schemeClr val="accent2"/>
-              </a:buClr>
-              <a:buSzTx/>
-              <a:buFont typeface="Arial" panose="020B0604020202020204" pitchFamily="34" charset="0"/>
-              <a:buNone/>
-              <a:tabLst/>
-              <a:defRPr/>
-            </a:pPr>
-            <a:r>
-              <a:rPr kumimoji="0" lang="en-US" sz="6000" b="0" i="0" u="none" strike="noStrike" kern="1200" cap="all" spc="0" normalizeH="0" baseline="0" noProof="0" dirty="0" smtClean="0">
-                <a:ln>
-                  <a:noFill/>
-                </a:ln>
-                <a:solidFill>
-                  <a:schemeClr val="bg1"/>
-                </a:solidFill>
-                <a:effectLst/>
-                <a:uLnTx/>
-                <a:uFillTx/>
-                <a:latin typeface="+mj-lt"/>
-                <a:ea typeface="+mn-ea"/>
-                <a:cs typeface="+mn-cs"/>
-              </a:rPr>
-              <a:t>Future work</a:t>
-            </a:r>
-          </a:p>
-        </p:txBody>
-      </p:sp>
-      <p:sp>
-        <p:nvSpPr>
-          <p:cNvPr id="38" name="Content Placeholder 12"/>
-          <p:cNvSpPr>
-            <a:spLocks noGrp="1"/>
-          </p:cNvSpPr>
-          <p:nvPr>
-            <p:ph sz="quarter" idx="26"/>
-          </p:nvPr>
-        </p:nvSpPr>
-        <p:spPr>
-          <a:xfrm>
-            <a:off x="29887156" y="17465162"/>
-            <a:ext cx="12801600" cy="5928238"/>
-          </a:xfrm>
-          <a:ln w="3175">
-            <a:solidFill>
-              <a:schemeClr val="accent1"/>
-            </a:solidFill>
-          </a:ln>
-        </p:spPr>
-        <p:txBody>
-          <a:bodyPr/>
-          <a:lstStyle/>
-          <a:p>
-            <a:pPr>
-              <a:buClr>
-                <a:schemeClr val="accent3"/>
-              </a:buClr>
-              <a:buNone/>
-            </a:pPr>
-            <a:r>
-              <a:rPr lang="en-US" dirty="0" smtClean="0"/>
-              <a:t>Possible future extensions of the project include:</a:t>
-            </a:r>
-            <a:endParaRPr lang="en-US" dirty="0" smtClean="0"/>
-          </a:p>
-          <a:p>
-            <a:pPr>
-              <a:buClr>
-                <a:schemeClr val="accent3"/>
-              </a:buClr>
-            </a:pPr>
-            <a:r>
-              <a:rPr lang="en-US" b="1" dirty="0" smtClean="0"/>
-              <a:t>Online lexicon repository</a:t>
-            </a:r>
-          </a:p>
-          <a:p>
-            <a:pPr>
-              <a:buClr>
-                <a:schemeClr val="accent3"/>
-              </a:buClr>
-              <a:buNone/>
-            </a:pPr>
-            <a:r>
-              <a:rPr lang="en-US" dirty="0" smtClean="0"/>
-              <a:t>	</a:t>
-            </a:r>
-            <a:r>
-              <a:rPr lang="en-US" dirty="0" smtClean="0"/>
-              <a:t>Adding an option for users to upload their created lexicons to a central web repository  would allow sharing and re-use of lexicons across languages and language families.</a:t>
-            </a:r>
-            <a:endParaRPr lang="en-US" dirty="0" smtClean="0"/>
-          </a:p>
-          <a:p>
-            <a:pPr>
-              <a:buClr>
-                <a:schemeClr val="accent3"/>
-              </a:buClr>
-            </a:pPr>
-            <a:r>
-              <a:rPr lang="en-US" b="1" dirty="0" smtClean="0"/>
-              <a:t>Additional source-language recognizers</a:t>
-            </a:r>
-          </a:p>
-          <a:p>
-            <a:pPr>
-              <a:buClr>
-                <a:schemeClr val="accent3"/>
-              </a:buClr>
-              <a:buNone/>
-            </a:pPr>
-            <a:r>
-              <a:rPr lang="en-US" dirty="0" smtClean="0"/>
-              <a:t>	</a:t>
-            </a:r>
-            <a:r>
-              <a:rPr lang="en-US" dirty="0" smtClean="0"/>
-              <a:t>The Microsoft Speech Platform currently supports recognition in over 20 different (high-resource) languages [3]. It is possible that using a source language that shares more phonemes with the target language could improve recognition accuracy, though this topic calls for further research.</a:t>
-            </a:r>
-            <a:endParaRPr lang="en-US" dirty="0" smtClean="0"/>
-          </a:p>
-          <a:p>
-            <a:pPr>
-              <a:buClr>
-                <a:schemeClr val="accent3"/>
-              </a:buClr>
-            </a:pPr>
-            <a:r>
-              <a:rPr lang="en-US" b="1" dirty="0" smtClean="0"/>
-              <a:t>User interface improvements</a:t>
-            </a:r>
-            <a:endParaRPr lang="en-US" b="1" dirty="0"/>
-          </a:p>
-        </p:txBody>
-      </p:sp>
       <p:pic>
         <p:nvPicPr>
           <p:cNvPr id="39" name="Grafik 38" descr="lex4all Lexicon Builder.png"/>
@@ -6765,14 +6695,15 @@
         </p:nvPicPr>
         <p:blipFill>
           <a:blip r:embed="rId7"/>
+          <a:srcRect b="18667"/>
           <a:stretch>
             <a:fillRect/>
           </a:stretch>
         </p:blipFill>
         <p:spPr>
           <a:xfrm>
-            <a:off x="2331722" y="23171368"/>
-            <a:ext cx="10328280" cy="6835563"/>
+            <a:off x="16513386" y="7317607"/>
+            <a:ext cx="10944014" cy="6675708"/>
           </a:xfrm>
           <a:prstGeom prst="rect">
             <a:avLst/>
@@ -6791,8 +6722,8 @@
         </p:nvSpPr>
         <p:spPr>
           <a:xfrm>
-            <a:off x="29905570" y="7083083"/>
-            <a:ext cx="12801600" cy="4452426"/>
+            <a:off x="15565073" y="25909732"/>
+            <a:ext cx="12801600" cy="4120042"/>
           </a:xfrm>
           <a:ln w="3175">
             <a:solidFill>
@@ -6801,7 +6732,9 @@
           </a:ln>
         </p:spPr>
         <p:txBody>
-          <a:bodyPr/>
+          <a:bodyPr>
+            <a:normAutofit/>
+          </a:bodyPr>
           <a:lstStyle/>
           <a:p>
             <a:pPr fontAlgn="base">
@@ -6810,10 +6743,14 @@
               </a:buClr>
             </a:pPr>
             <a:r>
-              <a:rPr lang="en-US" b="1" dirty="0" smtClean="0"/>
-              <a:t>Evaluation module </a:t>
-            </a:r>
-            <a:endParaRPr lang="en-US" b="1" dirty="0" smtClean="0"/>
+              <a:rPr lang="en-US" sz="3200" b="1" dirty="0" smtClean="0"/>
+              <a:t>Discriminative training </a:t>
+            </a:r>
+            <a:r>
+              <a:rPr lang="en-US" sz="3200" dirty="0" smtClean="0"/>
+              <a:t>[2] </a:t>
+            </a:r>
+            <a:endParaRPr lang="en-US" sz="3200" dirty="0" smtClean="0"/>
           </a:p>
           <a:p>
             <a:pPr fontAlgn="base">
@@ -6824,23 +6761,23 @@
             </a:pPr>
             <a:r>
               <a:rPr lang="en-US" dirty="0" smtClean="0"/>
-              <a:t>	A</a:t>
-            </a:r>
-            <a:r>
-              <a:rPr lang="en-US" dirty="0" smtClean="0"/>
-              <a:t>llows </a:t>
-            </a:r>
-            <a:r>
-              <a:rPr lang="en-US" dirty="0" smtClean="0"/>
-              <a:t>the user to test </a:t>
-            </a:r>
-            <a:r>
-              <a:rPr lang="en-US" dirty="0" smtClean="0"/>
-              <a:t>built </a:t>
-            </a:r>
-            <a:r>
-              <a:rPr lang="en-US" dirty="0" smtClean="0"/>
-              <a:t>lexicons in recognizing real audio</a:t>
+              <a:t>	</a:t>
+            </a:r>
+            <a:r>
+              <a:rPr lang="en-US" dirty="0" smtClean="0"/>
+              <a:t>An </a:t>
+            </a:r>
+            <a:r>
+              <a:rPr lang="en-US" dirty="0" smtClean="0"/>
+              <a:t>additional </a:t>
+            </a:r>
+            <a:r>
+              <a:rPr lang="en-US" dirty="0" smtClean="0"/>
+              <a:t>training step removes pronunciations in </a:t>
+            </a:r>
+            <a:r>
+              <a:rPr lang="en-US" dirty="0" smtClean="0"/>
+              <a:t>the lexicon that may reduce recognition accuracy by matching multiple words in the vocabulary</a:t>
             </a:r>
           </a:p>
           <a:p>
@@ -6850,10 +6787,14 @@
               </a:buClr>
             </a:pPr>
             <a:r>
-              <a:rPr lang="en-US" b="1" dirty="0" smtClean="0"/>
-              <a:t>Audio recording </a:t>
-            </a:r>
-            <a:endParaRPr lang="en-US" dirty="0" smtClean="0"/>
+              <a:rPr lang="en-US" sz="3200" b="1" dirty="0" smtClean="0"/>
+              <a:t>Evaluation </a:t>
+            </a:r>
+            <a:r>
+              <a:rPr lang="en-US" sz="3200" b="1" dirty="0" smtClean="0"/>
+              <a:t>module </a:t>
+            </a:r>
+            <a:endParaRPr lang="en-US" sz="3200" b="1" dirty="0" smtClean="0"/>
           </a:p>
           <a:p>
             <a:pPr fontAlgn="base">
@@ -6864,23 +6805,11 @@
             </a:pPr>
             <a:r>
               <a:rPr lang="en-US" dirty="0" smtClean="0"/>
-              <a:t>	Enables the user </a:t>
-            </a:r>
-            <a:r>
-              <a:rPr lang="en-US" dirty="0" smtClean="0"/>
-              <a:t>to </a:t>
-            </a:r>
-            <a:r>
-              <a:rPr lang="en-US" dirty="0" smtClean="0"/>
-              <a:t>record new </a:t>
-            </a:r>
-            <a:r>
-              <a:rPr lang="en-US" dirty="0" smtClean="0"/>
-              <a:t>sound files within the </a:t>
-            </a:r>
-            <a:r>
-              <a:rPr lang="en-US" dirty="0" smtClean="0"/>
-              <a:t>application</a:t>
+              <a:t>	</a:t>
+            </a:r>
+            <a:r>
+              <a:rPr lang="en-US" dirty="0" smtClean="0"/>
+              <a:t>Facilitates research by automatically simulating recognition on a test set of audio samples. Reports recognition accuracy rates and confusion matrix.</a:t>
             </a:r>
             <a:endParaRPr lang="en-US" dirty="0" smtClean="0"/>
           </a:p>
@@ -6891,34 +6820,10 @@
               </a:buClr>
             </a:pPr>
             <a:r>
-              <a:rPr lang="en-US" b="1" dirty="0" smtClean="0"/>
-              <a:t>Discriminative </a:t>
-            </a:r>
-            <a:r>
-              <a:rPr lang="en-US" b="1" dirty="0" smtClean="0"/>
-              <a:t>training </a:t>
-            </a:r>
-            <a:r>
-              <a:rPr lang="en-US" dirty="0" smtClean="0"/>
-              <a:t>[2] </a:t>
-            </a:r>
-          </a:p>
-          <a:p>
-            <a:pPr fontAlgn="base">
-              <a:buClr>
-                <a:schemeClr val="accent4"/>
-              </a:buClr>
-              <a:buNone/>
-            </a:pPr>
-            <a:r>
-              <a:rPr lang="en-US" dirty="0" smtClean="0"/>
-              <a:t>	</a:t>
-            </a:r>
-            <a:r>
-              <a:rPr lang="en-US" dirty="0" smtClean="0"/>
-              <a:t>An additional training step that removes any pronunciations in the lexicon that may reduce recognition accuracy by matching multiple words in the vocabulary</a:t>
-            </a:r>
-            <a:endParaRPr lang="en-US" dirty="0"/>
+              <a:rPr lang="en-US" sz="3200" b="1" dirty="0" smtClean="0"/>
+              <a:t>Built-in audio recorder</a:t>
+            </a:r>
+            <a:endParaRPr lang="en-US" sz="3200" dirty="0" smtClean="0"/>
           </a:p>
         </p:txBody>
       </p:sp>
@@ -6931,7 +6836,7 @@
           <p:nvPr/>
         </p:nvGraphicFramePr>
         <p:xfrm>
-          <a:off x="20879422" y="10598060"/>
+          <a:off x="20879422" y="19981692"/>
           <a:ext cx="1608137" cy="509587"/>
         </p:xfrm>
         <a:graphic>
@@ -6942,6 +6847,181 @@
           </a:graphicData>
         </a:graphic>
       </p:graphicFrame>
+      <p:sp>
+        <p:nvSpPr>
+          <p:cNvPr id="45" name="Content Placeholder 11"/>
+          <p:cNvSpPr txBox="1">
+            <a:spLocks/>
+          </p:cNvSpPr>
+          <p:nvPr/>
+        </p:nvSpPr>
+        <p:spPr>
+          <a:xfrm>
+            <a:off x="29935055" y="30632400"/>
+            <a:ext cx="12817908" cy="1565701"/>
+          </a:xfrm>
+          <a:prstGeom prst="rect">
+            <a:avLst/>
+          </a:prstGeom>
+          <a:ln w="3175">
+            <a:solidFill>
+              <a:schemeClr val="accent1"/>
+            </a:solidFill>
+          </a:ln>
+        </p:spPr>
+        <p:txBody>
+          <a:bodyPr vert="horz" lIns="365760" tIns="182880" rIns="91440" bIns="45720" rtlCol="0">
+            <a:noAutofit/>
+          </a:bodyPr>
+          <a:lstStyle/>
+          <a:p>
+            <a:pPr lvl="0" defTabSz="4389120">
+              <a:spcBef>
+                <a:spcPts val="600"/>
+              </a:spcBef>
+              <a:buClr>
+                <a:schemeClr val="accent2"/>
+              </a:buClr>
+              <a:defRPr/>
+            </a:pPr>
+            <a:r>
+              <a:rPr lang="en-US" sz="2800" b="1" dirty="0" smtClean="0"/>
+              <a:t>Acknowledgments</a:t>
+            </a:r>
+            <a:endParaRPr lang="en-US" sz="2800" b="1" dirty="0" smtClean="0"/>
+          </a:p>
+          <a:p>
+            <a:pPr marL="0" marR="0" lvl="0" indent="0" algn="l" defTabSz="4389120" rtl="0" eaLnBrk="1" fontAlgn="auto" latinLnBrk="0" hangingPunct="1">
+              <a:lnSpc>
+                <a:spcPct val="100000"/>
+              </a:lnSpc>
+              <a:spcBef>
+                <a:spcPts val="600"/>
+              </a:spcBef>
+              <a:spcAft>
+                <a:spcPts val="0"/>
+              </a:spcAft>
+              <a:buClr>
+                <a:schemeClr val="accent2"/>
+              </a:buClr>
+              <a:buSzTx/>
+              <a:buFont typeface="Arial" panose="020B0604020202020204" pitchFamily="34" charset="0"/>
+              <a:buNone/>
+              <a:tabLst/>
+              <a:defRPr/>
+            </a:pPr>
+            <a:r>
+              <a:rPr kumimoji="0" lang="en-US" sz="2400" i="0" u="none" strike="noStrike" kern="1200" cap="none" spc="0" normalizeH="0" baseline="0" noProof="0" dirty="0" smtClean="0">
+                <a:ln>
+                  <a:noFill/>
+                </a:ln>
+                <a:effectLst/>
+                <a:uLnTx/>
+                <a:uFillTx/>
+                <a:latin typeface="+mn-lt"/>
+                <a:ea typeface="+mn-ea"/>
+                <a:cs typeface="+mn-cs"/>
+              </a:rPr>
+              <a:t>Many thanks to </a:t>
+            </a:r>
+            <a:r>
+              <a:rPr kumimoji="0" lang="en-US" sz="2400" i="0" u="none" strike="noStrike" kern="1200" cap="none" spc="0" normalizeH="0" baseline="0" noProof="0" dirty="0" err="1" smtClean="0">
+                <a:ln>
+                  <a:noFill/>
+                </a:ln>
+                <a:effectLst/>
+                <a:uLnTx/>
+                <a:uFillTx/>
+                <a:latin typeface="+mn-lt"/>
+                <a:ea typeface="+mn-ea"/>
+                <a:cs typeface="+mn-cs"/>
+              </a:rPr>
+              <a:t>Roni</a:t>
+            </a:r>
+            <a:r>
+              <a:rPr kumimoji="0" lang="en-US" sz="2400" i="0" u="none" strike="noStrike" kern="1200" cap="none" spc="0" normalizeH="0" baseline="0" noProof="0" dirty="0" smtClean="0">
+                <a:ln>
+                  <a:noFill/>
+                </a:ln>
+                <a:effectLst/>
+                <a:uLnTx/>
+                <a:uFillTx/>
+                <a:latin typeface="+mn-lt"/>
+                <a:ea typeface="+mn-ea"/>
+                <a:cs typeface="+mn-cs"/>
+              </a:rPr>
+              <a:t> Rosenfeld, </a:t>
+            </a:r>
+            <a:r>
+              <a:rPr kumimoji="0" lang="en-US" sz="2400" i="0" u="none" strike="noStrike" kern="1200" cap="none" spc="0" normalizeH="0" baseline="0" noProof="0" dirty="0" err="1" smtClean="0">
+                <a:ln>
+                  <a:noFill/>
+                </a:ln>
+                <a:effectLst/>
+                <a:uLnTx/>
+                <a:uFillTx/>
+                <a:latin typeface="+mn-lt"/>
+                <a:ea typeface="+mn-ea"/>
+                <a:cs typeface="+mn-cs"/>
+              </a:rPr>
+              <a:t>Hao</a:t>
+            </a:r>
+            <a:r>
+              <a:rPr kumimoji="0" lang="en-US" sz="2400" i="0" u="none" strike="noStrike" kern="1200" cap="none" spc="0" normalizeH="0" baseline="0" noProof="0" dirty="0" smtClean="0">
+                <a:ln>
+                  <a:noFill/>
+                </a:ln>
+                <a:effectLst/>
+                <a:uLnTx/>
+                <a:uFillTx/>
+                <a:latin typeface="+mn-lt"/>
+                <a:ea typeface="+mn-ea"/>
+                <a:cs typeface="+mn-cs"/>
+              </a:rPr>
+              <a:t> Yee Chan, and Mark </a:t>
+            </a:r>
+            <a:r>
+              <a:rPr kumimoji="0" lang="en-US" sz="2400" i="0" u="none" strike="noStrike" kern="1200" cap="none" spc="0" normalizeH="0" baseline="0" noProof="0" dirty="0" err="1" smtClean="0">
+                <a:ln>
+                  <a:noFill/>
+                </a:ln>
+                <a:effectLst/>
+                <a:uLnTx/>
+                <a:uFillTx/>
+                <a:latin typeface="+mn-lt"/>
+                <a:ea typeface="+mn-ea"/>
+                <a:cs typeface="+mn-cs"/>
+              </a:rPr>
+              <a:t>Qiao</a:t>
+            </a:r>
+            <a:r>
+              <a:rPr kumimoji="0" lang="en-US" sz="2400" i="0" u="none" strike="noStrike" kern="1200" cap="none" spc="0" normalizeH="0" noProof="0" dirty="0" smtClean="0">
+                <a:ln>
+                  <a:noFill/>
+                </a:ln>
+                <a:effectLst/>
+                <a:uLnTx/>
+                <a:uFillTx/>
+                <a:latin typeface="+mn-lt"/>
+                <a:ea typeface="+mn-ea"/>
+                <a:cs typeface="+mn-cs"/>
+              </a:rPr>
+              <a:t> for generously sharing their data and providing valuable advice on implementing the Salaam method. </a:t>
+            </a:r>
+            <a:endParaRPr kumimoji="0" lang="en-US" sz="2800" i="0" u="none" strike="noStrike" kern="1200" cap="none" spc="0" normalizeH="0" baseline="0" noProof="0" dirty="0">
+              <a:ln>
+                <a:noFill/>
+              </a:ln>
+              <a:effectLst/>
+              <a:uLnTx/>
+              <a:uFillTx/>
+              <a:latin typeface="+mn-lt"/>
+              <a:ea typeface="+mn-ea"/>
+              <a:cs typeface="+mn-cs"/>
+            </a:endParaRPr>
+          </a:p>
+        </p:txBody>
+      </p:sp>
     </p:spTree>
     <p:extLst>
       <p:ext uri="{BB962C8B-B14F-4D97-AF65-F5344CB8AC3E}">

--- a/docs/lex4all.pptx
+++ b/docs/lex4all.pptx
@@ -112,10 +112,10 @@
   </p:defaultTextStyle>
   <p:extLst>
     <p:ext uri="{EFAFB233-063F-42B5-8137-9DF3F51BA10A}">
-      <p15:sldGuideLst xmlns="" xmlns:p15="http://schemas.microsoft.com/office/powerpoint/2012/main"/>
+      <p15:sldGuideLst xmlns:p15="http://schemas.microsoft.com/office/powerpoint/2012/main" xmlns=""/>
     </p:ext>
     <p:ext uri="{2D200454-40CA-4A62-9FC3-DE9A4176ACB9}">
-      <p15:notesGuideLst xmlns="" xmlns:p15="http://schemas.microsoft.com/office/powerpoint/2012/main"/>
+      <p15:notesGuideLst xmlns:p15="http://schemas.microsoft.com/office/powerpoint/2012/main" xmlns=""/>
     </p:ext>
   </p:extLst>
 </p:presentation>
@@ -123,6 +123,7 @@
 
 <file path=ppt/charts/chart1.xml><?xml version="1.0" encoding="utf-8"?>
 <c:chartSpace xmlns:c="http://schemas.openxmlformats.org/drawingml/2006/chart" xmlns:a="http://schemas.openxmlformats.org/drawingml/2006/main" xmlns:r="http://schemas.openxmlformats.org/officeDocument/2006/relationships">
+  <c:date1904 val="1"/>
   <c:lang val="en-US"/>
   <c:style val="12"/>
   <c:chart>
@@ -151,8 +152,8 @@
         <c:manualLayout>
           <c:xMode val="edge"/>
           <c:yMode val="edge"/>
-          <c:x val="0.25981987722633276"/>
-          <c:y val="8.8057692943914287E-2"/>
+          <c:x val="0.25981987722633282"/>
+          <c:y val="8.8057692943914315E-2"/>
         </c:manualLayout>
       </c:layout>
     </c:title>
@@ -163,8 +164,8 @@
           <c:xMode val="edge"/>
           <c:yMode val="edge"/>
           <c:x val="0.2046069870219529"/>
-          <c:y val="0.2258880064533268"/>
-          <c:w val="0.59332393547664986"/>
+          <c:y val="0.22588800645332682"/>
+          <c:w val="0.59332393547664974"/>
           <c:h val="0.54389444899581962"/>
         </c:manualLayout>
       </c:layout>
@@ -208,7 +209,6 @@
             </c:dLbl>
             <c:dLbl>
               <c:idx val="3"/>
-              <c:layout/>
               <c:dLblPos val="ctr"/>
               <c:showVal val="1"/>
               <c:showSerName val="1"/>
@@ -301,7 +301,6 @@
             </c:dLbl>
             <c:dLbl>
               <c:idx val="3"/>
-              <c:layout/>
               <c:dLblPos val="ctr"/>
               <c:showVal val="1"/>
               <c:showSerName val="1"/>
@@ -358,14 +357,13 @@
           </c:val>
         </c:ser>
         <c:dLbls>
-          <c:dLblPos val="ctr"/>
           <c:showVal val="1"/>
         </c:dLbls>
-        <c:axId val="125003264"/>
-        <c:axId val="125079552"/>
+        <c:axId val="97583872"/>
+        <c:axId val="97586176"/>
       </c:barChart>
       <c:catAx>
-        <c:axId val="125003264"/>
+        <c:axId val="97583872"/>
         <c:scaling>
           <c:orientation val="minMax"/>
         </c:scaling>
@@ -383,14 +381,14 @@
             <a:endParaRPr lang="en-US"/>
           </a:p>
         </c:txPr>
-        <c:crossAx val="125079552"/>
+        <c:crossAx val="97586176"/>
         <c:crosses val="autoZero"/>
         <c:auto val="1"/>
         <c:lblAlgn val="ctr"/>
         <c:lblOffset val="100"/>
       </c:catAx>
       <c:valAx>
-        <c:axId val="125079552"/>
+        <c:axId val="97586176"/>
         <c:scaling>
           <c:orientation val="minMax"/>
           <c:max val="100"/>
@@ -443,7 +441,7 @@
             <a:endParaRPr lang="en-US"/>
           </a:p>
         </c:txPr>
-        <c:crossAx val="125003264"/>
+        <c:crossAx val="97583872"/>
         <c:crosses val="autoZero"/>
         <c:crossBetween val="between"/>
       </c:valAx>
@@ -454,10 +452,10 @@
         <c:manualLayout>
           <c:xMode val="edge"/>
           <c:yMode val="edge"/>
-          <c:x val="0.81703951602243552"/>
+          <c:x val="0.81703951602243563"/>
           <c:y val="0.23122385137208545"/>
-          <c:w val="0.15788887444332075"/>
-          <c:h val="0.15181542473622808"/>
+          <c:w val="0.15788887444332078"/>
+          <c:h val="0.15181542473622814"/>
         </c:manualLayout>
       </c:layout>
       <c:overlay val="1"/>
@@ -1092,7 +1090,7 @@
             </a:lvl1pPr>
           </a:lstStyle>
           <a:p>
-            <a:endParaRPr lang="en-US"/>
+            <a:endParaRPr lang="en-US" dirty="0"/>
           </a:p>
         </p:txBody>
       </p:sp>
@@ -1126,9 +1124,9 @@
             <a:fld id="{F1C0B079-A316-4C9B-B165-DF9EA8325D2C}" type="datetimeFigureOut">
               <a:rPr lang="en-US" smtClean="0"/>
               <a:pPr/>
-              <a:t>2/12/2014</a:t>
+              <a:t>2/13/2014</a:t>
             </a:fld>
-            <a:endParaRPr lang="en-US"/>
+            <a:endParaRPr lang="en-US" dirty="0"/>
           </a:p>
         </p:txBody>
       </p:sp>
@@ -1159,7 +1157,7 @@
             </a:lvl1pPr>
           </a:lstStyle>
           <a:p>
-            <a:endParaRPr lang="en-US"/>
+            <a:endParaRPr lang="en-US" dirty="0"/>
           </a:p>
         </p:txBody>
       </p:sp>
@@ -1195,14 +1193,14 @@
               <a:pPr/>
               <a:t>‹Nr.›</a:t>
             </a:fld>
-            <a:endParaRPr lang="en-US"/>
+            <a:endParaRPr lang="en-US" dirty="0"/>
           </a:p>
         </p:txBody>
       </p:sp>
     </p:spTree>
     <p:extLst>
       <p:ext uri="{BB962C8B-B14F-4D97-AF65-F5344CB8AC3E}">
-        <p14:creationId xmlns="" xmlns:p14="http://schemas.microsoft.com/office/powerpoint/2010/main" val="1472466397"/>
+        <p14:creationId xmlns:p14="http://schemas.microsoft.com/office/powerpoint/2010/main" xmlns="" val="1472466397"/>
       </p:ext>
     </p:extLst>
   </p:cSld>
@@ -1259,7 +1257,7 @@
             </a:lvl1pPr>
           </a:lstStyle>
           <a:p>
-            <a:endParaRPr lang="en-US"/>
+            <a:endParaRPr lang="en-US" dirty="0"/>
           </a:p>
         </p:txBody>
       </p:sp>
@@ -1293,9 +1291,9 @@
             <a:fld id="{38F28AB8-57D1-494F-9851-055AD867E790}" type="datetimeFigureOut">
               <a:rPr lang="en-US" smtClean="0"/>
               <a:pPr/>
-              <a:t>2/12/2014</a:t>
+              <a:t>2/13/2014</a:t>
             </a:fld>
-            <a:endParaRPr lang="en-US"/>
+            <a:endParaRPr lang="en-US" dirty="0"/>
           </a:p>
         </p:txBody>
       </p:sp>
@@ -1328,7 +1326,7 @@
           <a:bodyPr vert="horz" lIns="91440" tIns="45720" rIns="91440" bIns="45720" rtlCol="0" anchor="ctr"/>
           <a:lstStyle/>
           <a:p>
-            <a:endParaRPr lang="en-US"/>
+            <a:endParaRPr lang="en-US" dirty="0"/>
           </a:p>
         </p:txBody>
       </p:sp>
@@ -1419,7 +1417,7 @@
             </a:lvl1pPr>
           </a:lstStyle>
           <a:p>
-            <a:endParaRPr lang="en-US"/>
+            <a:endParaRPr lang="en-US" dirty="0"/>
           </a:p>
         </p:txBody>
       </p:sp>
@@ -1455,14 +1453,14 @@
               <a:pPr/>
               <a:t>‹Nr.›</a:t>
             </a:fld>
-            <a:endParaRPr lang="en-US"/>
+            <a:endParaRPr lang="en-US" dirty="0"/>
           </a:p>
         </p:txBody>
       </p:sp>
     </p:spTree>
     <p:extLst>
       <p:ext uri="{BB962C8B-B14F-4D97-AF65-F5344CB8AC3E}">
-        <p14:creationId xmlns="" xmlns:p14="http://schemas.microsoft.com/office/powerpoint/2010/main" val="1624808637"/>
+        <p14:creationId xmlns:p14="http://schemas.microsoft.com/office/powerpoint/2010/main" xmlns="" val="1624808637"/>
       </p:ext>
     </p:extLst>
   </p:cSld>
@@ -1755,9 +1753,9 @@
             <a:fld id="{ECAA57DF-1C19-4726-AB84-014692BAD8F5}" type="datetimeFigureOut">
               <a:rPr lang="en-US" smtClean="0"/>
               <a:pPr/>
-              <a:t>2/12/2014</a:t>
+              <a:t>2/13/2014</a:t>
             </a:fld>
-            <a:endParaRPr lang="en-US"/>
+            <a:endParaRPr lang="en-US" dirty="0"/>
           </a:p>
         </p:txBody>
       </p:sp>
@@ -1776,7 +1774,7 @@
           <a:bodyPr/>
           <a:lstStyle/>
           <a:p>
-            <a:endParaRPr lang="en-US"/>
+            <a:endParaRPr lang="en-US" dirty="0"/>
           </a:p>
         </p:txBody>
       </p:sp>
@@ -1800,7 +1798,7 @@
               <a:pPr/>
               <a:t>‹Nr.›</a:t>
             </a:fld>
-            <a:endParaRPr lang="en-US"/>
+            <a:endParaRPr lang="en-US" dirty="0"/>
           </a:p>
         </p:txBody>
       </p:sp>
@@ -4261,7 +4259,7 @@
     </p:spTree>
     <p:extLst>
       <p:ext uri="{BB962C8B-B14F-4D97-AF65-F5344CB8AC3E}">
-        <p14:creationId xmlns="" xmlns:p14="http://schemas.microsoft.com/office/powerpoint/2010/main" val="145907722"/>
+        <p14:creationId xmlns:p14="http://schemas.microsoft.com/office/powerpoint/2010/main" xmlns="" val="145907722"/>
       </p:ext>
     </p:extLst>
   </p:cSld>
@@ -4270,7 +4268,7 @@
   </p:clrMapOvr>
   <p:extLst mod="1">
     <p:ext uri="{DCECCB84-F9BA-43D5-87BE-67443E8EF086}">
-      <p15:sldGuideLst xmlns="" xmlns:p15="http://schemas.microsoft.com/office/powerpoint/2012/main">
+      <p15:sldGuideLst xmlns:p15="http://schemas.microsoft.com/office/powerpoint/2012/main" xmlns="">
         <p15:guide id="1" pos="9168" userDrawn="1">
           <p15:clr>
             <a:srgbClr val="A4A3A4"/>
@@ -4351,7 +4349,7 @@
           <a:lstStyle/>
           <a:p>
             <a:pPr algn="ctr"/>
-            <a:endParaRPr lang="en-US"/>
+            <a:endParaRPr lang="en-US" dirty="0"/>
           </a:p>
         </p:txBody>
       </p:sp>
@@ -4486,9 +4484,9 @@
             <a:fld id="{ECAA57DF-1C19-4726-AB84-014692BAD8F5}" type="datetimeFigureOut">
               <a:rPr lang="en-US" smtClean="0"/>
               <a:pPr/>
-              <a:t>2/12/2014</a:t>
+              <a:t>2/13/2014</a:t>
             </a:fld>
-            <a:endParaRPr lang="en-US"/>
+            <a:endParaRPr lang="en-US" dirty="0"/>
           </a:p>
         </p:txBody>
       </p:sp>
@@ -4567,14 +4565,14 @@
               <a:pPr/>
               <a:t>‹Nr.›</a:t>
             </a:fld>
-            <a:endParaRPr lang="en-US"/>
+            <a:endParaRPr lang="en-US" dirty="0"/>
           </a:p>
         </p:txBody>
       </p:sp>
     </p:spTree>
     <p:extLst>
       <p:ext uri="{BB962C8B-B14F-4D97-AF65-F5344CB8AC3E}">
-        <p14:creationId xmlns="" xmlns:p14="http://schemas.microsoft.com/office/powerpoint/2010/main" val="2508807471"/>
+        <p14:creationId xmlns:p14="http://schemas.microsoft.com/office/powerpoint/2010/main" xmlns="" val="2508807471"/>
       </p:ext>
     </p:extLst>
   </p:cSld>
@@ -4891,7 +4889,7 @@
   </p:txStyles>
   <p:extLst mod="1">
     <p:ext uri="{27BBF7A9-308A-43DC-89C8-2F10F3537804}">
-      <p15:sldGuideLst xmlns="" xmlns:p15="http://schemas.microsoft.com/office/powerpoint/2012/main">
+      <p15:sldGuideLst xmlns:p15="http://schemas.microsoft.com/office/powerpoint/2012/main" xmlns="">
         <p15:guide id="1" orient="horz" pos="10368" userDrawn="1">
           <p15:clr>
             <a:srgbClr val="A4A3A4"/>
@@ -4944,21 +4942,15 @@
           <p:nvPr/>
         </p:nvPicPr>
         <p:blipFill>
-          <a:blip r:embed="rId3" cstate="print">
-            <a:extLst>
-              <a:ext uri="{28A0092B-C50C-407E-A947-70E740481C1C}">
-                <a14:useLocalDpi xmlns="" xmlns:a14="http://schemas.microsoft.com/office/drawing/2010/main" val="0"/>
-              </a:ext>
-            </a:extLst>
-          </a:blip>
+          <a:blip r:embed="rId3"/>
           <a:stretch>
             <a:fillRect/>
           </a:stretch>
         </p:blipFill>
         <p:spPr>
           <a:xfrm>
-            <a:off x="1097280" y="1463040"/>
-            <a:ext cx="3365284" cy="2200847"/>
+            <a:off x="1143002" y="647700"/>
+            <a:ext cx="3319562" cy="3540865"/>
           </a:xfrm>
           <a:prstGeom prst="rect">
             <a:avLst/>
@@ -4990,11 +4982,7 @@
             <a:pPr algn="ctr"/>
             <a:r>
               <a:rPr lang="en-US" dirty="0" smtClean="0"/>
-              <a:t>lex4all: </a:t>
-            </a:r>
-            <a:r>
-              <a:rPr lang="en-US" dirty="0" smtClean="0"/>
-              <a:t>A language-independent tool for building and evaluating pronunciation lexicons for small-vocabulary speech recognition </a:t>
+              <a:t>lex4all: A language-independent tool for building and evaluating pronunciation lexicons for small-vocabulary speech recognition </a:t>
             </a:r>
             <a:endParaRPr lang="en-US" dirty="0"/>
           </a:p>
@@ -5022,26 +5010,9 @@
           <a:p>
             <a:pPr algn="ctr"/>
             <a:r>
-              <a:rPr lang="en-US" sz="6600" dirty="0" err="1" smtClean="0"/>
-              <a:t>Anjana</a:t>
-            </a:r>
-            <a:r>
               <a:rPr lang="en-US" sz="6600" dirty="0" smtClean="0"/>
-              <a:t> </a:t>
-            </a:r>
-            <a:r>
-              <a:rPr lang="en-US" sz="6600" dirty="0" err="1" smtClean="0"/>
-              <a:t>Vakil</a:t>
-            </a:r>
-            <a:r>
-              <a:rPr lang="en-US" sz="6600" dirty="0" smtClean="0"/>
-              <a:t> and Max </a:t>
-            </a:r>
-            <a:r>
-              <a:rPr lang="en-US" sz="6600" dirty="0" err="1" smtClean="0"/>
-              <a:t>Paulus</a:t>
-            </a:r>
-            <a:endParaRPr lang="en-US" sz="6600" dirty="0" smtClean="0"/>
+              <a:t>Anjana Vakil and Max Paulus</a:t>
+            </a:r>
           </a:p>
           <a:p>
             <a:pPr algn="ctr"/>
@@ -5053,36 +5024,6 @@
           </a:p>
         </p:txBody>
       </p:sp>
-      <p:pic>
-        <p:nvPicPr>
-          <p:cNvPr id="36" name="Picture 35" descr="Logo"/>
-          <p:cNvPicPr>
-            <a:picLocks noChangeAspect="1"/>
-          </p:cNvPicPr>
-          <p:nvPr/>
-        </p:nvPicPr>
-        <p:blipFill>
-          <a:blip r:embed="rId3" cstate="print">
-            <a:extLst>
-              <a:ext uri="{28A0092B-C50C-407E-A947-70E740481C1C}">
-                <a14:useLocalDpi xmlns="" xmlns:a14="http://schemas.microsoft.com/office/drawing/2010/main" val="0"/>
-              </a:ext>
-            </a:extLst>
-          </a:blip>
-          <a:stretch>
-            <a:fillRect/>
-          </a:stretch>
-        </p:blipFill>
-        <p:spPr>
-          <a:xfrm>
-            <a:off x="39428636" y="1463040"/>
-            <a:ext cx="3365284" cy="2200847"/>
-          </a:xfrm>
-          <a:prstGeom prst="rect">
-            <a:avLst/>
-          </a:prstGeom>
-        </p:spPr>
-      </p:pic>
       <p:sp>
         <p:nvSpPr>
           <p:cNvPr id="5" name="Text Placeholder 4"/>
@@ -5164,47 +5105,7 @@
             </a:r>
             <a:r>
               <a:rPr lang="en-US" sz="3200" dirty="0" smtClean="0"/>
-              <a:t> </a:t>
-            </a:r>
-            <a:r>
-              <a:rPr lang="en-US" sz="3200" dirty="0" smtClean="0"/>
-              <a:t>an easy-to-use </a:t>
-            </a:r>
-            <a:r>
-              <a:rPr lang="en-US" sz="3200" dirty="0" smtClean="0"/>
-              <a:t>PC application </a:t>
-            </a:r>
-            <a:r>
-              <a:rPr lang="en-US" sz="3200" dirty="0" smtClean="0"/>
-              <a:t>that </a:t>
-            </a:r>
-            <a:r>
-              <a:rPr lang="en-US" sz="3200" dirty="0" smtClean="0"/>
-              <a:t>allows </a:t>
-            </a:r>
-            <a:r>
-              <a:rPr lang="en-US" sz="3200" dirty="0" smtClean="0"/>
-              <a:t>even </a:t>
-            </a:r>
-            <a:r>
-              <a:rPr lang="en-US" sz="3200" dirty="0" smtClean="0"/>
-              <a:t>non-expert users </a:t>
-            </a:r>
-            <a:r>
-              <a:rPr lang="en-US" sz="3200" dirty="0" smtClean="0"/>
-              <a:t>to </a:t>
-            </a:r>
-            <a:r>
-              <a:rPr lang="en-US" sz="3200" dirty="0" smtClean="0"/>
-              <a:t>quickly and easily create pronunciation lexicons </a:t>
-            </a:r>
-            <a:r>
-              <a:rPr lang="en-US" sz="3200" dirty="0" smtClean="0"/>
-              <a:t>for words in </a:t>
-            </a:r>
-            <a:r>
-              <a:rPr lang="en-US" sz="3200" dirty="0" smtClean="0"/>
-              <a:t>any low-resource language (LRL), using: </a:t>
+              <a:t> an easy-to-use PC application that allows even non-expert users to quickly and easily create pronunciation lexicons for words in any low-resource language (LRL), using: </a:t>
             </a:r>
           </a:p>
           <a:p>
@@ -5215,13 +5116,8 @@
             </a:pPr>
             <a:r>
               <a:rPr lang="en-US" sz="3200" dirty="0" smtClean="0"/>
-              <a:t> a </a:t>
-            </a:r>
-            <a:r>
-              <a:rPr lang="en-US" sz="3200" dirty="0" smtClean="0"/>
-              <a:t>small number of audio recordings </a:t>
-            </a:r>
-            <a:endParaRPr lang="en-US" sz="3200" dirty="0" smtClean="0"/>
+              <a:t> a small number of audio recordings </a:t>
+            </a:r>
           </a:p>
           <a:p>
             <a:pPr marL="365760" indent="0">
@@ -5231,15 +5127,7 @@
             </a:pPr>
             <a:r>
               <a:rPr lang="en-US" sz="3200" dirty="0" smtClean="0"/>
-              <a:t> a </a:t>
-            </a:r>
-            <a:r>
-              <a:rPr lang="en-US" sz="3200" dirty="0" smtClean="0"/>
-              <a:t>pre-existing recognition engine in a </a:t>
-            </a:r>
-            <a:r>
-              <a:rPr lang="en-US" sz="3200" dirty="0" smtClean="0"/>
-              <a:t>high-resource language (HRL) </a:t>
+              <a:t> a pre-existing recognition engine in a high-resource language (HRL) </a:t>
             </a:r>
           </a:p>
           <a:p>
@@ -5254,11 +5142,7 @@
             </a:pPr>
             <a:r>
               <a:rPr lang="en-US" sz="3200" dirty="0" smtClean="0"/>
-              <a:t>The </a:t>
-            </a:r>
-            <a:r>
-              <a:rPr lang="en-US" sz="3200" dirty="0" smtClean="0"/>
-              <a:t>resulting lexicon can then be used to add small-vocabulary speech recognition functionality to applications in the LRL.</a:t>
+              <a:t>The resulting lexicon can then be used to add small-vocabulary speech recognition functionality to applications in the LRL.</a:t>
             </a:r>
             <a:endParaRPr lang="en-US" sz="3200" dirty="0"/>
           </a:p>
@@ -5298,7 +5182,7 @@
           <a:lstStyle/>
           <a:p>
             <a:r>
-              <a:rPr lang="en-US" b="1" dirty="0" err="1" smtClean="0"/>
+              <a:rPr lang="en-US" b="1" dirty="0" smtClean="0"/>
               <a:t>BackGround</a:t>
             </a:r>
             <a:r>
@@ -5344,31 +5228,7 @@
             </a:pPr>
             <a:r>
               <a:rPr lang="en-US" sz="3200" dirty="0" smtClean="0"/>
-              <a:t>Speech recognition </a:t>
-            </a:r>
-            <a:r>
-              <a:rPr lang="en-US" sz="3200" dirty="0" smtClean="0"/>
-              <a:t>interfaces can be extremely beneficial for applications in the developing world, particularly in communities where </a:t>
-            </a:r>
-            <a:r>
-              <a:rPr lang="en-US" sz="3200" dirty="0" smtClean="0"/>
-              <a:t>literacy </a:t>
-            </a:r>
-            <a:r>
-              <a:rPr lang="en-US" sz="3200" dirty="0" smtClean="0"/>
-              <a:t>rates are low or where </a:t>
-            </a:r>
-            <a:r>
-              <a:rPr lang="en-US" sz="3200" dirty="0" smtClean="0"/>
-              <a:t>PCs/internet </a:t>
-            </a:r>
-            <a:r>
-              <a:rPr lang="en-US" sz="3200" dirty="0" smtClean="0"/>
-              <a:t>connections are not always </a:t>
-            </a:r>
-            <a:r>
-              <a:rPr lang="en-US" sz="3200" dirty="0" smtClean="0"/>
-              <a:t>available [1, 2].</a:t>
+              <a:t>Speech recognition interfaces can be extremely beneficial for applications in the developing world, particularly in communities where literacy rates are low or where PCs/internet connections are not always available [1, 2].</a:t>
             </a:r>
           </a:p>
           <a:p>
@@ -5389,31 +5249,7 @@
             </a:pPr>
             <a:r>
               <a:rPr lang="en-US" sz="3200" dirty="0" smtClean="0"/>
-              <a:t>Unfortunately, large speech corpora are </a:t>
-            </a:r>
-            <a:r>
-              <a:rPr lang="en-US" sz="3200" dirty="0" smtClean="0"/>
-              <a:t>simply not </a:t>
-            </a:r>
-            <a:r>
-              <a:rPr lang="en-US" sz="3200" dirty="0" smtClean="0"/>
-              <a:t>available for the LRLs spoken in such communities. </a:t>
-            </a:r>
-            <a:r>
-              <a:rPr lang="en-US" sz="3200" dirty="0" smtClean="0"/>
-              <a:t>Such data is, however, </a:t>
-            </a:r>
-            <a:r>
-              <a:rPr lang="en-US" sz="3200" dirty="0" smtClean="0"/>
-              <a:t>essential for </a:t>
-            </a:r>
-            <a:r>
-              <a:rPr lang="en-US" sz="3200" dirty="0" smtClean="0"/>
-              <a:t>the training of acoustic models in speech </a:t>
-            </a:r>
-            <a:r>
-              <a:rPr lang="en-US" sz="3200" dirty="0" smtClean="0"/>
-              <a:t>recognizers. </a:t>
+              <a:t>Unfortunately, large speech corpora are simply not available for the LRLs spoken in such communities. Such data is, however, essential for the training of acoustic models in speech recognizers. </a:t>
             </a:r>
           </a:p>
           <a:p>
@@ -5434,27 +5270,7 @@
             </a:pPr>
             <a:r>
               <a:rPr lang="en-US" sz="3200" dirty="0" smtClean="0"/>
-              <a:t>However</a:t>
-            </a:r>
-            <a:r>
-              <a:rPr lang="en-US" sz="3200" dirty="0" smtClean="0"/>
-              <a:t>, for small-vocabulary applications (requiring recognition of a few dozen terms), we can use </a:t>
-            </a:r>
-            <a:r>
-              <a:rPr lang="en-US" sz="3200" dirty="0" smtClean="0"/>
-              <a:t>an existing recognizer trained </a:t>
-            </a:r>
-            <a:r>
-              <a:rPr lang="en-US" sz="3200" dirty="0" smtClean="0"/>
-              <a:t>for a </a:t>
-            </a:r>
-            <a:r>
-              <a:rPr lang="en-US" sz="3200" dirty="0" smtClean="0"/>
-              <a:t>HRL (e.g. the American English recognition engine of the Microsoft Speech Platform [3]) </a:t>
-            </a:r>
-            <a:r>
-              <a:rPr lang="en-US" sz="3200" dirty="0" smtClean="0"/>
-              <a:t>to accomplish recognition. </a:t>
+              <a:t>However, for small-vocabulary applications (requiring recognition of a few dozen terms), we can use an existing recognizer trained for a HRL (e.g. the American English recognition engine of the Microsoft Speech Platform [3]) to accomplish recognition. </a:t>
             </a:r>
           </a:p>
           <a:p>
@@ -5475,31 +5291,7 @@
             </a:pPr>
             <a:r>
               <a:rPr lang="en-US" sz="3200" dirty="0" smtClean="0"/>
-              <a:t>The </a:t>
-            </a:r>
-            <a:r>
-              <a:rPr lang="en-US" sz="3200" dirty="0" smtClean="0"/>
-              <a:t>idea is to feed the engine </a:t>
-            </a:r>
-            <a:r>
-              <a:rPr lang="en-US" sz="3200" dirty="0" smtClean="0"/>
-              <a:t>with a </a:t>
-            </a:r>
-            <a:r>
-              <a:rPr lang="en-US" sz="3200" dirty="0" smtClean="0"/>
-              <a:t>pronunciation lexicon </a:t>
-            </a:r>
-            <a:r>
-              <a:rPr lang="en-US" sz="3200" dirty="0" smtClean="0"/>
-              <a:t>mapping </a:t>
-            </a:r>
-            <a:r>
-              <a:rPr lang="en-US" sz="3200" dirty="0" smtClean="0"/>
-              <a:t>each term in the target vocabulary to one or more sequences of phonemes in the HRL, i.e. phonemes which the recognizer can </a:t>
-            </a:r>
-            <a:r>
-              <a:rPr lang="en-US" sz="3200" dirty="0" smtClean="0"/>
-              <a:t>model.</a:t>
+              <a:t>The idea is to feed the engine with a pronunciation lexicon mapping each term in the target vocabulary to one or more sequences of phonemes in the HRL, i.e. phonemes which the recognizer can model.</a:t>
             </a:r>
           </a:p>
           <a:p>
@@ -5529,19 +5321,7 @@
             </a:pPr>
             <a:r>
               <a:rPr lang="en-US" sz="3200" dirty="0" smtClean="0"/>
-              <a:t>The </a:t>
-            </a:r>
-            <a:r>
-              <a:rPr lang="en-US" sz="3200" dirty="0" smtClean="0"/>
-              <a:t>recognition </a:t>
-            </a:r>
-            <a:r>
-              <a:rPr lang="en-US" sz="3200" dirty="0" smtClean="0"/>
-              <a:t>task requires</a:t>
-            </a:r>
-            <a:r>
-              <a:rPr lang="en-US" sz="3200" dirty="0" smtClean="0"/>
-              <a:t>:</a:t>
+              <a:t>The recognition task requires:</a:t>
             </a:r>
           </a:p>
           <a:p>
@@ -5606,11 +5386,7 @@
             </a:pPr>
             <a:r>
               <a:rPr lang="en-US" sz="3200" dirty="0" smtClean="0"/>
-              <a:t>Given a tool for automatically creating such lexicons, small-scale developers could add speech </a:t>
-            </a:r>
-            <a:r>
-              <a:rPr lang="en-US" sz="3200" dirty="0" smtClean="0"/>
-              <a:t>interfaces to applications in any language without large audio collections or expertise in speech technology. </a:t>
+              <a:t>Given a tool for automatically creating such lexicons, small-scale developers could add speech interfaces to applications in any language without large audio collections or expertise in speech technology. </a:t>
             </a:r>
           </a:p>
           <a:p>
@@ -5627,7 +5403,6 @@
               <a:rPr lang="en-US" sz="3200" dirty="0" smtClean="0"/>
               <a:t>This is the motivation behind lex4all, a desktop application for Windows based on the Microsoft Speech Platform [3] and the Salaam algorithm for pronunciation mapping [1, 2] (see “Algorithm”).</a:t>
             </a:r>
-            <a:endParaRPr lang="en-US" sz="3200" dirty="0" smtClean="0"/>
           </a:p>
         </p:txBody>
       </p:sp>
@@ -5783,25 +5558,8 @@
             </a:pPr>
             <a:r>
               <a:rPr lang="en-US" sz="3200" dirty="0" smtClean="0"/>
-              <a:t>We use the </a:t>
-            </a:r>
-            <a:r>
-              <a:rPr lang="en-US" sz="3200" dirty="0" smtClean="0"/>
-              <a:t>Salaam </a:t>
-            </a:r>
-            <a:r>
-              <a:rPr lang="en-US" sz="3200" dirty="0" smtClean="0"/>
-              <a:t>method </a:t>
-            </a:r>
-            <a:r>
-              <a:rPr lang="en-US" sz="3200" dirty="0" smtClean="0"/>
-              <a:t>[1, 2] </a:t>
-            </a:r>
-            <a:r>
-              <a:rPr lang="en-US" sz="3200" dirty="0" smtClean="0"/>
-              <a:t>for the automatic discovery of the best pronunciation sequence for each word in the target vocabulary.</a:t>
-            </a:r>
-            <a:endParaRPr lang="en-US" sz="3200" dirty="0" smtClean="0"/>
+              <a:t>We use the Salaam method [1, 2] for the automatic discovery of the best pronunciation sequence for each word in the target vocabulary.</a:t>
+            </a:r>
           </a:p>
           <a:p>
             <a:pPr marL="0" indent="0">
@@ -5832,13 +5590,8 @@
             </a:pPr>
             <a:r>
               <a:rPr lang="en-US" sz="3200" i="1" dirty="0" smtClean="0"/>
-              <a:t>“S</a:t>
-            </a:r>
-            <a:r>
-              <a:rPr lang="en-US" sz="3200" i="1" dirty="0" smtClean="0"/>
-              <a:t>uper-wildcard” grammar:</a:t>
-            </a:r>
-            <a:endParaRPr lang="en-US" sz="3200" i="1" dirty="0" smtClean="0"/>
+              <a:t>“Super-wildcard” grammar:</a:t>
+            </a:r>
           </a:p>
           <a:p>
             <a:pPr>
@@ -5853,11 +5606,7 @@
             </a:pPr>
             <a:r>
               <a:rPr lang="en-US" sz="3200" dirty="0" smtClean="0"/>
-              <a:t>	</a:t>
-            </a:r>
-            <a:r>
-              <a:rPr lang="en-US" sz="3200" dirty="0" smtClean="0"/>
-              <a:t>	</a:t>
+              <a:t>		</a:t>
             </a:r>
             <a:r>
               <a:rPr lang="en-US" dirty="0" smtClean="0"/>
@@ -5882,11 +5631,7 @@
             </a:pPr>
             <a:r>
               <a:rPr lang="en-US" dirty="0" smtClean="0"/>
-              <a:t>	</a:t>
-            </a:r>
-            <a:r>
-              <a:rPr lang="en-US" dirty="0" smtClean="0"/>
-              <a:t>where * represents a single phoneme of the source language.</a:t>
+              <a:t>	where * represents a single phoneme of the source language.</a:t>
             </a:r>
             <a:endParaRPr lang="en-US" sz="3200" dirty="0" smtClean="0"/>
           </a:p>
@@ -5898,11 +5643,7 @@
             </a:pPr>
             <a:r>
               <a:rPr lang="en-US" sz="3200" i="1" dirty="0" smtClean="0"/>
-              <a:t>I</a:t>
-            </a:r>
-            <a:r>
-              <a:rPr lang="en-US" sz="3200" i="1" dirty="0" smtClean="0"/>
-              <a:t>terative training algorithm </a:t>
+              <a:t>Iterative training algorithm </a:t>
             </a:r>
           </a:p>
           <a:p>
@@ -5948,7 +5689,6 @@
               <a:rPr lang="en-US" sz="3200" dirty="0" smtClean="0"/>
               <a:t>Yields more accurate recognition than expert-written pronunciations[1]</a:t>
             </a:r>
-            <a:endParaRPr lang="en-US" sz="3200" dirty="0" smtClean="0"/>
           </a:p>
         </p:txBody>
       </p:sp>
@@ -6037,11 +5777,7 @@
           <a:p>
             <a:r>
               <a:rPr lang="en-US" sz="3200" dirty="0" smtClean="0"/>
-              <a:t>Origina</a:t>
-            </a:r>
-            <a:r>
-              <a:rPr lang="en-US" sz="3200" dirty="0" smtClean="0"/>
-              <a:t>l backend: 1-3 phonemes per sub-word</a:t>
+              <a:t>Original backend: 1-3 phonemes per sub-word</a:t>
             </a:r>
           </a:p>
           <a:p>
@@ -6094,11 +5830,7 @@
             </a:r>
             <a:r>
               <a:rPr lang="en-US" sz="2800" dirty="0" smtClean="0"/>
-              <a:t> (≈20x </a:t>
-            </a:r>
-            <a:r>
-              <a:rPr lang="en-US" sz="2800" dirty="0" smtClean="0"/>
-              <a:t>faster)</a:t>
+              <a:t> (≈20x faster)</a:t>
             </a:r>
             <a:endParaRPr lang="en-US" sz="2800" u="sng" dirty="0" smtClean="0"/>
           </a:p>
@@ -6119,11 +5851,7 @@
             <a:pPr lvl="1"/>
             <a:r>
               <a:rPr lang="en-US" sz="2800" dirty="0" smtClean="0"/>
-              <a:t>Result: n</a:t>
-            </a:r>
-            <a:r>
-              <a:rPr lang="en-US" sz="2800" dirty="0" smtClean="0"/>
-              <a:t>o significant drop in recognition accuracy (see Figure 1)</a:t>
+              <a:t>Result: no significant drop in recognition accuracy (see Figure 1)</a:t>
             </a:r>
           </a:p>
         </p:txBody>
@@ -6179,7 +5907,7 @@
             <p:ph sz="quarter" idx="32"/>
             <p:extLst>
               <p:ext uri="{D42A27DB-BD31-4B8C-83A1-F6EECF244321}">
-                <p14:modId xmlns="" xmlns:p14="http://schemas.microsoft.com/office/powerpoint/2010/main" val="1995786904"/>
+                <p14:modId xmlns:p14="http://schemas.microsoft.com/office/powerpoint/2010/main" xmlns="" val="1995786904"/>
               </p:ext>
             </p:extLst>
           </p:nvPr>
@@ -6464,7 +6192,7 @@
               <a:t>] Fang </a:t>
             </a:r>
             <a:r>
-              <a:rPr lang="en-US" sz="1900" dirty="0" err="1" smtClean="0"/>
+              <a:rPr lang="en-US" sz="1900" dirty="0" smtClean="0"/>
               <a:t>Qiao</a:t>
             </a:r>
             <a:r>
@@ -6472,7 +6200,7 @@
               <a:t>, </a:t>
             </a:r>
             <a:r>
-              <a:rPr lang="en-US" sz="1900" dirty="0" err="1" smtClean="0"/>
+              <a:rPr lang="en-US" sz="1900" dirty="0" smtClean="0"/>
               <a:t>Jahanzeb</a:t>
             </a:r>
             <a:r>
@@ -6480,7 +6208,7 @@
               <a:t> </a:t>
             </a:r>
             <a:r>
-              <a:rPr lang="en-US" sz="1900" dirty="0" err="1" smtClean="0"/>
+              <a:rPr lang="en-US" sz="1900" dirty="0" smtClean="0"/>
               <a:t>Sherwani</a:t>
             </a:r>
             <a:r>
@@ -6488,52 +6216,20 @@
               <a:t>, and </a:t>
             </a:r>
             <a:r>
-              <a:rPr lang="en-US" sz="1900" dirty="0" err="1" smtClean="0"/>
+              <a:rPr lang="en-US" sz="1900" dirty="0" smtClean="0"/>
               <a:t>Roni</a:t>
             </a:r>
             <a:r>
               <a:rPr lang="en-US" sz="1900" dirty="0" smtClean="0"/>
-              <a:t> Rosenfeld</a:t>
+              <a:t> Rosenfeld, 2010. “Small-vocabulary speech recognition for resource- scarce languages,” in </a:t>
+            </a:r>
+            <a:r>
+              <a:rPr lang="en-US" sz="1900" i="1" dirty="0" smtClean="0"/>
+              <a:t>Proceedings of the First ACM Symposium on Computing for Development (ACM DEV ‘10).</a:t>
             </a:r>
             <a:r>
               <a:rPr lang="en-US" sz="1900" dirty="0" smtClean="0"/>
-              <a:t>, 2010. </a:t>
-            </a:r>
-            <a:r>
-              <a:rPr lang="en-US" sz="1900" dirty="0" smtClean="0"/>
-              <a:t>“Small-vocabulary speech recognition for resource- scarce languages,” in </a:t>
-            </a:r>
-            <a:r>
-              <a:rPr lang="en-US" sz="1900" i="1" dirty="0" smtClean="0"/>
-              <a:t>Proceedings of the First ACM Symposium on Computing for </a:t>
-            </a:r>
-            <a:r>
-              <a:rPr lang="en-US" sz="1900" i="1" dirty="0" smtClean="0"/>
-              <a:t>Development (ACM DEV ‘10)</a:t>
-            </a:r>
-            <a:r>
-              <a:rPr lang="en-US" sz="1900" i="1" dirty="0" smtClean="0"/>
-              <a:t>.</a:t>
-            </a:r>
-            <a:r>
-              <a:rPr lang="en-US" sz="1900" dirty="0" smtClean="0"/>
-              <a:t> ACM, New </a:t>
-            </a:r>
-            <a:r>
-              <a:rPr lang="en-US" sz="1900" dirty="0" smtClean="0"/>
-              <a:t>York, NY, USA, </a:t>
-            </a:r>
-            <a:r>
-              <a:rPr lang="en-US" sz="1900" dirty="0" smtClean="0"/>
-              <a:t>pp</a:t>
-            </a:r>
-            <a:r>
-              <a:rPr lang="en-US" sz="1900" dirty="0" smtClean="0"/>
-              <a:t>. </a:t>
-            </a:r>
-            <a:r>
-              <a:rPr lang="en-US" sz="1900" dirty="0" smtClean="0"/>
-              <a:t>3:1–3:8.</a:t>
+              <a:t> ACM, New York, NY, USA, pp. 3:1–3:8.</a:t>
             </a:r>
             <a:endParaRPr kumimoji="0" lang="en-US" sz="1900" b="0" i="0" u="none" strike="noStrike" kern="1200" cap="none" spc="0" normalizeH="0" baseline="0" noProof="0" dirty="0" smtClean="0">
               <a:ln>
@@ -6556,14 +6252,10 @@
             </a:pPr>
             <a:r>
               <a:rPr lang="en-US" sz="1900" dirty="0" smtClean="0"/>
-              <a:t>[2</a:t>
+              <a:t>[2] </a:t>
             </a:r>
             <a:r>
               <a:rPr lang="en-US" sz="1900" dirty="0" smtClean="0"/>
-              <a:t>] </a:t>
-            </a:r>
-            <a:r>
-              <a:rPr lang="en-US" sz="1900" dirty="0" err="1" smtClean="0"/>
               <a:t>Hao</a:t>
             </a:r>
             <a:r>
@@ -6571,48 +6263,20 @@
               <a:t> Yee Chan and </a:t>
             </a:r>
             <a:r>
-              <a:rPr lang="en-US" sz="1900" dirty="0" err="1" smtClean="0"/>
+              <a:rPr lang="en-US" sz="1900" dirty="0" smtClean="0"/>
               <a:t>Roni</a:t>
             </a:r>
             <a:r>
               <a:rPr lang="en-US" sz="1900" dirty="0" smtClean="0"/>
-              <a:t> Rosenfeld</a:t>
+              <a:t> Rosenfeld, 2012. “Discriminative pronunciation learning for speech recognition for resource scarce languages,” in </a:t>
+            </a:r>
+            <a:r>
+              <a:rPr lang="en-US" sz="1900" i="1" dirty="0" smtClean="0"/>
+              <a:t>Proceedings of the 2nd ACM Symposium on Computing for Development (ACM DEV ‘12)</a:t>
             </a:r>
             <a:r>
               <a:rPr lang="en-US" sz="1900" dirty="0" smtClean="0"/>
-              <a:t>, 2012. </a:t>
-            </a:r>
-            <a:r>
-              <a:rPr lang="en-US" sz="1900" dirty="0" smtClean="0"/>
-              <a:t>“Discriminative pronunciation learning for speech recognition for resource scarce languages,” in </a:t>
-            </a:r>
-            <a:r>
-              <a:rPr lang="en-US" sz="1900" i="1" dirty="0" smtClean="0"/>
-              <a:t>Proceedings of the 2nd ACM Symposium on Computing for </a:t>
-            </a:r>
-            <a:r>
-              <a:rPr lang="en-US" sz="1900" i="1" dirty="0" smtClean="0"/>
-              <a:t>Development (ACM DEV ‘12)</a:t>
-            </a:r>
-            <a:r>
-              <a:rPr lang="en-US" sz="1900" dirty="0" smtClean="0"/>
-              <a:t>. ACM, New </a:t>
-            </a:r>
-            <a:r>
-              <a:rPr lang="en-US" sz="1900" dirty="0" smtClean="0"/>
-              <a:t>York, NY, USA, </a:t>
-            </a:r>
-            <a:r>
-              <a:rPr lang="en-US" sz="1900" dirty="0" smtClean="0"/>
-              <a:t>pp</a:t>
-            </a:r>
-            <a:r>
-              <a:rPr lang="en-US" sz="1900" dirty="0" smtClean="0"/>
-              <a:t>. </a:t>
-            </a:r>
-            <a:r>
-              <a:rPr lang="en-US" sz="1900" dirty="0" smtClean="0"/>
-              <a:t>12:1–12:6. </a:t>
+              <a:t>. ACM, New York, NY, USA, pp. 12:1–12:6. </a:t>
             </a:r>
           </a:p>
           <a:p>
@@ -6750,7 +6414,6 @@
               <a:rPr lang="en-US" sz="3200" dirty="0" smtClean="0"/>
               <a:t>[2] </a:t>
             </a:r>
-            <a:endParaRPr lang="en-US" sz="3200" dirty="0" smtClean="0"/>
           </a:p>
           <a:p>
             <a:pPr fontAlgn="base">
@@ -6761,23 +6424,7 @@
             </a:pPr>
             <a:r>
               <a:rPr lang="en-US" dirty="0" smtClean="0"/>
-              <a:t>	</a:t>
-            </a:r>
-            <a:r>
-              <a:rPr lang="en-US" dirty="0" smtClean="0"/>
-              <a:t>An </a:t>
-            </a:r>
-            <a:r>
-              <a:rPr lang="en-US" dirty="0" smtClean="0"/>
-              <a:t>additional </a:t>
-            </a:r>
-            <a:r>
-              <a:rPr lang="en-US" dirty="0" smtClean="0"/>
-              <a:t>training step removes pronunciations in </a:t>
-            </a:r>
-            <a:r>
-              <a:rPr lang="en-US" dirty="0" smtClean="0"/>
-              <a:t>the lexicon that may reduce recognition accuracy by matching multiple words in the vocabulary</a:t>
+              <a:t>	An additional training step removes pronunciations in the lexicon that may reduce recognition accuracy by matching multiple words in the vocabulary</a:t>
             </a:r>
           </a:p>
           <a:p>
@@ -6788,13 +6435,8 @@
             </a:pPr>
             <a:r>
               <a:rPr lang="en-US" sz="3200" b="1" dirty="0" smtClean="0"/>
-              <a:t>Evaluation </a:t>
-            </a:r>
-            <a:r>
-              <a:rPr lang="en-US" sz="3200" b="1" dirty="0" smtClean="0"/>
-              <a:t>module </a:t>
-            </a:r>
-            <a:endParaRPr lang="en-US" sz="3200" b="1" dirty="0" smtClean="0"/>
+              <a:t>Evaluation module </a:t>
+            </a:r>
           </a:p>
           <a:p>
             <a:pPr fontAlgn="base">
@@ -6805,13 +6447,8 @@
             </a:pPr>
             <a:r>
               <a:rPr lang="en-US" dirty="0" smtClean="0"/>
-              <a:t>	</a:t>
-            </a:r>
-            <a:r>
-              <a:rPr lang="en-US" dirty="0" smtClean="0"/>
-              <a:t>Facilitates research by automatically simulating recognition on a test set of audio samples. Reports recognition accuracy rates and confusion matrix.</a:t>
-            </a:r>
-            <a:endParaRPr lang="en-US" dirty="0" smtClean="0"/>
+              <a:t>	Facilitates research by automatically simulating recognition on a test set of audio samples. Reports recognition accuracy rates and confusion matrix.</a:t>
+            </a:r>
           </a:p>
           <a:p>
             <a:pPr fontAlgn="base">
@@ -6888,7 +6525,6 @@
               <a:rPr lang="en-US" sz="2800" b="1" dirty="0" smtClean="0"/>
               <a:t>Acknowledgments</a:t>
             </a:r>
-            <a:endParaRPr lang="en-US" sz="2800" b="1" dirty="0" smtClean="0"/>
           </a:p>
           <a:p>
             <a:pPr marL="0" marR="0" lvl="0" indent="0" algn="l" defTabSz="4389120" rtl="0" eaLnBrk="1" fontAlgn="auto" latinLnBrk="0" hangingPunct="1">
@@ -6925,7 +6561,7 @@
               <a:t>Many thanks to </a:t>
             </a:r>
             <a:r>
-              <a:rPr kumimoji="0" lang="en-US" sz="2400" i="0" u="none" strike="noStrike" kern="1200" cap="none" spc="0" normalizeH="0" baseline="0" noProof="0" dirty="0" err="1" smtClean="0">
+              <a:rPr kumimoji="0" lang="en-US" sz="2400" i="0" u="none" strike="noStrike" kern="1200" cap="none" spc="0" normalizeH="0" baseline="0" noProof="0" dirty="0" smtClean="0">
                 <a:ln>
                   <a:noFill/>
                 </a:ln>
@@ -6953,7 +6589,7 @@
               <a:t> Rosenfeld, </a:t>
             </a:r>
             <a:r>
-              <a:rPr kumimoji="0" lang="en-US" sz="2400" i="0" u="none" strike="noStrike" kern="1200" cap="none" spc="0" normalizeH="0" baseline="0" noProof="0" dirty="0" err="1" smtClean="0">
+              <a:rPr kumimoji="0" lang="en-US" sz="2400" i="0" u="none" strike="noStrike" kern="1200" cap="none" spc="0" normalizeH="0" baseline="0" noProof="0" dirty="0" smtClean="0">
                 <a:ln>
                   <a:noFill/>
                 </a:ln>
@@ -6981,7 +6617,7 @@
               <a:t> Yee Chan, and Mark </a:t>
             </a:r>
             <a:r>
-              <a:rPr kumimoji="0" lang="en-US" sz="2400" i="0" u="none" strike="noStrike" kern="1200" cap="none" spc="0" normalizeH="0" baseline="0" noProof="0" dirty="0" err="1" smtClean="0">
+              <a:rPr kumimoji="0" lang="en-US" sz="2400" i="0" u="none" strike="noStrike" kern="1200" cap="none" spc="0" normalizeH="0" baseline="0" noProof="0" dirty="0" smtClean="0">
                 <a:ln>
                   <a:noFill/>
                 </a:ln>
@@ -7022,10 +6658,34 @@
           </a:p>
         </p:txBody>
       </p:sp>
+      <p:pic>
+        <p:nvPicPr>
+          <p:cNvPr id="26" name="Picture 34" descr="Logo"/>
+          <p:cNvPicPr>
+            <a:picLocks noChangeAspect="1"/>
+          </p:cNvPicPr>
+          <p:nvPr/>
+        </p:nvPicPr>
+        <p:blipFill>
+          <a:blip r:embed="rId3"/>
+          <a:stretch>
+            <a:fillRect/>
+          </a:stretch>
+        </p:blipFill>
+        <p:spPr>
+          <a:xfrm>
+            <a:off x="39411194" y="655722"/>
+            <a:ext cx="3319562" cy="3540865"/>
+          </a:xfrm>
+          <a:prstGeom prst="rect">
+            <a:avLst/>
+          </a:prstGeom>
+        </p:spPr>
+      </p:pic>
     </p:spTree>
     <p:extLst>
       <p:ext uri="{BB962C8B-B14F-4D97-AF65-F5344CB8AC3E}">
-        <p14:creationId xmlns="" xmlns:p14="http://schemas.microsoft.com/office/powerpoint/2010/main" val="931198942"/>
+        <p14:creationId xmlns:p14="http://schemas.microsoft.com/office/powerpoint/2010/main" xmlns="" val="931198942"/>
       </p:ext>
     </p:extLst>
   </p:cSld>
@@ -7368,7 +7028,7 @@
   <a:extraClrSchemeLst/>
   <a:extLst>
     <a:ext uri="{05A4C25C-085E-4340-85A3-A5531E510DB2}">
-      <thm15:themeFamily xmlns="" xmlns:thm15="http://schemas.microsoft.com/office/thememl/2012/main" name="Presentation1" id="{55A68E73-61CB-4542-8C48-DCBB2482A3D5}" vid="{6A3CA63D-1E3C-4681-8668-89277FEB3FEB}"/>
+      <thm15:themeFamily xmlns:thm15="http://schemas.microsoft.com/office/thememl/2012/main" xmlns="" name="Presentation1" id="{55A68E73-61CB-4542-8C48-DCBB2482A3D5}" vid="{6A3CA63D-1E3C-4681-8668-89277FEB3FEB}"/>
     </a:ext>
   </a:extLst>
 </a:theme>
@@ -7629,7 +7289,7 @@
   <a:extraClrSchemeLst/>
   <a:extLst>
     <a:ext uri="{05A4C25C-085E-4340-85A3-A5531E510DB2}">
-      <thm15:themeFamily xmlns="" xmlns:thm15="http://schemas.microsoft.com/office/thememl/2012/main" name="Office Theme" id="{62F939B6-93AF-4DB8-9C6B-D6C7DFDC589F}" vid="{4A3C46E8-61CC-4603-A589-7422A47A8E4A}"/>
+      <thm15:themeFamily xmlns:thm15="http://schemas.microsoft.com/office/thememl/2012/main" xmlns="" name="Office Theme" id="{62F939B6-93AF-4DB8-9C6B-D6C7DFDC589F}" vid="{4A3C46E8-61CC-4603-A589-7422A47A8E4A}"/>
     </a:ext>
   </a:extLst>
 </a:theme>
@@ -7890,7 +7550,7 @@
   <a:extraClrSchemeLst/>
   <a:extLst>
     <a:ext uri="{05A4C25C-085E-4340-85A3-A5531E510DB2}">
-      <thm15:themeFamily xmlns="" xmlns:thm15="http://schemas.microsoft.com/office/thememl/2012/main" name="Office Theme" id="{62F939B6-93AF-4DB8-9C6B-D6C7DFDC589F}" vid="{4A3C46E8-61CC-4603-A589-7422A47A8E4A}"/>
+      <thm15:themeFamily xmlns:thm15="http://schemas.microsoft.com/office/thememl/2012/main" xmlns="" name="Office Theme" id="{62F939B6-93AF-4DB8-9C6B-D6C7DFDC589F}" vid="{4A3C46E8-61CC-4603-A589-7422A47A8E4A}"/>
     </a:ext>
   </a:extLst>
 </a:theme>
